--- a/Topic_Modeling.pptx
+++ b/Topic_Modeling.pptx
@@ -5,7 +5,7 @@
     <p:sldMasterId id="2147483672" r:id="rId1"/>
   </p:sldMasterIdLst>
   <p:notesMasterIdLst>
-    <p:notesMasterId r:id="rId13"/>
+    <p:notesMasterId r:id="rId14"/>
   </p:notesMasterIdLst>
   <p:sldIdLst>
     <p:sldId id="256" r:id="rId2"/>
@@ -14,40 +14,46 @@
     <p:sldId id="260" r:id="rId5"/>
     <p:sldId id="263" r:id="rId6"/>
     <p:sldId id="265" r:id="rId7"/>
-    <p:sldId id="270" r:id="rId8"/>
-    <p:sldId id="266" r:id="rId9"/>
-    <p:sldId id="275" r:id="rId10"/>
-    <p:sldId id="269" r:id="rId11"/>
-    <p:sldId id="278" r:id="rId12"/>
+    <p:sldId id="279" r:id="rId8"/>
+    <p:sldId id="270" r:id="rId9"/>
+    <p:sldId id="266" r:id="rId10"/>
+    <p:sldId id="275" r:id="rId11"/>
+    <p:sldId id="269" r:id="rId12"/>
+    <p:sldId id="278" r:id="rId13"/>
   </p:sldIdLst>
   <p:sldSz cx="9144000" cy="5143500" type="screen16x9"/>
   <p:notesSz cx="6858000" cy="9144000"/>
   <p:embeddedFontLst>
     <p:embeddedFont>
       <p:font typeface="Merriweather" panose="00000500000000000000" pitchFamily="2" charset="0"/>
-      <p:regular r:id="rId14"/>
-      <p:bold r:id="rId15"/>
-      <p:italic r:id="rId16"/>
-      <p:boldItalic r:id="rId17"/>
+      <p:regular r:id="rId15"/>
+      <p:bold r:id="rId16"/>
+      <p:italic r:id="rId17"/>
+      <p:boldItalic r:id="rId18"/>
     </p:embeddedFont>
     <p:embeddedFont>
       <p:font typeface="Merriweather Black" panose="00000A00000000000000" pitchFamily="2" charset="0"/>
-      <p:bold r:id="rId18"/>
-      <p:boldItalic r:id="rId19"/>
+      <p:bold r:id="rId19"/>
+      <p:boldItalic r:id="rId20"/>
     </p:embeddedFont>
     <p:embeddedFont>
       <p:font typeface="Montserrat" panose="00000500000000000000" pitchFamily="2" charset="0"/>
-      <p:regular r:id="rId20"/>
-      <p:bold r:id="rId21"/>
-      <p:italic r:id="rId22"/>
-      <p:boldItalic r:id="rId23"/>
+      <p:regular r:id="rId21"/>
+      <p:bold r:id="rId22"/>
+      <p:italic r:id="rId23"/>
+      <p:boldItalic r:id="rId24"/>
     </p:embeddedFont>
     <p:embeddedFont>
       <p:font typeface="Roboto" panose="02000000000000000000" pitchFamily="2" charset="0"/>
-      <p:regular r:id="rId24"/>
-      <p:bold r:id="rId25"/>
-      <p:italic r:id="rId26"/>
-      <p:boldItalic r:id="rId27"/>
+      <p:regular r:id="rId25"/>
+      <p:bold r:id="rId26"/>
+      <p:italic r:id="rId27"/>
+      <p:boldItalic r:id="rId28"/>
+    </p:embeddedFont>
+    <p:embeddedFont>
+      <p:font typeface="Tahoma" panose="020B0604030504040204" pitchFamily="34" charset="0"/>
+      <p:regular r:id="rId29"/>
+      <p:bold r:id="rId30"/>
     </p:embeddedFont>
   </p:embeddedFontLst>
   <p:defaultTextStyle>
@@ -279,6 +285,11 @@
       </a:defRPr>
     </a:lvl9pPr>
   </p:defaultTextStyle>
+  <p:extLst>
+    <p:ext uri="{EFAFB233-063F-42B5-8137-9DF3F51BA10A}">
+      <p15:sldGuideLst xmlns:p15="http://schemas.microsoft.com/office/powerpoint/2012/main"/>
+    </p:ext>
+  </p:extLst>
 </p:presentation>
 </file>
 
@@ -832,6 +843,110 @@
   <p:cSld>
     <p:spTree>
       <p:nvGrpSpPr>
+        <p:cNvPr id="1" name="Shape 541"/>
+        <p:cNvGrpSpPr/>
+        <p:nvPr/>
+      </p:nvGrpSpPr>
+      <p:grpSpPr>
+        <a:xfrm>
+          <a:off x="0" y="0"/>
+          <a:ext cx="0" cy="0"/>
+          <a:chOff x="0" y="0"/>
+          <a:chExt cx="0" cy="0"/>
+        </a:xfrm>
+      </p:grpSpPr>
+      <p:sp>
+        <p:nvSpPr>
+          <p:cNvPr id="542" name="Google Shape;542;ga1c9dfcaa3_2_172:notes"/>
+          <p:cNvSpPr>
+            <a:spLocks noGrp="1" noRot="1" noChangeAspect="1"/>
+          </p:cNvSpPr>
+          <p:nvPr>
+            <p:ph type="sldImg" idx="2"/>
+          </p:nvPr>
+        </p:nvSpPr>
+        <p:spPr>
+          <a:xfrm>
+            <a:off x="381000" y="685800"/>
+            <a:ext cx="6096000" cy="3429000"/>
+          </a:xfrm>
+          <a:custGeom>
+            <a:avLst/>
+            <a:gdLst/>
+            <a:ahLst/>
+            <a:cxnLst/>
+            <a:rect l="l" t="t" r="r" b="b"/>
+            <a:pathLst>
+              <a:path w="120000" h="120000" extrusionOk="0">
+                <a:moveTo>
+                  <a:pt x="0" y="0"/>
+                </a:moveTo>
+                <a:lnTo>
+                  <a:pt x="120000" y="0"/>
+                </a:lnTo>
+                <a:lnTo>
+                  <a:pt x="120000" y="120000"/>
+                </a:lnTo>
+                <a:lnTo>
+                  <a:pt x="0" y="120000"/>
+                </a:lnTo>
+                <a:close/>
+              </a:path>
+            </a:pathLst>
+          </a:custGeom>
+        </p:spPr>
+      </p:sp>
+      <p:sp>
+        <p:nvSpPr>
+          <p:cNvPr id="543" name="Google Shape;543;ga1c9dfcaa3_2_172:notes"/>
+          <p:cNvSpPr txBox="1">
+            <a:spLocks noGrp="1"/>
+          </p:cNvSpPr>
+          <p:nvPr>
+            <p:ph type="body" idx="1"/>
+          </p:nvPr>
+        </p:nvSpPr>
+        <p:spPr>
+          <a:xfrm>
+            <a:off x="685800" y="4343400"/>
+            <a:ext cx="5486400" cy="4114800"/>
+          </a:xfrm>
+          <a:prstGeom prst="rect">
+            <a:avLst/>
+          </a:prstGeom>
+        </p:spPr>
+        <p:txBody>
+          <a:bodyPr spcFirstLastPara="1" wrap="square" lIns="91425" tIns="91425" rIns="91425" bIns="91425" anchor="t" anchorCtr="0">
+            <a:noAutofit/>
+          </a:bodyPr>
+          <a:lstStyle/>
+          <a:p>
+            <a:pPr marL="0" lvl="0" indent="0" algn="l" rtl="0">
+              <a:spcBef>
+                <a:spcPts val="0"/>
+              </a:spcBef>
+              <a:spcAft>
+                <a:spcPts val="0"/>
+              </a:spcAft>
+              <a:buNone/>
+            </a:pPr>
+            <a:endParaRPr/>
+          </a:p>
+        </p:txBody>
+      </p:sp>
+    </p:spTree>
+  </p:cSld>
+  <p:clrMapOvr>
+    <a:masterClrMapping/>
+  </p:clrMapOvr>
+</p:notes>
+</file>
+
+<file path=ppt/notesSlides/notesSlide11.xml><?xml version="1.0" encoding="utf-8"?>
+<p:notes xmlns:a="http://schemas.openxmlformats.org/drawingml/2006/main" xmlns:r="http://schemas.openxmlformats.org/officeDocument/2006/relationships" xmlns:p="http://schemas.openxmlformats.org/presentationml/2006/main" showMasterSp="0" showMasterPhAnim="0">
+  <p:cSld>
+    <p:spTree>
+      <p:nvGrpSpPr>
         <p:cNvPr id="1" name="Shape 378"/>
         <p:cNvGrpSpPr/>
         <p:nvPr/>
@@ -931,7 +1046,7 @@
 </p:notes>
 </file>
 
-<file path=ppt/notesSlides/notesSlide11.xml><?xml version="1.0" encoding="utf-8"?>
+<file path=ppt/notesSlides/notesSlide12.xml><?xml version="1.0" encoding="utf-8"?>
 <p:notes xmlns:a="http://schemas.openxmlformats.org/drawingml/2006/main" xmlns:r="http://schemas.openxmlformats.org/officeDocument/2006/relationships" xmlns:p="http://schemas.openxmlformats.org/presentationml/2006/main" showMasterSp="0" showMasterPhAnim="0">
   <p:cSld>
     <p:spTree>
@@ -1560,6 +1675,115 @@
   <p:cSld>
     <p:spTree>
       <p:nvGrpSpPr>
+        <p:cNvPr id="1" name="Shape 312"/>
+        <p:cNvGrpSpPr/>
+        <p:nvPr/>
+      </p:nvGrpSpPr>
+      <p:grpSpPr>
+        <a:xfrm>
+          <a:off x="0" y="0"/>
+          <a:ext cx="0" cy="0"/>
+          <a:chOff x="0" y="0"/>
+          <a:chExt cx="0" cy="0"/>
+        </a:xfrm>
+      </p:grpSpPr>
+      <p:sp>
+        <p:nvSpPr>
+          <p:cNvPr id="313" name="Google Shape;313;g9bb8b22931_4_22:notes"/>
+          <p:cNvSpPr>
+            <a:spLocks noGrp="1" noRot="1" noChangeAspect="1"/>
+          </p:cNvSpPr>
+          <p:nvPr>
+            <p:ph type="sldImg" idx="2"/>
+          </p:nvPr>
+        </p:nvSpPr>
+        <p:spPr>
+          <a:xfrm>
+            <a:off x="381000" y="685800"/>
+            <a:ext cx="6096000" cy="3429000"/>
+          </a:xfrm>
+          <a:custGeom>
+            <a:avLst/>
+            <a:gdLst/>
+            <a:ahLst/>
+            <a:cxnLst/>
+            <a:rect l="l" t="t" r="r" b="b"/>
+            <a:pathLst>
+              <a:path w="120000" h="120000" extrusionOk="0">
+                <a:moveTo>
+                  <a:pt x="0" y="0"/>
+                </a:moveTo>
+                <a:lnTo>
+                  <a:pt x="120000" y="0"/>
+                </a:lnTo>
+                <a:lnTo>
+                  <a:pt x="120000" y="120000"/>
+                </a:lnTo>
+                <a:lnTo>
+                  <a:pt x="0" y="120000"/>
+                </a:lnTo>
+                <a:close/>
+              </a:path>
+            </a:pathLst>
+          </a:custGeom>
+        </p:spPr>
+      </p:sp>
+      <p:sp>
+        <p:nvSpPr>
+          <p:cNvPr id="314" name="Google Shape;314;g9bb8b22931_4_22:notes"/>
+          <p:cNvSpPr txBox="1">
+            <a:spLocks noGrp="1"/>
+          </p:cNvSpPr>
+          <p:nvPr>
+            <p:ph type="body" idx="1"/>
+          </p:nvPr>
+        </p:nvSpPr>
+        <p:spPr>
+          <a:xfrm>
+            <a:off x="685800" y="4343400"/>
+            <a:ext cx="5486400" cy="4114800"/>
+          </a:xfrm>
+          <a:prstGeom prst="rect">
+            <a:avLst/>
+          </a:prstGeom>
+        </p:spPr>
+        <p:txBody>
+          <a:bodyPr spcFirstLastPara="1" wrap="square" lIns="91425" tIns="91425" rIns="91425" bIns="91425" anchor="t" anchorCtr="0">
+            <a:noAutofit/>
+          </a:bodyPr>
+          <a:lstStyle/>
+          <a:p>
+            <a:pPr marL="0" lvl="0" indent="0" algn="l" rtl="0">
+              <a:spcBef>
+                <a:spcPts val="0"/>
+              </a:spcBef>
+              <a:spcAft>
+                <a:spcPts val="0"/>
+              </a:spcAft>
+              <a:buNone/>
+            </a:pPr>
+            <a:endParaRPr/>
+          </a:p>
+        </p:txBody>
+      </p:sp>
+    </p:spTree>
+    <p:extLst>
+      <p:ext uri="{BB962C8B-B14F-4D97-AF65-F5344CB8AC3E}">
+        <p14:creationId xmlns:p14="http://schemas.microsoft.com/office/powerpoint/2010/main" val="3377885536"/>
+      </p:ext>
+    </p:extLst>
+  </p:cSld>
+  <p:clrMapOvr>
+    <a:masterClrMapping/>
+  </p:clrMapOvr>
+</p:notes>
+</file>
+
+<file path=ppt/notesSlides/notesSlide8.xml><?xml version="1.0" encoding="utf-8"?>
+<p:notes xmlns:a="http://schemas.openxmlformats.org/drawingml/2006/main" xmlns:r="http://schemas.openxmlformats.org/officeDocument/2006/relationships" xmlns:p="http://schemas.openxmlformats.org/presentationml/2006/main" showMasterSp="0" showMasterPhAnim="0">
+  <p:cSld>
+    <p:spTree>
+      <p:nvGrpSpPr>
         <p:cNvPr id="1" name="Shape 392"/>
         <p:cNvGrpSpPr/>
         <p:nvPr/>
@@ -1659,7 +1883,7 @@
 </p:notes>
 </file>
 
-<file path=ppt/notesSlides/notesSlide8.xml><?xml version="1.0" encoding="utf-8"?>
+<file path=ppt/notesSlides/notesSlide9.xml><?xml version="1.0" encoding="utf-8"?>
 <p:notes xmlns:a="http://schemas.openxmlformats.org/drawingml/2006/main" xmlns:r="http://schemas.openxmlformats.org/officeDocument/2006/relationships" xmlns:p="http://schemas.openxmlformats.org/presentationml/2006/main" showMasterSp="0" showMasterPhAnim="0">
   <p:cSld>
     <p:spTree>
@@ -1720,110 +1944,6 @@
       <p:sp>
         <p:nvSpPr>
           <p:cNvPr id="336" name="Google Shape;336;ga1c9dfcaa3_0_158:notes"/>
-          <p:cNvSpPr txBox="1">
-            <a:spLocks noGrp="1"/>
-          </p:cNvSpPr>
-          <p:nvPr>
-            <p:ph type="body" idx="1"/>
-          </p:nvPr>
-        </p:nvSpPr>
-        <p:spPr>
-          <a:xfrm>
-            <a:off x="685800" y="4343400"/>
-            <a:ext cx="5486400" cy="4114800"/>
-          </a:xfrm>
-          <a:prstGeom prst="rect">
-            <a:avLst/>
-          </a:prstGeom>
-        </p:spPr>
-        <p:txBody>
-          <a:bodyPr spcFirstLastPara="1" wrap="square" lIns="91425" tIns="91425" rIns="91425" bIns="91425" anchor="t" anchorCtr="0">
-            <a:noAutofit/>
-          </a:bodyPr>
-          <a:lstStyle/>
-          <a:p>
-            <a:pPr marL="0" lvl="0" indent="0" algn="l" rtl="0">
-              <a:spcBef>
-                <a:spcPts val="0"/>
-              </a:spcBef>
-              <a:spcAft>
-                <a:spcPts val="0"/>
-              </a:spcAft>
-              <a:buNone/>
-            </a:pPr>
-            <a:endParaRPr/>
-          </a:p>
-        </p:txBody>
-      </p:sp>
-    </p:spTree>
-  </p:cSld>
-  <p:clrMapOvr>
-    <a:masterClrMapping/>
-  </p:clrMapOvr>
-</p:notes>
-</file>
-
-<file path=ppt/notesSlides/notesSlide9.xml><?xml version="1.0" encoding="utf-8"?>
-<p:notes xmlns:a="http://schemas.openxmlformats.org/drawingml/2006/main" xmlns:r="http://schemas.openxmlformats.org/officeDocument/2006/relationships" xmlns:p="http://schemas.openxmlformats.org/presentationml/2006/main" showMasterSp="0" showMasterPhAnim="0">
-  <p:cSld>
-    <p:spTree>
-      <p:nvGrpSpPr>
-        <p:cNvPr id="1" name="Shape 541"/>
-        <p:cNvGrpSpPr/>
-        <p:nvPr/>
-      </p:nvGrpSpPr>
-      <p:grpSpPr>
-        <a:xfrm>
-          <a:off x="0" y="0"/>
-          <a:ext cx="0" cy="0"/>
-          <a:chOff x="0" y="0"/>
-          <a:chExt cx="0" cy="0"/>
-        </a:xfrm>
-      </p:grpSpPr>
-      <p:sp>
-        <p:nvSpPr>
-          <p:cNvPr id="542" name="Google Shape;542;ga1c9dfcaa3_2_172:notes"/>
-          <p:cNvSpPr>
-            <a:spLocks noGrp="1" noRot="1" noChangeAspect="1"/>
-          </p:cNvSpPr>
-          <p:nvPr>
-            <p:ph type="sldImg" idx="2"/>
-          </p:nvPr>
-        </p:nvSpPr>
-        <p:spPr>
-          <a:xfrm>
-            <a:off x="381000" y="685800"/>
-            <a:ext cx="6096000" cy="3429000"/>
-          </a:xfrm>
-          <a:custGeom>
-            <a:avLst/>
-            <a:gdLst/>
-            <a:ahLst/>
-            <a:cxnLst/>
-            <a:rect l="l" t="t" r="r" b="b"/>
-            <a:pathLst>
-              <a:path w="120000" h="120000" extrusionOk="0">
-                <a:moveTo>
-                  <a:pt x="0" y="0"/>
-                </a:moveTo>
-                <a:lnTo>
-                  <a:pt x="120000" y="0"/>
-                </a:lnTo>
-                <a:lnTo>
-                  <a:pt x="120000" y="120000"/>
-                </a:lnTo>
-                <a:lnTo>
-                  <a:pt x="0" y="120000"/>
-                </a:lnTo>
-                <a:close/>
-              </a:path>
-            </a:pathLst>
-          </a:custGeom>
-        </p:spPr>
-      </p:sp>
-      <p:sp>
-        <p:nvSpPr>
-          <p:cNvPr id="543" name="Google Shape;543;ga1c9dfcaa3_2_172:notes"/>
           <p:cNvSpPr txBox="1">
             <a:spLocks noGrp="1"/>
           </p:cNvSpPr>
@@ -12351,6 +12471,354 @@
   <p:cSld>
     <p:spTree>
       <p:nvGrpSpPr>
+        <p:cNvPr id="1" name="Shape 544"/>
+        <p:cNvGrpSpPr/>
+        <p:nvPr/>
+      </p:nvGrpSpPr>
+      <p:grpSpPr>
+        <a:xfrm>
+          <a:off x="0" y="0"/>
+          <a:ext cx="0" cy="0"/>
+          <a:chOff x="0" y="0"/>
+          <a:chExt cx="0" cy="0"/>
+        </a:xfrm>
+      </p:grpSpPr>
+      <p:sp>
+        <p:nvSpPr>
+          <p:cNvPr id="545" name="Google Shape;545;p46"/>
+          <p:cNvSpPr txBox="1">
+            <a:spLocks noGrp="1"/>
+          </p:cNvSpPr>
+          <p:nvPr>
+            <p:ph type="subTitle" idx="1"/>
+          </p:nvPr>
+        </p:nvSpPr>
+        <p:spPr>
+          <a:xfrm>
+            <a:off x="1597200" y="487650"/>
+            <a:ext cx="5934600" cy="420600"/>
+          </a:xfrm>
+          <a:prstGeom prst="rect">
+            <a:avLst/>
+          </a:prstGeom>
+        </p:spPr>
+        <p:txBody>
+          <a:bodyPr spcFirstLastPara="1" wrap="square" lIns="91425" tIns="91425" rIns="91425" bIns="91425" anchor="ctr" anchorCtr="0">
+            <a:noAutofit/>
+          </a:bodyPr>
+          <a:lstStyle/>
+          <a:p>
+            <a:pPr marL="0" lvl="0" indent="0" algn="ctr" rtl="0">
+              <a:spcBef>
+                <a:spcPts val="0"/>
+              </a:spcBef>
+              <a:spcAft>
+                <a:spcPts val="0"/>
+              </a:spcAft>
+              <a:buNone/>
+            </a:pPr>
+            <a:r>
+              <a:rPr lang="en" dirty="0"/>
+              <a:t>The Daily News</a:t>
+            </a:r>
+            <a:endParaRPr dirty="0"/>
+          </a:p>
+        </p:txBody>
+      </p:sp>
+      <p:pic>
+        <p:nvPicPr>
+          <p:cNvPr id="546" name="Google Shape;546;p46"/>
+          <p:cNvPicPr preferRelativeResize="0"/>
+          <p:nvPr/>
+        </p:nvPicPr>
+        <p:blipFill rotWithShape="1">
+          <a:blip r:embed="rId3">
+            <a:alphaModFix/>
+          </a:blip>
+          <a:srcRect t="19340" b="24372"/>
+          <a:stretch/>
+        </p:blipFill>
+        <p:spPr>
+          <a:xfrm flipH="1">
+            <a:off x="721500" y="1716900"/>
+            <a:ext cx="7686600" cy="2886599"/>
+          </a:xfrm>
+          <a:prstGeom prst="rect">
+            <a:avLst/>
+          </a:prstGeom>
+          <a:noFill/>
+          <a:ln>
+            <a:noFill/>
+          </a:ln>
+        </p:spPr>
+      </p:pic>
+      <p:sp>
+        <p:nvSpPr>
+          <p:cNvPr id="547" name="Google Shape;547;p46"/>
+          <p:cNvSpPr/>
+          <p:nvPr/>
+        </p:nvSpPr>
+        <p:spPr>
+          <a:xfrm>
+            <a:off x="1597200" y="3110425"/>
+            <a:ext cx="2636400" cy="640800"/>
+          </a:xfrm>
+          <a:prstGeom prst="rect">
+            <a:avLst/>
+          </a:prstGeom>
+          <a:solidFill>
+            <a:schemeClr val="accent2"/>
+          </a:solidFill>
+          <a:ln>
+            <a:noFill/>
+          </a:ln>
+        </p:spPr>
+        <p:txBody>
+          <a:bodyPr spcFirstLastPara="1" wrap="square" lIns="91425" tIns="91425" rIns="91425" bIns="91425" anchor="ctr" anchorCtr="0">
+            <a:noAutofit/>
+          </a:bodyPr>
+          <a:lstStyle/>
+          <a:p>
+            <a:pPr marL="0" lvl="0" indent="0" algn="l" rtl="0">
+              <a:spcBef>
+                <a:spcPts val="0"/>
+              </a:spcBef>
+              <a:spcAft>
+                <a:spcPts val="0"/>
+              </a:spcAft>
+              <a:buNone/>
+            </a:pPr>
+            <a:endParaRPr/>
+          </a:p>
+        </p:txBody>
+      </p:sp>
+      <p:sp>
+        <p:nvSpPr>
+          <p:cNvPr id="548" name="Google Shape;548;p46"/>
+          <p:cNvSpPr txBox="1">
+            <a:spLocks noGrp="1"/>
+          </p:cNvSpPr>
+          <p:nvPr>
+            <p:ph type="ctrTitle" idx="2"/>
+          </p:nvPr>
+        </p:nvSpPr>
+        <p:spPr>
+          <a:xfrm>
+            <a:off x="1598400" y="3168025"/>
+            <a:ext cx="4102500" cy="525600"/>
+          </a:xfrm>
+          <a:prstGeom prst="rect">
+            <a:avLst/>
+          </a:prstGeom>
+        </p:spPr>
+        <p:txBody>
+          <a:bodyPr spcFirstLastPara="1" wrap="square" lIns="91425" tIns="91425" rIns="91425" bIns="91425" anchor="ctr" anchorCtr="0">
+            <a:noAutofit/>
+          </a:bodyPr>
+          <a:lstStyle/>
+          <a:p>
+            <a:pPr marL="0" lvl="0" indent="0" algn="l" rtl="0">
+              <a:spcBef>
+                <a:spcPts val="0"/>
+              </a:spcBef>
+              <a:spcAft>
+                <a:spcPts val="0"/>
+              </a:spcAft>
+              <a:buNone/>
+            </a:pPr>
+            <a:r>
+              <a:rPr lang="en" dirty="0"/>
+              <a:t>Conclusion</a:t>
+            </a:r>
+            <a:endParaRPr dirty="0"/>
+          </a:p>
+        </p:txBody>
+      </p:sp>
+      <p:sp>
+        <p:nvSpPr>
+          <p:cNvPr id="549" name="Google Shape;549;p46"/>
+          <p:cNvSpPr txBox="1">
+            <a:spLocks noGrp="1"/>
+          </p:cNvSpPr>
+          <p:nvPr>
+            <p:ph type="subTitle" idx="3"/>
+          </p:nvPr>
+        </p:nvSpPr>
+        <p:spPr>
+          <a:xfrm>
+            <a:off x="720000" y="1043500"/>
+            <a:ext cx="1540800" cy="174600"/>
+          </a:xfrm>
+          <a:prstGeom prst="rect">
+            <a:avLst/>
+          </a:prstGeom>
+        </p:spPr>
+        <p:txBody>
+          <a:bodyPr spcFirstLastPara="1" wrap="square" lIns="0" tIns="91425" rIns="0" bIns="91425" anchor="ctr" anchorCtr="0">
+            <a:noAutofit/>
+          </a:bodyPr>
+          <a:lstStyle/>
+          <a:p>
+            <a:pPr marL="0" lvl="0" indent="0" algn="l" rtl="0">
+              <a:spcBef>
+                <a:spcPts val="0"/>
+              </a:spcBef>
+              <a:spcAft>
+                <a:spcPts val="0"/>
+              </a:spcAft>
+              <a:buNone/>
+            </a:pPr>
+            <a:r>
+              <a:rPr lang="en" dirty="0"/>
+              <a:t>Sunday 24/10/2021</a:t>
+            </a:r>
+            <a:endParaRPr dirty="0"/>
+          </a:p>
+        </p:txBody>
+      </p:sp>
+      <p:sp>
+        <p:nvSpPr>
+          <p:cNvPr id="550" name="Google Shape;550;p46"/>
+          <p:cNvSpPr txBox="1">
+            <a:spLocks noGrp="1"/>
+          </p:cNvSpPr>
+          <p:nvPr>
+            <p:ph type="subTitle" idx="4"/>
+          </p:nvPr>
+        </p:nvSpPr>
+        <p:spPr>
+          <a:xfrm>
+            <a:off x="3799350" y="1044100"/>
+            <a:ext cx="1545300" cy="173700"/>
+          </a:xfrm>
+          <a:prstGeom prst="rect">
+            <a:avLst/>
+          </a:prstGeom>
+        </p:spPr>
+        <p:txBody>
+          <a:bodyPr spcFirstLastPara="1" wrap="square" lIns="91425" tIns="91425" rIns="91425" bIns="91425" anchor="ctr" anchorCtr="0">
+            <a:noAutofit/>
+          </a:bodyPr>
+          <a:lstStyle/>
+          <a:p>
+            <a:pPr marL="0" lvl="0" indent="0" algn="ctr" rtl="0">
+              <a:spcBef>
+                <a:spcPts val="0"/>
+              </a:spcBef>
+              <a:spcAft>
+                <a:spcPts val="0"/>
+              </a:spcAft>
+              <a:buNone/>
+            </a:pPr>
+            <a:r>
+              <a:rPr lang="en"/>
+              <a:t>Newsletter</a:t>
+            </a:r>
+            <a:endParaRPr/>
+          </a:p>
+        </p:txBody>
+      </p:sp>
+      <p:sp>
+        <p:nvSpPr>
+          <p:cNvPr id="551" name="Google Shape;551;p46"/>
+          <p:cNvSpPr txBox="1">
+            <a:spLocks noGrp="1"/>
+          </p:cNvSpPr>
+          <p:nvPr>
+            <p:ph type="subTitle" idx="5"/>
+          </p:nvPr>
+        </p:nvSpPr>
+        <p:spPr>
+          <a:xfrm>
+            <a:off x="6883200" y="1044100"/>
+            <a:ext cx="1545300" cy="173700"/>
+          </a:xfrm>
+          <a:prstGeom prst="rect">
+            <a:avLst/>
+          </a:prstGeom>
+        </p:spPr>
+        <p:txBody>
+          <a:bodyPr spcFirstLastPara="1" wrap="square" lIns="0" tIns="91425" rIns="0" bIns="91425" anchor="ctr" anchorCtr="0">
+            <a:noAutofit/>
+          </a:bodyPr>
+          <a:lstStyle/>
+          <a:p>
+            <a:pPr marL="0" lvl="0" indent="0" algn="r" rtl="0">
+              <a:spcBef>
+                <a:spcPts val="0"/>
+              </a:spcBef>
+              <a:spcAft>
+                <a:spcPts val="0"/>
+              </a:spcAft>
+              <a:buNone/>
+            </a:pPr>
+            <a:r>
+              <a:rPr lang="en">
+                <a:solidFill>
+                  <a:schemeClr val="dk1"/>
+                </a:solidFill>
+              </a:rPr>
+              <a:t>Edition: 001</a:t>
+            </a:r>
+            <a:endParaRPr/>
+          </a:p>
+        </p:txBody>
+      </p:sp>
+      <p:sp>
+        <p:nvSpPr>
+          <p:cNvPr id="552" name="Google Shape;552;p46"/>
+          <p:cNvSpPr txBox="1">
+            <a:spLocks noGrp="1"/>
+          </p:cNvSpPr>
+          <p:nvPr>
+            <p:ph type="title"/>
+          </p:nvPr>
+        </p:nvSpPr>
+        <p:spPr>
+          <a:xfrm>
+            <a:off x="1598400" y="2253600"/>
+            <a:ext cx="662400" cy="640800"/>
+          </a:xfrm>
+          <a:prstGeom prst="rect">
+            <a:avLst/>
+          </a:prstGeom>
+        </p:spPr>
+        <p:txBody>
+          <a:bodyPr spcFirstLastPara="1" wrap="square" lIns="0" tIns="0" rIns="0" bIns="0" anchor="ctr" anchorCtr="0">
+            <a:noAutofit/>
+          </a:bodyPr>
+          <a:lstStyle/>
+          <a:p>
+            <a:pPr marL="0" lvl="0" indent="0" algn="ctr" rtl="0">
+              <a:spcBef>
+                <a:spcPts val="0"/>
+              </a:spcBef>
+              <a:spcAft>
+                <a:spcPts val="0"/>
+              </a:spcAft>
+              <a:buNone/>
+            </a:pPr>
+            <a:r>
+              <a:rPr lang="en"/>
+              <a:t>04</a:t>
+            </a:r>
+            <a:endParaRPr/>
+          </a:p>
+        </p:txBody>
+      </p:sp>
+    </p:spTree>
+  </p:cSld>
+  <p:clrMapOvr>
+    <a:masterClrMapping/>
+  </p:clrMapOvr>
+</p:sld>
+</file>
+
+<file path=ppt/slides/slide11.xml><?xml version="1.0" encoding="utf-8"?>
+<p:sld xmlns:a="http://schemas.openxmlformats.org/drawingml/2006/main" xmlns:r="http://schemas.openxmlformats.org/officeDocument/2006/relationships" xmlns:p="http://schemas.openxmlformats.org/presentationml/2006/main">
+  <p:cSld>
+    <p:spTree>
+      <p:nvGrpSpPr>
         <p:cNvPr id="1" name="Shape 381"/>
         <p:cNvGrpSpPr/>
         <p:nvPr/>
@@ -12613,7 +13081,7 @@
 </p:sld>
 </file>
 
-<file path=ppt/slides/slide11.xml><?xml version="1.0" encoding="utf-8"?>
+<file path=ppt/slides/slide12.xml><?xml version="1.0" encoding="utf-8"?>
 <p:sld xmlns:a="http://schemas.openxmlformats.org/drawingml/2006/main" xmlns:r="http://schemas.openxmlformats.org/officeDocument/2006/relationships" xmlns:p="http://schemas.openxmlformats.org/presentationml/2006/main">
   <p:cSld>
     <p:spTree>
@@ -15244,10 +15712,14 @@
               <a:buNone/>
             </a:pPr>
             <a:r>
-              <a:rPr lang="en"/>
-              <a:t>Monday 01/02/2020</a:t>
+              <a:rPr lang="en-US" dirty="0"/>
+              <a:t>Sunday</a:t>
             </a:r>
-            <a:endParaRPr/>
+            <a:r>
+              <a:rPr lang="en" dirty="0"/>
+              <a:t> 24/10/2021</a:t>
+            </a:r>
+            <a:endParaRPr dirty="0"/>
           </a:p>
         </p:txBody>
       </p:sp>
@@ -15370,6 +15842,2812 @@
 </file>
 
 <file path=ppt/slides/slide6.xml><?xml version="1.0" encoding="utf-8"?>
+<p:sld xmlns:a="http://schemas.openxmlformats.org/drawingml/2006/main" xmlns:r="http://schemas.openxmlformats.org/officeDocument/2006/relationships" xmlns:p="http://schemas.openxmlformats.org/presentationml/2006/main">
+  <p:cSld>
+    <p:spTree>
+      <p:nvGrpSpPr>
+        <p:cNvPr id="1" name="Shape 315"/>
+        <p:cNvGrpSpPr/>
+        <p:nvPr/>
+      </p:nvGrpSpPr>
+      <p:grpSpPr>
+        <a:xfrm>
+          <a:off x="0" y="0"/>
+          <a:ext cx="0" cy="0"/>
+          <a:chOff x="0" y="0"/>
+          <a:chExt cx="0" cy="0"/>
+        </a:xfrm>
+      </p:grpSpPr>
+      <p:sp>
+        <p:nvSpPr>
+          <p:cNvPr id="316" name="Google Shape;316;p36"/>
+          <p:cNvSpPr txBox="1">
+            <a:spLocks noGrp="1"/>
+          </p:cNvSpPr>
+          <p:nvPr>
+            <p:ph type="ctrTitle"/>
+          </p:nvPr>
+        </p:nvSpPr>
+        <p:spPr>
+          <a:xfrm>
+            <a:off x="734400" y="484632"/>
+            <a:ext cx="7675200" cy="422700"/>
+          </a:xfrm>
+          <a:prstGeom prst="rect">
+            <a:avLst/>
+          </a:prstGeom>
+        </p:spPr>
+        <p:txBody>
+          <a:bodyPr spcFirstLastPara="1" wrap="square" lIns="91425" tIns="91425" rIns="91425" bIns="91425" anchor="ctr" anchorCtr="0">
+            <a:noAutofit/>
+          </a:bodyPr>
+          <a:lstStyle/>
+          <a:p>
+            <a:pPr marL="0" lvl="0" indent="0" algn="ctr" rtl="0">
+              <a:spcBef>
+                <a:spcPts val="0"/>
+              </a:spcBef>
+              <a:spcAft>
+                <a:spcPts val="0"/>
+              </a:spcAft>
+              <a:buNone/>
+            </a:pPr>
+            <a:r>
+              <a:rPr lang="en" dirty="0"/>
+              <a:t>Approch</a:t>
+            </a:r>
+            <a:endParaRPr dirty="0"/>
+          </a:p>
+        </p:txBody>
+      </p:sp>
+      <p:sp>
+        <p:nvSpPr>
+          <p:cNvPr id="317" name="Google Shape;317;p36"/>
+          <p:cNvSpPr txBox="1">
+            <a:spLocks noGrp="1"/>
+          </p:cNvSpPr>
+          <p:nvPr>
+            <p:ph type="subTitle" idx="1"/>
+          </p:nvPr>
+        </p:nvSpPr>
+        <p:spPr>
+          <a:xfrm>
+            <a:off x="720000" y="1043500"/>
+            <a:ext cx="1540800" cy="174600"/>
+          </a:xfrm>
+          <a:prstGeom prst="rect">
+            <a:avLst/>
+          </a:prstGeom>
+        </p:spPr>
+        <p:txBody>
+          <a:bodyPr spcFirstLastPara="1" wrap="square" lIns="0" tIns="91425" rIns="0" bIns="91425" anchor="ctr" anchorCtr="0">
+            <a:noAutofit/>
+          </a:bodyPr>
+          <a:lstStyle/>
+          <a:p>
+            <a:pPr marL="0" lvl="0" indent="0" algn="l" rtl="0">
+              <a:spcBef>
+                <a:spcPts val="0"/>
+              </a:spcBef>
+              <a:spcAft>
+                <a:spcPts val="0"/>
+              </a:spcAft>
+              <a:buNone/>
+            </a:pPr>
+            <a:r>
+              <a:rPr lang="en" dirty="0"/>
+              <a:t>Sunday 24/10/2021</a:t>
+            </a:r>
+            <a:endParaRPr dirty="0"/>
+          </a:p>
+        </p:txBody>
+      </p:sp>
+      <p:sp>
+        <p:nvSpPr>
+          <p:cNvPr id="318" name="Google Shape;318;p36"/>
+          <p:cNvSpPr txBox="1">
+            <a:spLocks noGrp="1"/>
+          </p:cNvSpPr>
+          <p:nvPr>
+            <p:ph type="subTitle" idx="2"/>
+          </p:nvPr>
+        </p:nvSpPr>
+        <p:spPr>
+          <a:xfrm>
+            <a:off x="3799350" y="1044100"/>
+            <a:ext cx="1545300" cy="173700"/>
+          </a:xfrm>
+          <a:prstGeom prst="rect">
+            <a:avLst/>
+          </a:prstGeom>
+        </p:spPr>
+        <p:txBody>
+          <a:bodyPr spcFirstLastPara="1" wrap="square" lIns="91425" tIns="91425" rIns="91425" bIns="91425" anchor="ctr" anchorCtr="0">
+            <a:noAutofit/>
+          </a:bodyPr>
+          <a:lstStyle/>
+          <a:p>
+            <a:pPr marL="0" lvl="0" indent="0" algn="ctr" rtl="0">
+              <a:spcBef>
+                <a:spcPts val="0"/>
+              </a:spcBef>
+              <a:spcAft>
+                <a:spcPts val="0"/>
+              </a:spcAft>
+              <a:buNone/>
+            </a:pPr>
+            <a:r>
+              <a:rPr lang="en"/>
+              <a:t>Newsletter</a:t>
+            </a:r>
+            <a:endParaRPr/>
+          </a:p>
+        </p:txBody>
+      </p:sp>
+      <p:sp>
+        <p:nvSpPr>
+          <p:cNvPr id="319" name="Google Shape;319;p36"/>
+          <p:cNvSpPr txBox="1">
+            <a:spLocks noGrp="1"/>
+          </p:cNvSpPr>
+          <p:nvPr>
+            <p:ph type="subTitle" idx="3"/>
+          </p:nvPr>
+        </p:nvSpPr>
+        <p:spPr>
+          <a:xfrm>
+            <a:off x="6883200" y="1044100"/>
+            <a:ext cx="1545300" cy="173700"/>
+          </a:xfrm>
+          <a:prstGeom prst="rect">
+            <a:avLst/>
+          </a:prstGeom>
+        </p:spPr>
+        <p:txBody>
+          <a:bodyPr spcFirstLastPara="1" wrap="square" lIns="0" tIns="91425" rIns="0" bIns="91425" anchor="ctr" anchorCtr="0">
+            <a:noAutofit/>
+          </a:bodyPr>
+          <a:lstStyle/>
+          <a:p>
+            <a:pPr marL="0" lvl="0" indent="0" algn="r" rtl="0">
+              <a:spcBef>
+                <a:spcPts val="0"/>
+              </a:spcBef>
+              <a:spcAft>
+                <a:spcPts val="0"/>
+              </a:spcAft>
+              <a:buNone/>
+            </a:pPr>
+            <a:r>
+              <a:rPr lang="en"/>
+              <a:t>Edition: 001</a:t>
+            </a:r>
+            <a:endParaRPr/>
+          </a:p>
+        </p:txBody>
+      </p:sp>
+      <p:grpSp>
+        <p:nvGrpSpPr>
+          <p:cNvPr id="17" name="Group 16">
+            <a:extLst>
+              <a:ext uri="{FF2B5EF4-FFF2-40B4-BE49-F238E27FC236}">
+                <a16:creationId xmlns:a16="http://schemas.microsoft.com/office/drawing/2014/main" id="{5CE798D5-3793-4B28-A200-8BCFF84C633C}"/>
+              </a:ext>
+            </a:extLst>
+          </p:cNvPr>
+          <p:cNvGrpSpPr/>
+          <p:nvPr/>
+        </p:nvGrpSpPr>
+        <p:grpSpPr>
+          <a:xfrm>
+            <a:off x="2003916" y="1597352"/>
+            <a:ext cx="5927851" cy="2210677"/>
+            <a:chOff x="1649591" y="2896805"/>
+            <a:chExt cx="6146067" cy="2893629"/>
+          </a:xfrm>
+        </p:grpSpPr>
+        <p:sp>
+          <p:nvSpPr>
+            <p:cNvPr id="23" name="Rectangle: Rounded Corners 22">
+              <a:extLst>
+                <a:ext uri="{FF2B5EF4-FFF2-40B4-BE49-F238E27FC236}">
+                  <a16:creationId xmlns:a16="http://schemas.microsoft.com/office/drawing/2014/main" id="{66521146-3EBC-4BE7-8A39-367EC2509E51}"/>
+                </a:ext>
+              </a:extLst>
+            </p:cNvPr>
+            <p:cNvSpPr/>
+            <p:nvPr/>
+          </p:nvSpPr>
+          <p:spPr>
+            <a:xfrm>
+              <a:off x="1649591" y="2910120"/>
+              <a:ext cx="1555864" cy="858915"/>
+            </a:xfrm>
+            <a:prstGeom prst="roundRect">
+              <a:avLst/>
+            </a:prstGeom>
+            <a:ln/>
+          </p:spPr>
+          <p:style>
+            <a:lnRef idx="2">
+              <a:schemeClr val="accent1">
+                <a:shade val="50000"/>
+              </a:schemeClr>
+            </a:lnRef>
+            <a:fillRef idx="1">
+              <a:schemeClr val="accent1"/>
+            </a:fillRef>
+            <a:effectRef idx="0">
+              <a:schemeClr val="accent1"/>
+            </a:effectRef>
+            <a:fontRef idx="minor">
+              <a:schemeClr val="lt1"/>
+            </a:fontRef>
+          </p:style>
+          <p:txBody>
+            <a:bodyPr rtlCol="0" anchor="ctr"/>
+            <a:lstStyle>
+              <a:defPPr>
+                <a:defRPr lang="en-US"/>
+              </a:defPPr>
+              <a:lvl1pPr marL="0" algn="l" defTabSz="914400" rtl="0" eaLnBrk="1" latinLnBrk="0" hangingPunct="1">
+                <a:defRPr sz="1800" kern="1200">
+                  <a:solidFill>
+                    <a:schemeClr val="lt1"/>
+                  </a:solidFill>
+                  <a:latin typeface="+mn-lt"/>
+                  <a:ea typeface="+mn-ea"/>
+                  <a:cs typeface="+mn-cs"/>
+                </a:defRPr>
+              </a:lvl1pPr>
+              <a:lvl2pPr marL="457200" algn="l" defTabSz="914400" rtl="0" eaLnBrk="1" latinLnBrk="0" hangingPunct="1">
+                <a:defRPr sz="1800" kern="1200">
+                  <a:solidFill>
+                    <a:schemeClr val="lt1"/>
+                  </a:solidFill>
+                  <a:latin typeface="+mn-lt"/>
+                  <a:ea typeface="+mn-ea"/>
+                  <a:cs typeface="+mn-cs"/>
+                </a:defRPr>
+              </a:lvl2pPr>
+              <a:lvl3pPr marL="914400" algn="l" defTabSz="914400" rtl="0" eaLnBrk="1" latinLnBrk="0" hangingPunct="1">
+                <a:defRPr sz="1800" kern="1200">
+                  <a:solidFill>
+                    <a:schemeClr val="lt1"/>
+                  </a:solidFill>
+                  <a:latin typeface="+mn-lt"/>
+                  <a:ea typeface="+mn-ea"/>
+                  <a:cs typeface="+mn-cs"/>
+                </a:defRPr>
+              </a:lvl3pPr>
+              <a:lvl4pPr marL="1371600" algn="l" defTabSz="914400" rtl="0" eaLnBrk="1" latinLnBrk="0" hangingPunct="1">
+                <a:defRPr sz="1800" kern="1200">
+                  <a:solidFill>
+                    <a:schemeClr val="lt1"/>
+                  </a:solidFill>
+                  <a:latin typeface="+mn-lt"/>
+                  <a:ea typeface="+mn-ea"/>
+                  <a:cs typeface="+mn-cs"/>
+                </a:defRPr>
+              </a:lvl4pPr>
+              <a:lvl5pPr marL="1828800" algn="l" defTabSz="914400" rtl="0" eaLnBrk="1" latinLnBrk="0" hangingPunct="1">
+                <a:defRPr sz="1800" kern="1200">
+                  <a:solidFill>
+                    <a:schemeClr val="lt1"/>
+                  </a:solidFill>
+                  <a:latin typeface="+mn-lt"/>
+                  <a:ea typeface="+mn-ea"/>
+                  <a:cs typeface="+mn-cs"/>
+                </a:defRPr>
+              </a:lvl5pPr>
+              <a:lvl6pPr marL="2286000" algn="l" defTabSz="914400" rtl="0" eaLnBrk="1" latinLnBrk="0" hangingPunct="1">
+                <a:defRPr sz="1800" kern="1200">
+                  <a:solidFill>
+                    <a:schemeClr val="lt1"/>
+                  </a:solidFill>
+                  <a:latin typeface="+mn-lt"/>
+                  <a:ea typeface="+mn-ea"/>
+                  <a:cs typeface="+mn-cs"/>
+                </a:defRPr>
+              </a:lvl6pPr>
+              <a:lvl7pPr marL="2743200" algn="l" defTabSz="914400" rtl="0" eaLnBrk="1" latinLnBrk="0" hangingPunct="1">
+                <a:defRPr sz="1800" kern="1200">
+                  <a:solidFill>
+                    <a:schemeClr val="lt1"/>
+                  </a:solidFill>
+                  <a:latin typeface="+mn-lt"/>
+                  <a:ea typeface="+mn-ea"/>
+                  <a:cs typeface="+mn-cs"/>
+                </a:defRPr>
+              </a:lvl7pPr>
+              <a:lvl8pPr marL="3200400" algn="l" defTabSz="914400" rtl="0" eaLnBrk="1" latinLnBrk="0" hangingPunct="1">
+                <a:defRPr sz="1800" kern="1200">
+                  <a:solidFill>
+                    <a:schemeClr val="lt1"/>
+                  </a:solidFill>
+                  <a:latin typeface="+mn-lt"/>
+                  <a:ea typeface="+mn-ea"/>
+                  <a:cs typeface="+mn-cs"/>
+                </a:defRPr>
+              </a:lvl8pPr>
+              <a:lvl9pPr marL="3657600" algn="l" defTabSz="914400" rtl="0" eaLnBrk="1" latinLnBrk="0" hangingPunct="1">
+                <a:defRPr sz="1800" kern="1200">
+                  <a:solidFill>
+                    <a:schemeClr val="lt1"/>
+                  </a:solidFill>
+                  <a:latin typeface="+mn-lt"/>
+                  <a:ea typeface="+mn-ea"/>
+                  <a:cs typeface="+mn-cs"/>
+                </a:defRPr>
+              </a:lvl9pPr>
+            </a:lstStyle>
+            <a:p>
+              <a:pPr algn="ctr"/>
+              <a:r>
+                <a:rPr lang="en-US" dirty="0">
+                  <a:solidFill>
+                    <a:srgbClr val="CE677C"/>
+                  </a:solidFill>
+                </a:rPr>
+                <a:t>Explore</a:t>
+              </a:r>
+            </a:p>
+          </p:txBody>
+        </p:sp>
+        <p:cxnSp>
+          <p:nvCxnSpPr>
+            <p:cNvPr id="24" name="Straight Arrow Connector 23">
+              <a:extLst>
+                <a:ext uri="{FF2B5EF4-FFF2-40B4-BE49-F238E27FC236}">
+                  <a16:creationId xmlns:a16="http://schemas.microsoft.com/office/drawing/2014/main" id="{E1AC7B81-C4AD-4C68-9DBD-31F2310A32B2}"/>
+                </a:ext>
+              </a:extLst>
+            </p:cNvPr>
+            <p:cNvCxnSpPr>
+              <a:cxnSpLocks/>
+              <a:stCxn id="23" idx="3"/>
+              <a:endCxn id="26" idx="1"/>
+            </p:cNvCxnSpPr>
+            <p:nvPr/>
+          </p:nvCxnSpPr>
+          <p:spPr>
+            <a:xfrm flipV="1">
+              <a:off x="3205455" y="3326263"/>
+              <a:ext cx="777932" cy="13315"/>
+            </a:xfrm>
+            <a:prstGeom prst="straightConnector1">
+              <a:avLst/>
+            </a:prstGeom>
+            <a:ln>
+              <a:tailEnd type="triangle"/>
+            </a:ln>
+          </p:spPr>
+          <p:style>
+            <a:lnRef idx="2">
+              <a:schemeClr val="accent1">
+                <a:shade val="50000"/>
+              </a:schemeClr>
+            </a:lnRef>
+            <a:fillRef idx="1">
+              <a:schemeClr val="accent1"/>
+            </a:fillRef>
+            <a:effectRef idx="0">
+              <a:schemeClr val="accent1"/>
+            </a:effectRef>
+            <a:fontRef idx="minor">
+              <a:schemeClr val="lt1"/>
+            </a:fontRef>
+          </p:style>
+        </p:cxnSp>
+        <p:sp>
+          <p:nvSpPr>
+            <p:cNvPr id="26" name="Rectangle: Rounded Corners 25">
+              <a:extLst>
+                <a:ext uri="{FF2B5EF4-FFF2-40B4-BE49-F238E27FC236}">
+                  <a16:creationId xmlns:a16="http://schemas.microsoft.com/office/drawing/2014/main" id="{09F59B91-03E2-4460-98F0-6AD446D1D949}"/>
+                </a:ext>
+              </a:extLst>
+            </p:cNvPr>
+            <p:cNvSpPr/>
+            <p:nvPr/>
+          </p:nvSpPr>
+          <p:spPr>
+            <a:xfrm>
+              <a:off x="3983387" y="2896805"/>
+              <a:ext cx="1555864" cy="858915"/>
+            </a:xfrm>
+            <a:prstGeom prst="roundRect">
+              <a:avLst/>
+            </a:prstGeom>
+            <a:ln/>
+          </p:spPr>
+          <p:style>
+            <a:lnRef idx="2">
+              <a:schemeClr val="accent1">
+                <a:shade val="50000"/>
+              </a:schemeClr>
+            </a:lnRef>
+            <a:fillRef idx="1">
+              <a:schemeClr val="accent1"/>
+            </a:fillRef>
+            <a:effectRef idx="0">
+              <a:schemeClr val="accent1"/>
+            </a:effectRef>
+            <a:fontRef idx="minor">
+              <a:schemeClr val="lt1"/>
+            </a:fontRef>
+          </p:style>
+          <p:txBody>
+            <a:bodyPr rtlCol="0" anchor="ctr"/>
+            <a:lstStyle>
+              <a:defPPr>
+                <a:defRPr lang="en-US"/>
+              </a:defPPr>
+              <a:lvl1pPr marL="0" algn="l" defTabSz="914400" rtl="0" eaLnBrk="1" latinLnBrk="0" hangingPunct="1">
+                <a:defRPr sz="1800" kern="1200">
+                  <a:solidFill>
+                    <a:schemeClr val="lt1"/>
+                  </a:solidFill>
+                  <a:latin typeface="+mn-lt"/>
+                  <a:ea typeface="+mn-ea"/>
+                  <a:cs typeface="+mn-cs"/>
+                </a:defRPr>
+              </a:lvl1pPr>
+              <a:lvl2pPr marL="457200" algn="l" defTabSz="914400" rtl="0" eaLnBrk="1" latinLnBrk="0" hangingPunct="1">
+                <a:defRPr sz="1800" kern="1200">
+                  <a:solidFill>
+                    <a:schemeClr val="lt1"/>
+                  </a:solidFill>
+                  <a:latin typeface="+mn-lt"/>
+                  <a:ea typeface="+mn-ea"/>
+                  <a:cs typeface="+mn-cs"/>
+                </a:defRPr>
+              </a:lvl2pPr>
+              <a:lvl3pPr marL="914400" algn="l" defTabSz="914400" rtl="0" eaLnBrk="1" latinLnBrk="0" hangingPunct="1">
+                <a:defRPr sz="1800" kern="1200">
+                  <a:solidFill>
+                    <a:schemeClr val="lt1"/>
+                  </a:solidFill>
+                  <a:latin typeface="+mn-lt"/>
+                  <a:ea typeface="+mn-ea"/>
+                  <a:cs typeface="+mn-cs"/>
+                </a:defRPr>
+              </a:lvl3pPr>
+              <a:lvl4pPr marL="1371600" algn="l" defTabSz="914400" rtl="0" eaLnBrk="1" latinLnBrk="0" hangingPunct="1">
+                <a:defRPr sz="1800" kern="1200">
+                  <a:solidFill>
+                    <a:schemeClr val="lt1"/>
+                  </a:solidFill>
+                  <a:latin typeface="+mn-lt"/>
+                  <a:ea typeface="+mn-ea"/>
+                  <a:cs typeface="+mn-cs"/>
+                </a:defRPr>
+              </a:lvl4pPr>
+              <a:lvl5pPr marL="1828800" algn="l" defTabSz="914400" rtl="0" eaLnBrk="1" latinLnBrk="0" hangingPunct="1">
+                <a:defRPr sz="1800" kern="1200">
+                  <a:solidFill>
+                    <a:schemeClr val="lt1"/>
+                  </a:solidFill>
+                  <a:latin typeface="+mn-lt"/>
+                  <a:ea typeface="+mn-ea"/>
+                  <a:cs typeface="+mn-cs"/>
+                </a:defRPr>
+              </a:lvl5pPr>
+              <a:lvl6pPr marL="2286000" algn="l" defTabSz="914400" rtl="0" eaLnBrk="1" latinLnBrk="0" hangingPunct="1">
+                <a:defRPr sz="1800" kern="1200">
+                  <a:solidFill>
+                    <a:schemeClr val="lt1"/>
+                  </a:solidFill>
+                  <a:latin typeface="+mn-lt"/>
+                  <a:ea typeface="+mn-ea"/>
+                  <a:cs typeface="+mn-cs"/>
+                </a:defRPr>
+              </a:lvl6pPr>
+              <a:lvl7pPr marL="2743200" algn="l" defTabSz="914400" rtl="0" eaLnBrk="1" latinLnBrk="0" hangingPunct="1">
+                <a:defRPr sz="1800" kern="1200">
+                  <a:solidFill>
+                    <a:schemeClr val="lt1"/>
+                  </a:solidFill>
+                  <a:latin typeface="+mn-lt"/>
+                  <a:ea typeface="+mn-ea"/>
+                  <a:cs typeface="+mn-cs"/>
+                </a:defRPr>
+              </a:lvl7pPr>
+              <a:lvl8pPr marL="3200400" algn="l" defTabSz="914400" rtl="0" eaLnBrk="1" latinLnBrk="0" hangingPunct="1">
+                <a:defRPr sz="1800" kern="1200">
+                  <a:solidFill>
+                    <a:schemeClr val="lt1"/>
+                  </a:solidFill>
+                  <a:latin typeface="+mn-lt"/>
+                  <a:ea typeface="+mn-ea"/>
+                  <a:cs typeface="+mn-cs"/>
+                </a:defRPr>
+              </a:lvl8pPr>
+              <a:lvl9pPr marL="3657600" algn="l" defTabSz="914400" rtl="0" eaLnBrk="1" latinLnBrk="0" hangingPunct="1">
+                <a:defRPr sz="1800" kern="1200">
+                  <a:solidFill>
+                    <a:schemeClr val="lt1"/>
+                  </a:solidFill>
+                  <a:latin typeface="+mn-lt"/>
+                  <a:ea typeface="+mn-ea"/>
+                  <a:cs typeface="+mn-cs"/>
+                </a:defRPr>
+              </a:lvl9pPr>
+            </a:lstStyle>
+            <a:p>
+              <a:pPr algn="ctr"/>
+              <a:r>
+                <a:rPr lang="en-US" dirty="0">
+                  <a:solidFill>
+                    <a:srgbClr val="CE677C"/>
+                  </a:solidFill>
+                </a:rPr>
+                <a:t>Cleaning</a:t>
+              </a:r>
+            </a:p>
+          </p:txBody>
+        </p:sp>
+        <p:sp>
+          <p:nvSpPr>
+            <p:cNvPr id="27" name="Rectangle: Rounded Corners 26">
+              <a:extLst>
+                <a:ext uri="{FF2B5EF4-FFF2-40B4-BE49-F238E27FC236}">
+                  <a16:creationId xmlns:a16="http://schemas.microsoft.com/office/drawing/2014/main" id="{52D192EE-B589-4289-BD86-F625D0BE8848}"/>
+                </a:ext>
+              </a:extLst>
+            </p:cNvPr>
+            <p:cNvSpPr/>
+            <p:nvPr/>
+          </p:nvSpPr>
+          <p:spPr>
+            <a:xfrm>
+              <a:off x="6239794" y="2910119"/>
+              <a:ext cx="1555864" cy="858915"/>
+            </a:xfrm>
+            <a:prstGeom prst="roundRect">
+              <a:avLst/>
+            </a:prstGeom>
+            <a:ln/>
+          </p:spPr>
+          <p:style>
+            <a:lnRef idx="2">
+              <a:schemeClr val="accent1">
+                <a:shade val="50000"/>
+              </a:schemeClr>
+            </a:lnRef>
+            <a:fillRef idx="1">
+              <a:schemeClr val="accent1"/>
+            </a:fillRef>
+            <a:effectRef idx="0">
+              <a:schemeClr val="accent1"/>
+            </a:effectRef>
+            <a:fontRef idx="minor">
+              <a:schemeClr val="lt1"/>
+            </a:fontRef>
+          </p:style>
+          <p:txBody>
+            <a:bodyPr rtlCol="0" anchor="ctr"/>
+            <a:lstStyle>
+              <a:defPPr>
+                <a:defRPr lang="en-US"/>
+              </a:defPPr>
+              <a:lvl1pPr marL="0" algn="l" defTabSz="914400" rtl="0" eaLnBrk="1" latinLnBrk="0" hangingPunct="1">
+                <a:defRPr sz="1800" kern="1200">
+                  <a:solidFill>
+                    <a:schemeClr val="lt1"/>
+                  </a:solidFill>
+                  <a:latin typeface="+mn-lt"/>
+                  <a:ea typeface="+mn-ea"/>
+                  <a:cs typeface="+mn-cs"/>
+                </a:defRPr>
+              </a:lvl1pPr>
+              <a:lvl2pPr marL="457200" algn="l" defTabSz="914400" rtl="0" eaLnBrk="1" latinLnBrk="0" hangingPunct="1">
+                <a:defRPr sz="1800" kern="1200">
+                  <a:solidFill>
+                    <a:schemeClr val="lt1"/>
+                  </a:solidFill>
+                  <a:latin typeface="+mn-lt"/>
+                  <a:ea typeface="+mn-ea"/>
+                  <a:cs typeface="+mn-cs"/>
+                </a:defRPr>
+              </a:lvl2pPr>
+              <a:lvl3pPr marL="914400" algn="l" defTabSz="914400" rtl="0" eaLnBrk="1" latinLnBrk="0" hangingPunct="1">
+                <a:defRPr sz="1800" kern="1200">
+                  <a:solidFill>
+                    <a:schemeClr val="lt1"/>
+                  </a:solidFill>
+                  <a:latin typeface="+mn-lt"/>
+                  <a:ea typeface="+mn-ea"/>
+                  <a:cs typeface="+mn-cs"/>
+                </a:defRPr>
+              </a:lvl3pPr>
+              <a:lvl4pPr marL="1371600" algn="l" defTabSz="914400" rtl="0" eaLnBrk="1" latinLnBrk="0" hangingPunct="1">
+                <a:defRPr sz="1800" kern="1200">
+                  <a:solidFill>
+                    <a:schemeClr val="lt1"/>
+                  </a:solidFill>
+                  <a:latin typeface="+mn-lt"/>
+                  <a:ea typeface="+mn-ea"/>
+                  <a:cs typeface="+mn-cs"/>
+                </a:defRPr>
+              </a:lvl4pPr>
+              <a:lvl5pPr marL="1828800" algn="l" defTabSz="914400" rtl="0" eaLnBrk="1" latinLnBrk="0" hangingPunct="1">
+                <a:defRPr sz="1800" kern="1200">
+                  <a:solidFill>
+                    <a:schemeClr val="lt1"/>
+                  </a:solidFill>
+                  <a:latin typeface="+mn-lt"/>
+                  <a:ea typeface="+mn-ea"/>
+                  <a:cs typeface="+mn-cs"/>
+                </a:defRPr>
+              </a:lvl5pPr>
+              <a:lvl6pPr marL="2286000" algn="l" defTabSz="914400" rtl="0" eaLnBrk="1" latinLnBrk="0" hangingPunct="1">
+                <a:defRPr sz="1800" kern="1200">
+                  <a:solidFill>
+                    <a:schemeClr val="lt1"/>
+                  </a:solidFill>
+                  <a:latin typeface="+mn-lt"/>
+                  <a:ea typeface="+mn-ea"/>
+                  <a:cs typeface="+mn-cs"/>
+                </a:defRPr>
+              </a:lvl6pPr>
+              <a:lvl7pPr marL="2743200" algn="l" defTabSz="914400" rtl="0" eaLnBrk="1" latinLnBrk="0" hangingPunct="1">
+                <a:defRPr sz="1800" kern="1200">
+                  <a:solidFill>
+                    <a:schemeClr val="lt1"/>
+                  </a:solidFill>
+                  <a:latin typeface="+mn-lt"/>
+                  <a:ea typeface="+mn-ea"/>
+                  <a:cs typeface="+mn-cs"/>
+                </a:defRPr>
+              </a:lvl7pPr>
+              <a:lvl8pPr marL="3200400" algn="l" defTabSz="914400" rtl="0" eaLnBrk="1" latinLnBrk="0" hangingPunct="1">
+                <a:defRPr sz="1800" kern="1200">
+                  <a:solidFill>
+                    <a:schemeClr val="lt1"/>
+                  </a:solidFill>
+                  <a:latin typeface="+mn-lt"/>
+                  <a:ea typeface="+mn-ea"/>
+                  <a:cs typeface="+mn-cs"/>
+                </a:defRPr>
+              </a:lvl8pPr>
+              <a:lvl9pPr marL="3657600" algn="l" defTabSz="914400" rtl="0" eaLnBrk="1" latinLnBrk="0" hangingPunct="1">
+                <a:defRPr sz="1800" kern="1200">
+                  <a:solidFill>
+                    <a:schemeClr val="lt1"/>
+                  </a:solidFill>
+                  <a:latin typeface="+mn-lt"/>
+                  <a:ea typeface="+mn-ea"/>
+                  <a:cs typeface="+mn-cs"/>
+                </a:defRPr>
+              </a:lvl9pPr>
+            </a:lstStyle>
+            <a:p>
+              <a:pPr algn="ctr"/>
+              <a:r>
+                <a:rPr lang="en-US" b="0" i="0" dirty="0">
+                  <a:solidFill>
+                    <a:srgbClr val="CE677C"/>
+                  </a:solidFill>
+                  <a:effectLst/>
+                  <a:latin typeface="arial" panose="020B0604020202020204" pitchFamily="34" charset="0"/>
+                </a:rPr>
+                <a:t>Vectorize</a:t>
+              </a:r>
+              <a:endParaRPr lang="en-US" dirty="0">
+                <a:solidFill>
+                  <a:srgbClr val="CE677C"/>
+                </a:solidFill>
+              </a:endParaRPr>
+            </a:p>
+          </p:txBody>
+        </p:sp>
+        <p:cxnSp>
+          <p:nvCxnSpPr>
+            <p:cNvPr id="29" name="Straight Arrow Connector 28">
+              <a:extLst>
+                <a:ext uri="{FF2B5EF4-FFF2-40B4-BE49-F238E27FC236}">
+                  <a16:creationId xmlns:a16="http://schemas.microsoft.com/office/drawing/2014/main" id="{28A9BBF0-8091-45F2-8DAF-52498198B429}"/>
+                </a:ext>
+              </a:extLst>
+            </p:cNvPr>
+            <p:cNvCxnSpPr>
+              <a:cxnSpLocks/>
+              <a:stCxn id="26" idx="3"/>
+              <a:endCxn id="27" idx="1"/>
+            </p:cNvCxnSpPr>
+            <p:nvPr/>
+          </p:nvCxnSpPr>
+          <p:spPr>
+            <a:xfrm>
+              <a:off x="5539251" y="3326263"/>
+              <a:ext cx="700543" cy="13314"/>
+            </a:xfrm>
+            <a:prstGeom prst="straightConnector1">
+              <a:avLst/>
+            </a:prstGeom>
+            <a:ln>
+              <a:tailEnd type="triangle"/>
+            </a:ln>
+          </p:spPr>
+          <p:style>
+            <a:lnRef idx="2">
+              <a:schemeClr val="accent1">
+                <a:shade val="50000"/>
+              </a:schemeClr>
+            </a:lnRef>
+            <a:fillRef idx="1">
+              <a:schemeClr val="accent1"/>
+            </a:fillRef>
+            <a:effectRef idx="0">
+              <a:schemeClr val="accent1"/>
+            </a:effectRef>
+            <a:fontRef idx="minor">
+              <a:schemeClr val="lt1"/>
+            </a:fontRef>
+          </p:style>
+        </p:cxnSp>
+        <p:sp>
+          <p:nvSpPr>
+            <p:cNvPr id="30" name="Rectangle: Rounded Corners 29">
+              <a:extLst>
+                <a:ext uri="{FF2B5EF4-FFF2-40B4-BE49-F238E27FC236}">
+                  <a16:creationId xmlns:a16="http://schemas.microsoft.com/office/drawing/2014/main" id="{DB273F16-7F78-4906-AECC-B597E5945DA1}"/>
+                </a:ext>
+              </a:extLst>
+            </p:cNvPr>
+            <p:cNvSpPr/>
+            <p:nvPr/>
+          </p:nvSpPr>
+          <p:spPr>
+            <a:xfrm>
+              <a:off x="6239794" y="4456313"/>
+              <a:ext cx="1555864" cy="858915"/>
+            </a:xfrm>
+            <a:prstGeom prst="roundRect">
+              <a:avLst/>
+            </a:prstGeom>
+            <a:ln/>
+          </p:spPr>
+          <p:style>
+            <a:lnRef idx="2">
+              <a:schemeClr val="accent1">
+                <a:shade val="50000"/>
+              </a:schemeClr>
+            </a:lnRef>
+            <a:fillRef idx="1">
+              <a:schemeClr val="accent1"/>
+            </a:fillRef>
+            <a:effectRef idx="0">
+              <a:schemeClr val="accent1"/>
+            </a:effectRef>
+            <a:fontRef idx="minor">
+              <a:schemeClr val="lt1"/>
+            </a:fontRef>
+          </p:style>
+          <p:txBody>
+            <a:bodyPr rtlCol="0" anchor="ctr"/>
+            <a:lstStyle>
+              <a:defPPr>
+                <a:defRPr lang="en-US"/>
+              </a:defPPr>
+              <a:lvl1pPr marL="0" algn="l" defTabSz="914400" rtl="0" eaLnBrk="1" latinLnBrk="0" hangingPunct="1">
+                <a:defRPr sz="1800" kern="1200">
+                  <a:solidFill>
+                    <a:schemeClr val="lt1"/>
+                  </a:solidFill>
+                  <a:latin typeface="+mn-lt"/>
+                  <a:ea typeface="+mn-ea"/>
+                  <a:cs typeface="+mn-cs"/>
+                </a:defRPr>
+              </a:lvl1pPr>
+              <a:lvl2pPr marL="457200" algn="l" defTabSz="914400" rtl="0" eaLnBrk="1" latinLnBrk="0" hangingPunct="1">
+                <a:defRPr sz="1800" kern="1200">
+                  <a:solidFill>
+                    <a:schemeClr val="lt1"/>
+                  </a:solidFill>
+                  <a:latin typeface="+mn-lt"/>
+                  <a:ea typeface="+mn-ea"/>
+                  <a:cs typeface="+mn-cs"/>
+                </a:defRPr>
+              </a:lvl2pPr>
+              <a:lvl3pPr marL="914400" algn="l" defTabSz="914400" rtl="0" eaLnBrk="1" latinLnBrk="0" hangingPunct="1">
+                <a:defRPr sz="1800" kern="1200">
+                  <a:solidFill>
+                    <a:schemeClr val="lt1"/>
+                  </a:solidFill>
+                  <a:latin typeface="+mn-lt"/>
+                  <a:ea typeface="+mn-ea"/>
+                  <a:cs typeface="+mn-cs"/>
+                </a:defRPr>
+              </a:lvl3pPr>
+              <a:lvl4pPr marL="1371600" algn="l" defTabSz="914400" rtl="0" eaLnBrk="1" latinLnBrk="0" hangingPunct="1">
+                <a:defRPr sz="1800" kern="1200">
+                  <a:solidFill>
+                    <a:schemeClr val="lt1"/>
+                  </a:solidFill>
+                  <a:latin typeface="+mn-lt"/>
+                  <a:ea typeface="+mn-ea"/>
+                  <a:cs typeface="+mn-cs"/>
+                </a:defRPr>
+              </a:lvl4pPr>
+              <a:lvl5pPr marL="1828800" algn="l" defTabSz="914400" rtl="0" eaLnBrk="1" latinLnBrk="0" hangingPunct="1">
+                <a:defRPr sz="1800" kern="1200">
+                  <a:solidFill>
+                    <a:schemeClr val="lt1"/>
+                  </a:solidFill>
+                  <a:latin typeface="+mn-lt"/>
+                  <a:ea typeface="+mn-ea"/>
+                  <a:cs typeface="+mn-cs"/>
+                </a:defRPr>
+              </a:lvl5pPr>
+              <a:lvl6pPr marL="2286000" algn="l" defTabSz="914400" rtl="0" eaLnBrk="1" latinLnBrk="0" hangingPunct="1">
+                <a:defRPr sz="1800" kern="1200">
+                  <a:solidFill>
+                    <a:schemeClr val="lt1"/>
+                  </a:solidFill>
+                  <a:latin typeface="+mn-lt"/>
+                  <a:ea typeface="+mn-ea"/>
+                  <a:cs typeface="+mn-cs"/>
+                </a:defRPr>
+              </a:lvl6pPr>
+              <a:lvl7pPr marL="2743200" algn="l" defTabSz="914400" rtl="0" eaLnBrk="1" latinLnBrk="0" hangingPunct="1">
+                <a:defRPr sz="1800" kern="1200">
+                  <a:solidFill>
+                    <a:schemeClr val="lt1"/>
+                  </a:solidFill>
+                  <a:latin typeface="+mn-lt"/>
+                  <a:ea typeface="+mn-ea"/>
+                  <a:cs typeface="+mn-cs"/>
+                </a:defRPr>
+              </a:lvl7pPr>
+              <a:lvl8pPr marL="3200400" algn="l" defTabSz="914400" rtl="0" eaLnBrk="1" latinLnBrk="0" hangingPunct="1">
+                <a:defRPr sz="1800" kern="1200">
+                  <a:solidFill>
+                    <a:schemeClr val="lt1"/>
+                  </a:solidFill>
+                  <a:latin typeface="+mn-lt"/>
+                  <a:ea typeface="+mn-ea"/>
+                  <a:cs typeface="+mn-cs"/>
+                </a:defRPr>
+              </a:lvl8pPr>
+              <a:lvl9pPr marL="3657600" algn="l" defTabSz="914400" rtl="0" eaLnBrk="1" latinLnBrk="0" hangingPunct="1">
+                <a:defRPr sz="1800" kern="1200">
+                  <a:solidFill>
+                    <a:schemeClr val="lt1"/>
+                  </a:solidFill>
+                  <a:latin typeface="+mn-lt"/>
+                  <a:ea typeface="+mn-ea"/>
+                  <a:cs typeface="+mn-cs"/>
+                </a:defRPr>
+              </a:lvl9pPr>
+            </a:lstStyle>
+            <a:p>
+              <a:pPr algn="ctr"/>
+              <a:r>
+                <a:rPr lang="en-US" dirty="0">
+                  <a:solidFill>
+                    <a:srgbClr val="CE677C"/>
+                  </a:solidFill>
+                </a:rPr>
+                <a:t>Clustering</a:t>
+              </a:r>
+            </a:p>
+          </p:txBody>
+        </p:sp>
+        <p:cxnSp>
+          <p:nvCxnSpPr>
+            <p:cNvPr id="31" name="Straight Arrow Connector 30">
+              <a:extLst>
+                <a:ext uri="{FF2B5EF4-FFF2-40B4-BE49-F238E27FC236}">
+                  <a16:creationId xmlns:a16="http://schemas.microsoft.com/office/drawing/2014/main" id="{5C91A090-D069-487A-9A53-136C7D4DD307}"/>
+                </a:ext>
+              </a:extLst>
+            </p:cNvPr>
+            <p:cNvCxnSpPr>
+              <a:cxnSpLocks/>
+              <a:stCxn id="27" idx="2"/>
+              <a:endCxn id="30" idx="0"/>
+            </p:cNvCxnSpPr>
+            <p:nvPr/>
+          </p:nvCxnSpPr>
+          <p:spPr>
+            <a:xfrm>
+              <a:off x="7017726" y="3769034"/>
+              <a:ext cx="0" cy="687279"/>
+            </a:xfrm>
+            <a:prstGeom prst="straightConnector1">
+              <a:avLst/>
+            </a:prstGeom>
+            <a:ln>
+              <a:tailEnd type="triangle"/>
+            </a:ln>
+          </p:spPr>
+          <p:style>
+            <a:lnRef idx="2">
+              <a:schemeClr val="accent1">
+                <a:shade val="50000"/>
+              </a:schemeClr>
+            </a:lnRef>
+            <a:fillRef idx="1">
+              <a:schemeClr val="accent1"/>
+            </a:fillRef>
+            <a:effectRef idx="0">
+              <a:schemeClr val="accent1"/>
+            </a:effectRef>
+            <a:fontRef idx="minor">
+              <a:schemeClr val="lt1"/>
+            </a:fontRef>
+          </p:style>
+        </p:cxnSp>
+        <p:cxnSp>
+          <p:nvCxnSpPr>
+            <p:cNvPr id="32" name="Straight Arrow Connector 31">
+              <a:extLst>
+                <a:ext uri="{FF2B5EF4-FFF2-40B4-BE49-F238E27FC236}">
+                  <a16:creationId xmlns:a16="http://schemas.microsoft.com/office/drawing/2014/main" id="{313E2A5B-919F-4C73-BEFF-0B947D760328}"/>
+                </a:ext>
+              </a:extLst>
+            </p:cNvPr>
+            <p:cNvCxnSpPr>
+              <a:cxnSpLocks/>
+              <a:stCxn id="30" idx="1"/>
+              <a:endCxn id="33" idx="3"/>
+            </p:cNvCxnSpPr>
+            <p:nvPr/>
+          </p:nvCxnSpPr>
+          <p:spPr>
+            <a:xfrm flipH="1" flipV="1">
+              <a:off x="5539251" y="4885770"/>
+              <a:ext cx="700543" cy="1"/>
+            </a:xfrm>
+            <a:prstGeom prst="straightConnector1">
+              <a:avLst/>
+            </a:prstGeom>
+            <a:ln>
+              <a:tailEnd type="triangle"/>
+            </a:ln>
+          </p:spPr>
+          <p:style>
+            <a:lnRef idx="2">
+              <a:schemeClr val="accent1">
+                <a:shade val="50000"/>
+              </a:schemeClr>
+            </a:lnRef>
+            <a:fillRef idx="1">
+              <a:schemeClr val="accent1"/>
+            </a:fillRef>
+            <a:effectRef idx="0">
+              <a:schemeClr val="accent1"/>
+            </a:effectRef>
+            <a:fontRef idx="minor">
+              <a:schemeClr val="lt1"/>
+            </a:fontRef>
+          </p:style>
+        </p:cxnSp>
+        <p:sp>
+          <p:nvSpPr>
+            <p:cNvPr id="33" name="Rectangle: Rounded Corners 32">
+              <a:extLst>
+                <a:ext uri="{FF2B5EF4-FFF2-40B4-BE49-F238E27FC236}">
+                  <a16:creationId xmlns:a16="http://schemas.microsoft.com/office/drawing/2014/main" id="{AFEFC691-C8D5-4649-B749-CA84EFA2CB85}"/>
+                </a:ext>
+              </a:extLst>
+            </p:cNvPr>
+            <p:cNvSpPr/>
+            <p:nvPr/>
+          </p:nvSpPr>
+          <p:spPr>
+            <a:xfrm>
+              <a:off x="3983387" y="4456312"/>
+              <a:ext cx="1555864" cy="858915"/>
+            </a:xfrm>
+            <a:prstGeom prst="roundRect">
+              <a:avLst/>
+            </a:prstGeom>
+            <a:ln/>
+          </p:spPr>
+          <p:style>
+            <a:lnRef idx="2">
+              <a:schemeClr val="accent1">
+                <a:shade val="50000"/>
+              </a:schemeClr>
+            </a:lnRef>
+            <a:fillRef idx="1">
+              <a:schemeClr val="accent1"/>
+            </a:fillRef>
+            <a:effectRef idx="0">
+              <a:schemeClr val="accent1"/>
+            </a:effectRef>
+            <a:fontRef idx="minor">
+              <a:schemeClr val="lt1"/>
+            </a:fontRef>
+          </p:style>
+          <p:txBody>
+            <a:bodyPr rtlCol="0" anchor="ctr"/>
+            <a:lstStyle>
+              <a:defPPr>
+                <a:defRPr lang="en-US"/>
+              </a:defPPr>
+              <a:lvl1pPr marL="0" algn="l" defTabSz="914400" rtl="0" eaLnBrk="1" latinLnBrk="0" hangingPunct="1">
+                <a:defRPr sz="1800" kern="1200">
+                  <a:solidFill>
+                    <a:schemeClr val="lt1"/>
+                  </a:solidFill>
+                  <a:latin typeface="+mn-lt"/>
+                  <a:ea typeface="+mn-ea"/>
+                  <a:cs typeface="+mn-cs"/>
+                </a:defRPr>
+              </a:lvl1pPr>
+              <a:lvl2pPr marL="457200" algn="l" defTabSz="914400" rtl="0" eaLnBrk="1" latinLnBrk="0" hangingPunct="1">
+                <a:defRPr sz="1800" kern="1200">
+                  <a:solidFill>
+                    <a:schemeClr val="lt1"/>
+                  </a:solidFill>
+                  <a:latin typeface="+mn-lt"/>
+                  <a:ea typeface="+mn-ea"/>
+                  <a:cs typeface="+mn-cs"/>
+                </a:defRPr>
+              </a:lvl2pPr>
+              <a:lvl3pPr marL="914400" algn="l" defTabSz="914400" rtl="0" eaLnBrk="1" latinLnBrk="0" hangingPunct="1">
+                <a:defRPr sz="1800" kern="1200">
+                  <a:solidFill>
+                    <a:schemeClr val="lt1"/>
+                  </a:solidFill>
+                  <a:latin typeface="+mn-lt"/>
+                  <a:ea typeface="+mn-ea"/>
+                  <a:cs typeface="+mn-cs"/>
+                </a:defRPr>
+              </a:lvl3pPr>
+              <a:lvl4pPr marL="1371600" algn="l" defTabSz="914400" rtl="0" eaLnBrk="1" latinLnBrk="0" hangingPunct="1">
+                <a:defRPr sz="1800" kern="1200">
+                  <a:solidFill>
+                    <a:schemeClr val="lt1"/>
+                  </a:solidFill>
+                  <a:latin typeface="+mn-lt"/>
+                  <a:ea typeface="+mn-ea"/>
+                  <a:cs typeface="+mn-cs"/>
+                </a:defRPr>
+              </a:lvl4pPr>
+              <a:lvl5pPr marL="1828800" algn="l" defTabSz="914400" rtl="0" eaLnBrk="1" latinLnBrk="0" hangingPunct="1">
+                <a:defRPr sz="1800" kern="1200">
+                  <a:solidFill>
+                    <a:schemeClr val="lt1"/>
+                  </a:solidFill>
+                  <a:latin typeface="+mn-lt"/>
+                  <a:ea typeface="+mn-ea"/>
+                  <a:cs typeface="+mn-cs"/>
+                </a:defRPr>
+              </a:lvl5pPr>
+              <a:lvl6pPr marL="2286000" algn="l" defTabSz="914400" rtl="0" eaLnBrk="1" latinLnBrk="0" hangingPunct="1">
+                <a:defRPr sz="1800" kern="1200">
+                  <a:solidFill>
+                    <a:schemeClr val="lt1"/>
+                  </a:solidFill>
+                  <a:latin typeface="+mn-lt"/>
+                  <a:ea typeface="+mn-ea"/>
+                  <a:cs typeface="+mn-cs"/>
+                </a:defRPr>
+              </a:lvl6pPr>
+              <a:lvl7pPr marL="2743200" algn="l" defTabSz="914400" rtl="0" eaLnBrk="1" latinLnBrk="0" hangingPunct="1">
+                <a:defRPr sz="1800" kern="1200">
+                  <a:solidFill>
+                    <a:schemeClr val="lt1"/>
+                  </a:solidFill>
+                  <a:latin typeface="+mn-lt"/>
+                  <a:ea typeface="+mn-ea"/>
+                  <a:cs typeface="+mn-cs"/>
+                </a:defRPr>
+              </a:lvl7pPr>
+              <a:lvl8pPr marL="3200400" algn="l" defTabSz="914400" rtl="0" eaLnBrk="1" latinLnBrk="0" hangingPunct="1">
+                <a:defRPr sz="1800" kern="1200">
+                  <a:solidFill>
+                    <a:schemeClr val="lt1"/>
+                  </a:solidFill>
+                  <a:latin typeface="+mn-lt"/>
+                  <a:ea typeface="+mn-ea"/>
+                  <a:cs typeface="+mn-cs"/>
+                </a:defRPr>
+              </a:lvl8pPr>
+              <a:lvl9pPr marL="3657600" algn="l" defTabSz="914400" rtl="0" eaLnBrk="1" latinLnBrk="0" hangingPunct="1">
+                <a:defRPr sz="1800" kern="1200">
+                  <a:solidFill>
+                    <a:schemeClr val="lt1"/>
+                  </a:solidFill>
+                  <a:latin typeface="+mn-lt"/>
+                  <a:ea typeface="+mn-ea"/>
+                  <a:cs typeface="+mn-cs"/>
+                </a:defRPr>
+              </a:lvl9pPr>
+            </a:lstStyle>
+            <a:p>
+              <a:pPr algn="ctr"/>
+              <a:r>
+                <a:rPr lang="en-US" dirty="0">
+                  <a:solidFill>
+                    <a:srgbClr val="CE677C"/>
+                  </a:solidFill>
+                </a:rPr>
+                <a:t>Annotate</a:t>
+              </a:r>
+            </a:p>
+          </p:txBody>
+        </p:sp>
+        <p:cxnSp>
+          <p:nvCxnSpPr>
+            <p:cNvPr id="34" name="Straight Arrow Connector 33">
+              <a:extLst>
+                <a:ext uri="{FF2B5EF4-FFF2-40B4-BE49-F238E27FC236}">
+                  <a16:creationId xmlns:a16="http://schemas.microsoft.com/office/drawing/2014/main" id="{EBCEDB92-E7CB-48C7-91A4-4D7361A9D272}"/>
+                </a:ext>
+              </a:extLst>
+            </p:cNvPr>
+            <p:cNvCxnSpPr>
+              <a:cxnSpLocks/>
+              <a:stCxn id="33" idx="2"/>
+            </p:cNvCxnSpPr>
+            <p:nvPr/>
+          </p:nvCxnSpPr>
+          <p:spPr>
+            <a:xfrm>
+              <a:off x="4761319" y="5315227"/>
+              <a:ext cx="0" cy="475207"/>
+            </a:xfrm>
+            <a:prstGeom prst="straightConnector1">
+              <a:avLst/>
+            </a:prstGeom>
+            <a:ln>
+              <a:tailEnd type="triangle"/>
+            </a:ln>
+          </p:spPr>
+          <p:style>
+            <a:lnRef idx="2">
+              <a:schemeClr val="accent1">
+                <a:shade val="50000"/>
+              </a:schemeClr>
+            </a:lnRef>
+            <a:fillRef idx="1">
+              <a:schemeClr val="accent1"/>
+            </a:fillRef>
+            <a:effectRef idx="0">
+              <a:schemeClr val="accent1"/>
+            </a:effectRef>
+            <a:fontRef idx="minor">
+              <a:schemeClr val="lt1"/>
+            </a:fontRef>
+          </p:style>
+        </p:cxnSp>
+        <p:sp>
+          <p:nvSpPr>
+            <p:cNvPr id="41" name="Rectangle: Rounded Corners 40">
+              <a:extLst>
+                <a:ext uri="{FF2B5EF4-FFF2-40B4-BE49-F238E27FC236}">
+                  <a16:creationId xmlns:a16="http://schemas.microsoft.com/office/drawing/2014/main" id="{547D5EAD-4A0E-4573-A5E9-0AC8A898195D}"/>
+                </a:ext>
+              </a:extLst>
+            </p:cNvPr>
+            <p:cNvSpPr/>
+            <p:nvPr/>
+          </p:nvSpPr>
+          <p:spPr>
+            <a:xfrm>
+              <a:off x="1649591" y="2910884"/>
+              <a:ext cx="1555864" cy="858916"/>
+            </a:xfrm>
+            <a:prstGeom prst="roundRect">
+              <a:avLst/>
+            </a:prstGeom>
+            <a:ln/>
+          </p:spPr>
+          <p:style>
+            <a:lnRef idx="2">
+              <a:schemeClr val="accent1">
+                <a:shade val="50000"/>
+              </a:schemeClr>
+            </a:lnRef>
+            <a:fillRef idx="1">
+              <a:schemeClr val="accent1"/>
+            </a:fillRef>
+            <a:effectRef idx="0">
+              <a:schemeClr val="accent1"/>
+            </a:effectRef>
+            <a:fontRef idx="minor">
+              <a:schemeClr val="lt1"/>
+            </a:fontRef>
+          </p:style>
+          <p:txBody>
+            <a:bodyPr rtlCol="0" anchor="ctr"/>
+            <a:lstStyle>
+              <a:defPPr>
+                <a:defRPr lang="en-US"/>
+              </a:defPPr>
+              <a:lvl1pPr marL="0" algn="l" defTabSz="914400" rtl="0" eaLnBrk="1" latinLnBrk="0" hangingPunct="1">
+                <a:defRPr sz="1800" kern="1200">
+                  <a:solidFill>
+                    <a:schemeClr val="lt1"/>
+                  </a:solidFill>
+                  <a:latin typeface="+mn-lt"/>
+                  <a:ea typeface="+mn-ea"/>
+                  <a:cs typeface="+mn-cs"/>
+                </a:defRPr>
+              </a:lvl1pPr>
+              <a:lvl2pPr marL="457200" algn="l" defTabSz="914400" rtl="0" eaLnBrk="1" latinLnBrk="0" hangingPunct="1">
+                <a:defRPr sz="1800" kern="1200">
+                  <a:solidFill>
+                    <a:schemeClr val="lt1"/>
+                  </a:solidFill>
+                  <a:latin typeface="+mn-lt"/>
+                  <a:ea typeface="+mn-ea"/>
+                  <a:cs typeface="+mn-cs"/>
+                </a:defRPr>
+              </a:lvl2pPr>
+              <a:lvl3pPr marL="914400" algn="l" defTabSz="914400" rtl="0" eaLnBrk="1" latinLnBrk="0" hangingPunct="1">
+                <a:defRPr sz="1800" kern="1200">
+                  <a:solidFill>
+                    <a:schemeClr val="lt1"/>
+                  </a:solidFill>
+                  <a:latin typeface="+mn-lt"/>
+                  <a:ea typeface="+mn-ea"/>
+                  <a:cs typeface="+mn-cs"/>
+                </a:defRPr>
+              </a:lvl3pPr>
+              <a:lvl4pPr marL="1371600" algn="l" defTabSz="914400" rtl="0" eaLnBrk="1" latinLnBrk="0" hangingPunct="1">
+                <a:defRPr sz="1800" kern="1200">
+                  <a:solidFill>
+                    <a:schemeClr val="lt1"/>
+                  </a:solidFill>
+                  <a:latin typeface="+mn-lt"/>
+                  <a:ea typeface="+mn-ea"/>
+                  <a:cs typeface="+mn-cs"/>
+                </a:defRPr>
+              </a:lvl4pPr>
+              <a:lvl5pPr marL="1828800" algn="l" defTabSz="914400" rtl="0" eaLnBrk="1" latinLnBrk="0" hangingPunct="1">
+                <a:defRPr sz="1800" kern="1200">
+                  <a:solidFill>
+                    <a:schemeClr val="lt1"/>
+                  </a:solidFill>
+                  <a:latin typeface="+mn-lt"/>
+                  <a:ea typeface="+mn-ea"/>
+                  <a:cs typeface="+mn-cs"/>
+                </a:defRPr>
+              </a:lvl5pPr>
+              <a:lvl6pPr marL="2286000" algn="l" defTabSz="914400" rtl="0" eaLnBrk="1" latinLnBrk="0" hangingPunct="1">
+                <a:defRPr sz="1800" kern="1200">
+                  <a:solidFill>
+                    <a:schemeClr val="lt1"/>
+                  </a:solidFill>
+                  <a:latin typeface="+mn-lt"/>
+                  <a:ea typeface="+mn-ea"/>
+                  <a:cs typeface="+mn-cs"/>
+                </a:defRPr>
+              </a:lvl6pPr>
+              <a:lvl7pPr marL="2743200" algn="l" defTabSz="914400" rtl="0" eaLnBrk="1" latinLnBrk="0" hangingPunct="1">
+                <a:defRPr sz="1800" kern="1200">
+                  <a:solidFill>
+                    <a:schemeClr val="lt1"/>
+                  </a:solidFill>
+                  <a:latin typeface="+mn-lt"/>
+                  <a:ea typeface="+mn-ea"/>
+                  <a:cs typeface="+mn-cs"/>
+                </a:defRPr>
+              </a:lvl7pPr>
+              <a:lvl8pPr marL="3200400" algn="l" defTabSz="914400" rtl="0" eaLnBrk="1" latinLnBrk="0" hangingPunct="1">
+                <a:defRPr sz="1800" kern="1200">
+                  <a:solidFill>
+                    <a:schemeClr val="lt1"/>
+                  </a:solidFill>
+                  <a:latin typeface="+mn-lt"/>
+                  <a:ea typeface="+mn-ea"/>
+                  <a:cs typeface="+mn-cs"/>
+                </a:defRPr>
+              </a:lvl8pPr>
+              <a:lvl9pPr marL="3657600" algn="l" defTabSz="914400" rtl="0" eaLnBrk="1" latinLnBrk="0" hangingPunct="1">
+                <a:defRPr sz="1800" kern="1200">
+                  <a:solidFill>
+                    <a:schemeClr val="lt1"/>
+                  </a:solidFill>
+                  <a:latin typeface="+mn-lt"/>
+                  <a:ea typeface="+mn-ea"/>
+                  <a:cs typeface="+mn-cs"/>
+                </a:defRPr>
+              </a:lvl9pPr>
+            </a:lstStyle>
+            <a:p>
+              <a:pPr algn="ctr"/>
+              <a:r>
+                <a:rPr lang="en-US" dirty="0">
+                  <a:solidFill>
+                    <a:srgbClr val="CE677C"/>
+                  </a:solidFill>
+                </a:rPr>
+                <a:t>Explore</a:t>
+              </a:r>
+            </a:p>
+          </p:txBody>
+        </p:sp>
+        <p:sp>
+          <p:nvSpPr>
+            <p:cNvPr id="42" name="Rectangle: Rounded Corners 41">
+              <a:extLst>
+                <a:ext uri="{FF2B5EF4-FFF2-40B4-BE49-F238E27FC236}">
+                  <a16:creationId xmlns:a16="http://schemas.microsoft.com/office/drawing/2014/main" id="{D0F936B4-354A-49CD-B986-C65F1682A71E}"/>
+                </a:ext>
+              </a:extLst>
+            </p:cNvPr>
+            <p:cNvSpPr/>
+            <p:nvPr/>
+          </p:nvSpPr>
+          <p:spPr>
+            <a:xfrm>
+              <a:off x="3983387" y="2897569"/>
+              <a:ext cx="1555864" cy="858916"/>
+            </a:xfrm>
+            <a:prstGeom prst="roundRect">
+              <a:avLst/>
+            </a:prstGeom>
+            <a:ln/>
+          </p:spPr>
+          <p:style>
+            <a:lnRef idx="2">
+              <a:schemeClr val="accent1">
+                <a:shade val="50000"/>
+              </a:schemeClr>
+            </a:lnRef>
+            <a:fillRef idx="1">
+              <a:schemeClr val="accent1"/>
+            </a:fillRef>
+            <a:effectRef idx="0">
+              <a:schemeClr val="accent1"/>
+            </a:effectRef>
+            <a:fontRef idx="minor">
+              <a:schemeClr val="lt1"/>
+            </a:fontRef>
+          </p:style>
+          <p:txBody>
+            <a:bodyPr rtlCol="0" anchor="ctr"/>
+            <a:lstStyle>
+              <a:defPPr>
+                <a:defRPr lang="en-US"/>
+              </a:defPPr>
+              <a:lvl1pPr marL="0" algn="l" defTabSz="914400" rtl="0" eaLnBrk="1" latinLnBrk="0" hangingPunct="1">
+                <a:defRPr sz="1800" kern="1200">
+                  <a:solidFill>
+                    <a:schemeClr val="lt1"/>
+                  </a:solidFill>
+                  <a:latin typeface="+mn-lt"/>
+                  <a:ea typeface="+mn-ea"/>
+                  <a:cs typeface="+mn-cs"/>
+                </a:defRPr>
+              </a:lvl1pPr>
+              <a:lvl2pPr marL="457200" algn="l" defTabSz="914400" rtl="0" eaLnBrk="1" latinLnBrk="0" hangingPunct="1">
+                <a:defRPr sz="1800" kern="1200">
+                  <a:solidFill>
+                    <a:schemeClr val="lt1"/>
+                  </a:solidFill>
+                  <a:latin typeface="+mn-lt"/>
+                  <a:ea typeface="+mn-ea"/>
+                  <a:cs typeface="+mn-cs"/>
+                </a:defRPr>
+              </a:lvl2pPr>
+              <a:lvl3pPr marL="914400" algn="l" defTabSz="914400" rtl="0" eaLnBrk="1" latinLnBrk="0" hangingPunct="1">
+                <a:defRPr sz="1800" kern="1200">
+                  <a:solidFill>
+                    <a:schemeClr val="lt1"/>
+                  </a:solidFill>
+                  <a:latin typeface="+mn-lt"/>
+                  <a:ea typeface="+mn-ea"/>
+                  <a:cs typeface="+mn-cs"/>
+                </a:defRPr>
+              </a:lvl3pPr>
+              <a:lvl4pPr marL="1371600" algn="l" defTabSz="914400" rtl="0" eaLnBrk="1" latinLnBrk="0" hangingPunct="1">
+                <a:defRPr sz="1800" kern="1200">
+                  <a:solidFill>
+                    <a:schemeClr val="lt1"/>
+                  </a:solidFill>
+                  <a:latin typeface="+mn-lt"/>
+                  <a:ea typeface="+mn-ea"/>
+                  <a:cs typeface="+mn-cs"/>
+                </a:defRPr>
+              </a:lvl4pPr>
+              <a:lvl5pPr marL="1828800" algn="l" defTabSz="914400" rtl="0" eaLnBrk="1" latinLnBrk="0" hangingPunct="1">
+                <a:defRPr sz="1800" kern="1200">
+                  <a:solidFill>
+                    <a:schemeClr val="lt1"/>
+                  </a:solidFill>
+                  <a:latin typeface="+mn-lt"/>
+                  <a:ea typeface="+mn-ea"/>
+                  <a:cs typeface="+mn-cs"/>
+                </a:defRPr>
+              </a:lvl5pPr>
+              <a:lvl6pPr marL="2286000" algn="l" defTabSz="914400" rtl="0" eaLnBrk="1" latinLnBrk="0" hangingPunct="1">
+                <a:defRPr sz="1800" kern="1200">
+                  <a:solidFill>
+                    <a:schemeClr val="lt1"/>
+                  </a:solidFill>
+                  <a:latin typeface="+mn-lt"/>
+                  <a:ea typeface="+mn-ea"/>
+                  <a:cs typeface="+mn-cs"/>
+                </a:defRPr>
+              </a:lvl6pPr>
+              <a:lvl7pPr marL="2743200" algn="l" defTabSz="914400" rtl="0" eaLnBrk="1" latinLnBrk="0" hangingPunct="1">
+                <a:defRPr sz="1800" kern="1200">
+                  <a:solidFill>
+                    <a:schemeClr val="lt1"/>
+                  </a:solidFill>
+                  <a:latin typeface="+mn-lt"/>
+                  <a:ea typeface="+mn-ea"/>
+                  <a:cs typeface="+mn-cs"/>
+                </a:defRPr>
+              </a:lvl7pPr>
+              <a:lvl8pPr marL="3200400" algn="l" defTabSz="914400" rtl="0" eaLnBrk="1" latinLnBrk="0" hangingPunct="1">
+                <a:defRPr sz="1800" kern="1200">
+                  <a:solidFill>
+                    <a:schemeClr val="lt1"/>
+                  </a:solidFill>
+                  <a:latin typeface="+mn-lt"/>
+                  <a:ea typeface="+mn-ea"/>
+                  <a:cs typeface="+mn-cs"/>
+                </a:defRPr>
+              </a:lvl8pPr>
+              <a:lvl9pPr marL="3657600" algn="l" defTabSz="914400" rtl="0" eaLnBrk="1" latinLnBrk="0" hangingPunct="1">
+                <a:defRPr sz="1800" kern="1200">
+                  <a:solidFill>
+                    <a:schemeClr val="lt1"/>
+                  </a:solidFill>
+                  <a:latin typeface="+mn-lt"/>
+                  <a:ea typeface="+mn-ea"/>
+                  <a:cs typeface="+mn-cs"/>
+                </a:defRPr>
+              </a:lvl9pPr>
+            </a:lstStyle>
+            <a:p>
+              <a:pPr algn="ctr"/>
+              <a:r>
+                <a:rPr lang="en-US" dirty="0">
+                  <a:solidFill>
+                    <a:srgbClr val="CE677C"/>
+                  </a:solidFill>
+                </a:rPr>
+                <a:t>Cleaning</a:t>
+              </a:r>
+            </a:p>
+          </p:txBody>
+        </p:sp>
+        <p:sp>
+          <p:nvSpPr>
+            <p:cNvPr id="43" name="Rectangle: Rounded Corners 42">
+              <a:extLst>
+                <a:ext uri="{FF2B5EF4-FFF2-40B4-BE49-F238E27FC236}">
+                  <a16:creationId xmlns:a16="http://schemas.microsoft.com/office/drawing/2014/main" id="{607AAF05-F1FF-4FAA-897E-4ACEF5DA88A5}"/>
+                </a:ext>
+              </a:extLst>
+            </p:cNvPr>
+            <p:cNvSpPr/>
+            <p:nvPr/>
+          </p:nvSpPr>
+          <p:spPr>
+            <a:xfrm>
+              <a:off x="6239794" y="2910884"/>
+              <a:ext cx="1555864" cy="858916"/>
+            </a:xfrm>
+            <a:prstGeom prst="roundRect">
+              <a:avLst/>
+            </a:prstGeom>
+            <a:ln/>
+          </p:spPr>
+          <p:style>
+            <a:lnRef idx="2">
+              <a:schemeClr val="accent1">
+                <a:shade val="50000"/>
+              </a:schemeClr>
+            </a:lnRef>
+            <a:fillRef idx="1">
+              <a:schemeClr val="accent1"/>
+            </a:fillRef>
+            <a:effectRef idx="0">
+              <a:schemeClr val="accent1"/>
+            </a:effectRef>
+            <a:fontRef idx="minor">
+              <a:schemeClr val="lt1"/>
+            </a:fontRef>
+          </p:style>
+          <p:txBody>
+            <a:bodyPr rtlCol="0" anchor="ctr"/>
+            <a:lstStyle>
+              <a:defPPr>
+                <a:defRPr lang="en-US"/>
+              </a:defPPr>
+              <a:lvl1pPr marL="0" algn="l" defTabSz="914400" rtl="0" eaLnBrk="1" latinLnBrk="0" hangingPunct="1">
+                <a:defRPr sz="1800" kern="1200">
+                  <a:solidFill>
+                    <a:schemeClr val="lt1"/>
+                  </a:solidFill>
+                  <a:latin typeface="+mn-lt"/>
+                  <a:ea typeface="+mn-ea"/>
+                  <a:cs typeface="+mn-cs"/>
+                </a:defRPr>
+              </a:lvl1pPr>
+              <a:lvl2pPr marL="457200" algn="l" defTabSz="914400" rtl="0" eaLnBrk="1" latinLnBrk="0" hangingPunct="1">
+                <a:defRPr sz="1800" kern="1200">
+                  <a:solidFill>
+                    <a:schemeClr val="lt1"/>
+                  </a:solidFill>
+                  <a:latin typeface="+mn-lt"/>
+                  <a:ea typeface="+mn-ea"/>
+                  <a:cs typeface="+mn-cs"/>
+                </a:defRPr>
+              </a:lvl2pPr>
+              <a:lvl3pPr marL="914400" algn="l" defTabSz="914400" rtl="0" eaLnBrk="1" latinLnBrk="0" hangingPunct="1">
+                <a:defRPr sz="1800" kern="1200">
+                  <a:solidFill>
+                    <a:schemeClr val="lt1"/>
+                  </a:solidFill>
+                  <a:latin typeface="+mn-lt"/>
+                  <a:ea typeface="+mn-ea"/>
+                  <a:cs typeface="+mn-cs"/>
+                </a:defRPr>
+              </a:lvl3pPr>
+              <a:lvl4pPr marL="1371600" algn="l" defTabSz="914400" rtl="0" eaLnBrk="1" latinLnBrk="0" hangingPunct="1">
+                <a:defRPr sz="1800" kern="1200">
+                  <a:solidFill>
+                    <a:schemeClr val="lt1"/>
+                  </a:solidFill>
+                  <a:latin typeface="+mn-lt"/>
+                  <a:ea typeface="+mn-ea"/>
+                  <a:cs typeface="+mn-cs"/>
+                </a:defRPr>
+              </a:lvl4pPr>
+              <a:lvl5pPr marL="1828800" algn="l" defTabSz="914400" rtl="0" eaLnBrk="1" latinLnBrk="0" hangingPunct="1">
+                <a:defRPr sz="1800" kern="1200">
+                  <a:solidFill>
+                    <a:schemeClr val="lt1"/>
+                  </a:solidFill>
+                  <a:latin typeface="+mn-lt"/>
+                  <a:ea typeface="+mn-ea"/>
+                  <a:cs typeface="+mn-cs"/>
+                </a:defRPr>
+              </a:lvl5pPr>
+              <a:lvl6pPr marL="2286000" algn="l" defTabSz="914400" rtl="0" eaLnBrk="1" latinLnBrk="0" hangingPunct="1">
+                <a:defRPr sz="1800" kern="1200">
+                  <a:solidFill>
+                    <a:schemeClr val="lt1"/>
+                  </a:solidFill>
+                  <a:latin typeface="+mn-lt"/>
+                  <a:ea typeface="+mn-ea"/>
+                  <a:cs typeface="+mn-cs"/>
+                </a:defRPr>
+              </a:lvl6pPr>
+              <a:lvl7pPr marL="2743200" algn="l" defTabSz="914400" rtl="0" eaLnBrk="1" latinLnBrk="0" hangingPunct="1">
+                <a:defRPr sz="1800" kern="1200">
+                  <a:solidFill>
+                    <a:schemeClr val="lt1"/>
+                  </a:solidFill>
+                  <a:latin typeface="+mn-lt"/>
+                  <a:ea typeface="+mn-ea"/>
+                  <a:cs typeface="+mn-cs"/>
+                </a:defRPr>
+              </a:lvl7pPr>
+              <a:lvl8pPr marL="3200400" algn="l" defTabSz="914400" rtl="0" eaLnBrk="1" latinLnBrk="0" hangingPunct="1">
+                <a:defRPr sz="1800" kern="1200">
+                  <a:solidFill>
+                    <a:schemeClr val="lt1"/>
+                  </a:solidFill>
+                  <a:latin typeface="+mn-lt"/>
+                  <a:ea typeface="+mn-ea"/>
+                  <a:cs typeface="+mn-cs"/>
+                </a:defRPr>
+              </a:lvl8pPr>
+              <a:lvl9pPr marL="3657600" algn="l" defTabSz="914400" rtl="0" eaLnBrk="1" latinLnBrk="0" hangingPunct="1">
+                <a:defRPr sz="1800" kern="1200">
+                  <a:solidFill>
+                    <a:schemeClr val="lt1"/>
+                  </a:solidFill>
+                  <a:latin typeface="+mn-lt"/>
+                  <a:ea typeface="+mn-ea"/>
+                  <a:cs typeface="+mn-cs"/>
+                </a:defRPr>
+              </a:lvl9pPr>
+            </a:lstStyle>
+            <a:p>
+              <a:pPr algn="ctr"/>
+              <a:r>
+                <a:rPr lang="en-US" b="0" i="0" dirty="0">
+                  <a:solidFill>
+                    <a:srgbClr val="CE677C"/>
+                  </a:solidFill>
+                  <a:effectLst/>
+                  <a:latin typeface="arial" panose="020B0604020202020204" pitchFamily="34" charset="0"/>
+                </a:rPr>
+                <a:t>Vectorize</a:t>
+              </a:r>
+              <a:endParaRPr lang="en-US" dirty="0">
+                <a:solidFill>
+                  <a:srgbClr val="CE677C"/>
+                </a:solidFill>
+              </a:endParaRPr>
+            </a:p>
+          </p:txBody>
+        </p:sp>
+        <p:sp>
+          <p:nvSpPr>
+            <p:cNvPr id="48" name="Rectangle: Rounded Corners 47">
+              <a:extLst>
+                <a:ext uri="{FF2B5EF4-FFF2-40B4-BE49-F238E27FC236}">
+                  <a16:creationId xmlns:a16="http://schemas.microsoft.com/office/drawing/2014/main" id="{33F5D32A-B8C4-461F-91FC-E2EAD6667ED1}"/>
+                </a:ext>
+              </a:extLst>
+            </p:cNvPr>
+            <p:cNvSpPr/>
+            <p:nvPr/>
+          </p:nvSpPr>
+          <p:spPr>
+            <a:xfrm>
+              <a:off x="6239794" y="4455548"/>
+              <a:ext cx="1555864" cy="858916"/>
+            </a:xfrm>
+            <a:prstGeom prst="roundRect">
+              <a:avLst/>
+            </a:prstGeom>
+            <a:ln/>
+          </p:spPr>
+          <p:style>
+            <a:lnRef idx="2">
+              <a:schemeClr val="accent1">
+                <a:shade val="50000"/>
+              </a:schemeClr>
+            </a:lnRef>
+            <a:fillRef idx="1">
+              <a:schemeClr val="accent1"/>
+            </a:fillRef>
+            <a:effectRef idx="0">
+              <a:schemeClr val="accent1"/>
+            </a:effectRef>
+            <a:fontRef idx="minor">
+              <a:schemeClr val="lt1"/>
+            </a:fontRef>
+          </p:style>
+          <p:txBody>
+            <a:bodyPr rtlCol="0" anchor="ctr"/>
+            <a:lstStyle>
+              <a:defPPr>
+                <a:defRPr lang="en-US"/>
+              </a:defPPr>
+              <a:lvl1pPr marL="0" algn="l" defTabSz="914400" rtl="0" eaLnBrk="1" latinLnBrk="0" hangingPunct="1">
+                <a:defRPr sz="1800" kern="1200">
+                  <a:solidFill>
+                    <a:schemeClr val="lt1"/>
+                  </a:solidFill>
+                  <a:latin typeface="+mn-lt"/>
+                  <a:ea typeface="+mn-ea"/>
+                  <a:cs typeface="+mn-cs"/>
+                </a:defRPr>
+              </a:lvl1pPr>
+              <a:lvl2pPr marL="457200" algn="l" defTabSz="914400" rtl="0" eaLnBrk="1" latinLnBrk="0" hangingPunct="1">
+                <a:defRPr sz="1800" kern="1200">
+                  <a:solidFill>
+                    <a:schemeClr val="lt1"/>
+                  </a:solidFill>
+                  <a:latin typeface="+mn-lt"/>
+                  <a:ea typeface="+mn-ea"/>
+                  <a:cs typeface="+mn-cs"/>
+                </a:defRPr>
+              </a:lvl2pPr>
+              <a:lvl3pPr marL="914400" algn="l" defTabSz="914400" rtl="0" eaLnBrk="1" latinLnBrk="0" hangingPunct="1">
+                <a:defRPr sz="1800" kern="1200">
+                  <a:solidFill>
+                    <a:schemeClr val="lt1"/>
+                  </a:solidFill>
+                  <a:latin typeface="+mn-lt"/>
+                  <a:ea typeface="+mn-ea"/>
+                  <a:cs typeface="+mn-cs"/>
+                </a:defRPr>
+              </a:lvl3pPr>
+              <a:lvl4pPr marL="1371600" algn="l" defTabSz="914400" rtl="0" eaLnBrk="1" latinLnBrk="0" hangingPunct="1">
+                <a:defRPr sz="1800" kern="1200">
+                  <a:solidFill>
+                    <a:schemeClr val="lt1"/>
+                  </a:solidFill>
+                  <a:latin typeface="+mn-lt"/>
+                  <a:ea typeface="+mn-ea"/>
+                  <a:cs typeface="+mn-cs"/>
+                </a:defRPr>
+              </a:lvl4pPr>
+              <a:lvl5pPr marL="1828800" algn="l" defTabSz="914400" rtl="0" eaLnBrk="1" latinLnBrk="0" hangingPunct="1">
+                <a:defRPr sz="1800" kern="1200">
+                  <a:solidFill>
+                    <a:schemeClr val="lt1"/>
+                  </a:solidFill>
+                  <a:latin typeface="+mn-lt"/>
+                  <a:ea typeface="+mn-ea"/>
+                  <a:cs typeface="+mn-cs"/>
+                </a:defRPr>
+              </a:lvl5pPr>
+              <a:lvl6pPr marL="2286000" algn="l" defTabSz="914400" rtl="0" eaLnBrk="1" latinLnBrk="0" hangingPunct="1">
+                <a:defRPr sz="1800" kern="1200">
+                  <a:solidFill>
+                    <a:schemeClr val="lt1"/>
+                  </a:solidFill>
+                  <a:latin typeface="+mn-lt"/>
+                  <a:ea typeface="+mn-ea"/>
+                  <a:cs typeface="+mn-cs"/>
+                </a:defRPr>
+              </a:lvl6pPr>
+              <a:lvl7pPr marL="2743200" algn="l" defTabSz="914400" rtl="0" eaLnBrk="1" latinLnBrk="0" hangingPunct="1">
+                <a:defRPr sz="1800" kern="1200">
+                  <a:solidFill>
+                    <a:schemeClr val="lt1"/>
+                  </a:solidFill>
+                  <a:latin typeface="+mn-lt"/>
+                  <a:ea typeface="+mn-ea"/>
+                  <a:cs typeface="+mn-cs"/>
+                </a:defRPr>
+              </a:lvl7pPr>
+              <a:lvl8pPr marL="3200400" algn="l" defTabSz="914400" rtl="0" eaLnBrk="1" latinLnBrk="0" hangingPunct="1">
+                <a:defRPr sz="1800" kern="1200">
+                  <a:solidFill>
+                    <a:schemeClr val="lt1"/>
+                  </a:solidFill>
+                  <a:latin typeface="+mn-lt"/>
+                  <a:ea typeface="+mn-ea"/>
+                  <a:cs typeface="+mn-cs"/>
+                </a:defRPr>
+              </a:lvl8pPr>
+              <a:lvl9pPr marL="3657600" algn="l" defTabSz="914400" rtl="0" eaLnBrk="1" latinLnBrk="0" hangingPunct="1">
+                <a:defRPr sz="1800" kern="1200">
+                  <a:solidFill>
+                    <a:schemeClr val="lt1"/>
+                  </a:solidFill>
+                  <a:latin typeface="+mn-lt"/>
+                  <a:ea typeface="+mn-ea"/>
+                  <a:cs typeface="+mn-cs"/>
+                </a:defRPr>
+              </a:lvl9pPr>
+            </a:lstStyle>
+            <a:p>
+              <a:pPr algn="ctr"/>
+              <a:r>
+                <a:rPr lang="en-US" dirty="0">
+                  <a:solidFill>
+                    <a:schemeClr val="accent1">
+                      <a:lumMod val="10000"/>
+                    </a:schemeClr>
+                  </a:solidFill>
+                </a:rPr>
+                <a:t>Clustering</a:t>
+              </a:r>
+            </a:p>
+          </p:txBody>
+        </p:sp>
+        <p:sp>
+          <p:nvSpPr>
+            <p:cNvPr id="49" name="Rectangle: Rounded Corners 48">
+              <a:extLst>
+                <a:ext uri="{FF2B5EF4-FFF2-40B4-BE49-F238E27FC236}">
+                  <a16:creationId xmlns:a16="http://schemas.microsoft.com/office/drawing/2014/main" id="{D39C76D5-AC77-45B5-97F9-19F33F74D64A}"/>
+                </a:ext>
+              </a:extLst>
+            </p:cNvPr>
+            <p:cNvSpPr/>
+            <p:nvPr/>
+          </p:nvSpPr>
+          <p:spPr>
+            <a:xfrm>
+              <a:off x="3983387" y="4455547"/>
+              <a:ext cx="1555864" cy="858916"/>
+            </a:xfrm>
+            <a:prstGeom prst="roundRect">
+              <a:avLst/>
+            </a:prstGeom>
+            <a:ln/>
+          </p:spPr>
+          <p:style>
+            <a:lnRef idx="2">
+              <a:schemeClr val="accent1">
+                <a:shade val="50000"/>
+              </a:schemeClr>
+            </a:lnRef>
+            <a:fillRef idx="1">
+              <a:schemeClr val="accent1"/>
+            </a:fillRef>
+            <a:effectRef idx="0">
+              <a:schemeClr val="accent1"/>
+            </a:effectRef>
+            <a:fontRef idx="minor">
+              <a:schemeClr val="lt1"/>
+            </a:fontRef>
+          </p:style>
+          <p:txBody>
+            <a:bodyPr rtlCol="0" anchor="ctr"/>
+            <a:lstStyle>
+              <a:defPPr>
+                <a:defRPr lang="en-US"/>
+              </a:defPPr>
+              <a:lvl1pPr marL="0" algn="l" defTabSz="914400" rtl="0" eaLnBrk="1" latinLnBrk="0" hangingPunct="1">
+                <a:defRPr sz="1800" kern="1200">
+                  <a:solidFill>
+                    <a:schemeClr val="lt1"/>
+                  </a:solidFill>
+                  <a:latin typeface="+mn-lt"/>
+                  <a:ea typeface="+mn-ea"/>
+                  <a:cs typeface="+mn-cs"/>
+                </a:defRPr>
+              </a:lvl1pPr>
+              <a:lvl2pPr marL="457200" algn="l" defTabSz="914400" rtl="0" eaLnBrk="1" latinLnBrk="0" hangingPunct="1">
+                <a:defRPr sz="1800" kern="1200">
+                  <a:solidFill>
+                    <a:schemeClr val="lt1"/>
+                  </a:solidFill>
+                  <a:latin typeface="+mn-lt"/>
+                  <a:ea typeface="+mn-ea"/>
+                  <a:cs typeface="+mn-cs"/>
+                </a:defRPr>
+              </a:lvl2pPr>
+              <a:lvl3pPr marL="914400" algn="l" defTabSz="914400" rtl="0" eaLnBrk="1" latinLnBrk="0" hangingPunct="1">
+                <a:defRPr sz="1800" kern="1200">
+                  <a:solidFill>
+                    <a:schemeClr val="lt1"/>
+                  </a:solidFill>
+                  <a:latin typeface="+mn-lt"/>
+                  <a:ea typeface="+mn-ea"/>
+                  <a:cs typeface="+mn-cs"/>
+                </a:defRPr>
+              </a:lvl3pPr>
+              <a:lvl4pPr marL="1371600" algn="l" defTabSz="914400" rtl="0" eaLnBrk="1" latinLnBrk="0" hangingPunct="1">
+                <a:defRPr sz="1800" kern="1200">
+                  <a:solidFill>
+                    <a:schemeClr val="lt1"/>
+                  </a:solidFill>
+                  <a:latin typeface="+mn-lt"/>
+                  <a:ea typeface="+mn-ea"/>
+                  <a:cs typeface="+mn-cs"/>
+                </a:defRPr>
+              </a:lvl4pPr>
+              <a:lvl5pPr marL="1828800" algn="l" defTabSz="914400" rtl="0" eaLnBrk="1" latinLnBrk="0" hangingPunct="1">
+                <a:defRPr sz="1800" kern="1200">
+                  <a:solidFill>
+                    <a:schemeClr val="lt1"/>
+                  </a:solidFill>
+                  <a:latin typeface="+mn-lt"/>
+                  <a:ea typeface="+mn-ea"/>
+                  <a:cs typeface="+mn-cs"/>
+                </a:defRPr>
+              </a:lvl5pPr>
+              <a:lvl6pPr marL="2286000" algn="l" defTabSz="914400" rtl="0" eaLnBrk="1" latinLnBrk="0" hangingPunct="1">
+                <a:defRPr sz="1800" kern="1200">
+                  <a:solidFill>
+                    <a:schemeClr val="lt1"/>
+                  </a:solidFill>
+                  <a:latin typeface="+mn-lt"/>
+                  <a:ea typeface="+mn-ea"/>
+                  <a:cs typeface="+mn-cs"/>
+                </a:defRPr>
+              </a:lvl6pPr>
+              <a:lvl7pPr marL="2743200" algn="l" defTabSz="914400" rtl="0" eaLnBrk="1" latinLnBrk="0" hangingPunct="1">
+                <a:defRPr sz="1800" kern="1200">
+                  <a:solidFill>
+                    <a:schemeClr val="lt1"/>
+                  </a:solidFill>
+                  <a:latin typeface="+mn-lt"/>
+                  <a:ea typeface="+mn-ea"/>
+                  <a:cs typeface="+mn-cs"/>
+                </a:defRPr>
+              </a:lvl7pPr>
+              <a:lvl8pPr marL="3200400" algn="l" defTabSz="914400" rtl="0" eaLnBrk="1" latinLnBrk="0" hangingPunct="1">
+                <a:defRPr sz="1800" kern="1200">
+                  <a:solidFill>
+                    <a:schemeClr val="lt1"/>
+                  </a:solidFill>
+                  <a:latin typeface="+mn-lt"/>
+                  <a:ea typeface="+mn-ea"/>
+                  <a:cs typeface="+mn-cs"/>
+                </a:defRPr>
+              </a:lvl8pPr>
+              <a:lvl9pPr marL="3657600" algn="l" defTabSz="914400" rtl="0" eaLnBrk="1" latinLnBrk="0" hangingPunct="1">
+                <a:defRPr sz="1800" kern="1200">
+                  <a:solidFill>
+                    <a:schemeClr val="lt1"/>
+                  </a:solidFill>
+                  <a:latin typeface="+mn-lt"/>
+                  <a:ea typeface="+mn-ea"/>
+                  <a:cs typeface="+mn-cs"/>
+                </a:defRPr>
+              </a:lvl9pPr>
+            </a:lstStyle>
+            <a:p>
+              <a:pPr algn="ctr"/>
+              <a:r>
+                <a:rPr lang="en-US" dirty="0">
+                  <a:solidFill>
+                    <a:schemeClr val="accent1">
+                      <a:lumMod val="10000"/>
+                    </a:schemeClr>
+                  </a:solidFill>
+                </a:rPr>
+                <a:t>Annotate</a:t>
+              </a:r>
+            </a:p>
+          </p:txBody>
+        </p:sp>
+        <p:sp>
+          <p:nvSpPr>
+            <p:cNvPr id="50" name="Rectangle: Rounded Corners 49">
+              <a:extLst>
+                <a:ext uri="{FF2B5EF4-FFF2-40B4-BE49-F238E27FC236}">
+                  <a16:creationId xmlns:a16="http://schemas.microsoft.com/office/drawing/2014/main" id="{1AD2F761-8FC4-46B2-95F5-432A003E7EF7}"/>
+                </a:ext>
+              </a:extLst>
+            </p:cNvPr>
+            <p:cNvSpPr/>
+            <p:nvPr/>
+          </p:nvSpPr>
+          <p:spPr>
+            <a:xfrm>
+              <a:off x="1649591" y="2910119"/>
+              <a:ext cx="1555864" cy="858916"/>
+            </a:xfrm>
+            <a:prstGeom prst="roundRect">
+              <a:avLst/>
+            </a:prstGeom>
+            <a:ln/>
+          </p:spPr>
+          <p:style>
+            <a:lnRef idx="2">
+              <a:schemeClr val="accent1">
+                <a:shade val="50000"/>
+              </a:schemeClr>
+            </a:lnRef>
+            <a:fillRef idx="1">
+              <a:schemeClr val="accent1"/>
+            </a:fillRef>
+            <a:effectRef idx="0">
+              <a:schemeClr val="accent1"/>
+            </a:effectRef>
+            <a:fontRef idx="minor">
+              <a:schemeClr val="lt1"/>
+            </a:fontRef>
+          </p:style>
+          <p:txBody>
+            <a:bodyPr rtlCol="0" anchor="ctr"/>
+            <a:lstStyle>
+              <a:defPPr>
+                <a:defRPr lang="en-US"/>
+              </a:defPPr>
+              <a:lvl1pPr marL="0" algn="l" defTabSz="914400" rtl="0" eaLnBrk="1" latinLnBrk="0" hangingPunct="1">
+                <a:defRPr sz="1800" kern="1200">
+                  <a:solidFill>
+                    <a:schemeClr val="lt1"/>
+                  </a:solidFill>
+                  <a:latin typeface="+mn-lt"/>
+                  <a:ea typeface="+mn-ea"/>
+                  <a:cs typeface="+mn-cs"/>
+                </a:defRPr>
+              </a:lvl1pPr>
+              <a:lvl2pPr marL="457200" algn="l" defTabSz="914400" rtl="0" eaLnBrk="1" latinLnBrk="0" hangingPunct="1">
+                <a:defRPr sz="1800" kern="1200">
+                  <a:solidFill>
+                    <a:schemeClr val="lt1"/>
+                  </a:solidFill>
+                  <a:latin typeface="+mn-lt"/>
+                  <a:ea typeface="+mn-ea"/>
+                  <a:cs typeface="+mn-cs"/>
+                </a:defRPr>
+              </a:lvl2pPr>
+              <a:lvl3pPr marL="914400" algn="l" defTabSz="914400" rtl="0" eaLnBrk="1" latinLnBrk="0" hangingPunct="1">
+                <a:defRPr sz="1800" kern="1200">
+                  <a:solidFill>
+                    <a:schemeClr val="lt1"/>
+                  </a:solidFill>
+                  <a:latin typeface="+mn-lt"/>
+                  <a:ea typeface="+mn-ea"/>
+                  <a:cs typeface="+mn-cs"/>
+                </a:defRPr>
+              </a:lvl3pPr>
+              <a:lvl4pPr marL="1371600" algn="l" defTabSz="914400" rtl="0" eaLnBrk="1" latinLnBrk="0" hangingPunct="1">
+                <a:defRPr sz="1800" kern="1200">
+                  <a:solidFill>
+                    <a:schemeClr val="lt1"/>
+                  </a:solidFill>
+                  <a:latin typeface="+mn-lt"/>
+                  <a:ea typeface="+mn-ea"/>
+                  <a:cs typeface="+mn-cs"/>
+                </a:defRPr>
+              </a:lvl4pPr>
+              <a:lvl5pPr marL="1828800" algn="l" defTabSz="914400" rtl="0" eaLnBrk="1" latinLnBrk="0" hangingPunct="1">
+                <a:defRPr sz="1800" kern="1200">
+                  <a:solidFill>
+                    <a:schemeClr val="lt1"/>
+                  </a:solidFill>
+                  <a:latin typeface="+mn-lt"/>
+                  <a:ea typeface="+mn-ea"/>
+                  <a:cs typeface="+mn-cs"/>
+                </a:defRPr>
+              </a:lvl5pPr>
+              <a:lvl6pPr marL="2286000" algn="l" defTabSz="914400" rtl="0" eaLnBrk="1" latinLnBrk="0" hangingPunct="1">
+                <a:defRPr sz="1800" kern="1200">
+                  <a:solidFill>
+                    <a:schemeClr val="lt1"/>
+                  </a:solidFill>
+                  <a:latin typeface="+mn-lt"/>
+                  <a:ea typeface="+mn-ea"/>
+                  <a:cs typeface="+mn-cs"/>
+                </a:defRPr>
+              </a:lvl6pPr>
+              <a:lvl7pPr marL="2743200" algn="l" defTabSz="914400" rtl="0" eaLnBrk="1" latinLnBrk="0" hangingPunct="1">
+                <a:defRPr sz="1800" kern="1200">
+                  <a:solidFill>
+                    <a:schemeClr val="lt1"/>
+                  </a:solidFill>
+                  <a:latin typeface="+mn-lt"/>
+                  <a:ea typeface="+mn-ea"/>
+                  <a:cs typeface="+mn-cs"/>
+                </a:defRPr>
+              </a:lvl7pPr>
+              <a:lvl8pPr marL="3200400" algn="l" defTabSz="914400" rtl="0" eaLnBrk="1" latinLnBrk="0" hangingPunct="1">
+                <a:defRPr sz="1800" kern="1200">
+                  <a:solidFill>
+                    <a:schemeClr val="lt1"/>
+                  </a:solidFill>
+                  <a:latin typeface="+mn-lt"/>
+                  <a:ea typeface="+mn-ea"/>
+                  <a:cs typeface="+mn-cs"/>
+                </a:defRPr>
+              </a:lvl8pPr>
+              <a:lvl9pPr marL="3657600" algn="l" defTabSz="914400" rtl="0" eaLnBrk="1" latinLnBrk="0" hangingPunct="1">
+                <a:defRPr sz="1800" kern="1200">
+                  <a:solidFill>
+                    <a:schemeClr val="lt1"/>
+                  </a:solidFill>
+                  <a:latin typeface="+mn-lt"/>
+                  <a:ea typeface="+mn-ea"/>
+                  <a:cs typeface="+mn-cs"/>
+                </a:defRPr>
+              </a:lvl9pPr>
+            </a:lstStyle>
+            <a:p>
+              <a:pPr algn="ctr"/>
+              <a:r>
+                <a:rPr lang="en-US" dirty="0">
+                  <a:solidFill>
+                    <a:schemeClr val="accent1">
+                      <a:lumMod val="10000"/>
+                    </a:schemeClr>
+                  </a:solidFill>
+                </a:rPr>
+                <a:t>Explore</a:t>
+              </a:r>
+            </a:p>
+          </p:txBody>
+        </p:sp>
+        <p:sp>
+          <p:nvSpPr>
+            <p:cNvPr id="51" name="Rectangle: Rounded Corners 50">
+              <a:extLst>
+                <a:ext uri="{FF2B5EF4-FFF2-40B4-BE49-F238E27FC236}">
+                  <a16:creationId xmlns:a16="http://schemas.microsoft.com/office/drawing/2014/main" id="{83D07D23-EB20-4A97-A681-23F2AC223019}"/>
+                </a:ext>
+              </a:extLst>
+            </p:cNvPr>
+            <p:cNvSpPr/>
+            <p:nvPr/>
+          </p:nvSpPr>
+          <p:spPr>
+            <a:xfrm>
+              <a:off x="3983387" y="2896805"/>
+              <a:ext cx="1555864" cy="858916"/>
+            </a:xfrm>
+            <a:prstGeom prst="roundRect">
+              <a:avLst/>
+            </a:prstGeom>
+            <a:ln/>
+          </p:spPr>
+          <p:style>
+            <a:lnRef idx="2">
+              <a:schemeClr val="accent1">
+                <a:shade val="50000"/>
+              </a:schemeClr>
+            </a:lnRef>
+            <a:fillRef idx="1">
+              <a:schemeClr val="accent1"/>
+            </a:fillRef>
+            <a:effectRef idx="0">
+              <a:schemeClr val="accent1"/>
+            </a:effectRef>
+            <a:fontRef idx="minor">
+              <a:schemeClr val="lt1"/>
+            </a:fontRef>
+          </p:style>
+          <p:txBody>
+            <a:bodyPr rtlCol="0" anchor="ctr"/>
+            <a:lstStyle>
+              <a:defPPr>
+                <a:defRPr lang="en-US"/>
+              </a:defPPr>
+              <a:lvl1pPr marL="0" algn="l" defTabSz="914400" rtl="0" eaLnBrk="1" latinLnBrk="0" hangingPunct="1">
+                <a:defRPr sz="1800" kern="1200">
+                  <a:solidFill>
+                    <a:schemeClr val="lt1"/>
+                  </a:solidFill>
+                  <a:latin typeface="+mn-lt"/>
+                  <a:ea typeface="+mn-ea"/>
+                  <a:cs typeface="+mn-cs"/>
+                </a:defRPr>
+              </a:lvl1pPr>
+              <a:lvl2pPr marL="457200" algn="l" defTabSz="914400" rtl="0" eaLnBrk="1" latinLnBrk="0" hangingPunct="1">
+                <a:defRPr sz="1800" kern="1200">
+                  <a:solidFill>
+                    <a:schemeClr val="lt1"/>
+                  </a:solidFill>
+                  <a:latin typeface="+mn-lt"/>
+                  <a:ea typeface="+mn-ea"/>
+                  <a:cs typeface="+mn-cs"/>
+                </a:defRPr>
+              </a:lvl2pPr>
+              <a:lvl3pPr marL="914400" algn="l" defTabSz="914400" rtl="0" eaLnBrk="1" latinLnBrk="0" hangingPunct="1">
+                <a:defRPr sz="1800" kern="1200">
+                  <a:solidFill>
+                    <a:schemeClr val="lt1"/>
+                  </a:solidFill>
+                  <a:latin typeface="+mn-lt"/>
+                  <a:ea typeface="+mn-ea"/>
+                  <a:cs typeface="+mn-cs"/>
+                </a:defRPr>
+              </a:lvl3pPr>
+              <a:lvl4pPr marL="1371600" algn="l" defTabSz="914400" rtl="0" eaLnBrk="1" latinLnBrk="0" hangingPunct="1">
+                <a:defRPr sz="1800" kern="1200">
+                  <a:solidFill>
+                    <a:schemeClr val="lt1"/>
+                  </a:solidFill>
+                  <a:latin typeface="+mn-lt"/>
+                  <a:ea typeface="+mn-ea"/>
+                  <a:cs typeface="+mn-cs"/>
+                </a:defRPr>
+              </a:lvl4pPr>
+              <a:lvl5pPr marL="1828800" algn="l" defTabSz="914400" rtl="0" eaLnBrk="1" latinLnBrk="0" hangingPunct="1">
+                <a:defRPr sz="1800" kern="1200">
+                  <a:solidFill>
+                    <a:schemeClr val="lt1"/>
+                  </a:solidFill>
+                  <a:latin typeface="+mn-lt"/>
+                  <a:ea typeface="+mn-ea"/>
+                  <a:cs typeface="+mn-cs"/>
+                </a:defRPr>
+              </a:lvl5pPr>
+              <a:lvl6pPr marL="2286000" algn="l" defTabSz="914400" rtl="0" eaLnBrk="1" latinLnBrk="0" hangingPunct="1">
+                <a:defRPr sz="1800" kern="1200">
+                  <a:solidFill>
+                    <a:schemeClr val="lt1"/>
+                  </a:solidFill>
+                  <a:latin typeface="+mn-lt"/>
+                  <a:ea typeface="+mn-ea"/>
+                  <a:cs typeface="+mn-cs"/>
+                </a:defRPr>
+              </a:lvl6pPr>
+              <a:lvl7pPr marL="2743200" algn="l" defTabSz="914400" rtl="0" eaLnBrk="1" latinLnBrk="0" hangingPunct="1">
+                <a:defRPr sz="1800" kern="1200">
+                  <a:solidFill>
+                    <a:schemeClr val="lt1"/>
+                  </a:solidFill>
+                  <a:latin typeface="+mn-lt"/>
+                  <a:ea typeface="+mn-ea"/>
+                  <a:cs typeface="+mn-cs"/>
+                </a:defRPr>
+              </a:lvl7pPr>
+              <a:lvl8pPr marL="3200400" algn="l" defTabSz="914400" rtl="0" eaLnBrk="1" latinLnBrk="0" hangingPunct="1">
+                <a:defRPr sz="1800" kern="1200">
+                  <a:solidFill>
+                    <a:schemeClr val="lt1"/>
+                  </a:solidFill>
+                  <a:latin typeface="+mn-lt"/>
+                  <a:ea typeface="+mn-ea"/>
+                  <a:cs typeface="+mn-cs"/>
+                </a:defRPr>
+              </a:lvl8pPr>
+              <a:lvl9pPr marL="3657600" algn="l" defTabSz="914400" rtl="0" eaLnBrk="1" latinLnBrk="0" hangingPunct="1">
+                <a:defRPr sz="1800" kern="1200">
+                  <a:solidFill>
+                    <a:schemeClr val="lt1"/>
+                  </a:solidFill>
+                  <a:latin typeface="+mn-lt"/>
+                  <a:ea typeface="+mn-ea"/>
+                  <a:cs typeface="+mn-cs"/>
+                </a:defRPr>
+              </a:lvl9pPr>
+            </a:lstStyle>
+            <a:p>
+              <a:pPr algn="ctr"/>
+              <a:r>
+                <a:rPr lang="en-US" dirty="0">
+                  <a:solidFill>
+                    <a:schemeClr val="accent1">
+                      <a:lumMod val="10000"/>
+                    </a:schemeClr>
+                  </a:solidFill>
+                </a:rPr>
+                <a:t>Cleaning</a:t>
+              </a:r>
+            </a:p>
+          </p:txBody>
+        </p:sp>
+        <p:sp>
+          <p:nvSpPr>
+            <p:cNvPr id="52" name="Rectangle: Rounded Corners 51">
+              <a:extLst>
+                <a:ext uri="{FF2B5EF4-FFF2-40B4-BE49-F238E27FC236}">
+                  <a16:creationId xmlns:a16="http://schemas.microsoft.com/office/drawing/2014/main" id="{CEEC60C7-653A-4C5F-B41C-D4A61E96AA8F}"/>
+                </a:ext>
+              </a:extLst>
+            </p:cNvPr>
+            <p:cNvSpPr/>
+            <p:nvPr/>
+          </p:nvSpPr>
+          <p:spPr>
+            <a:xfrm>
+              <a:off x="6239794" y="2910119"/>
+              <a:ext cx="1555864" cy="858916"/>
+            </a:xfrm>
+            <a:prstGeom prst="roundRect">
+              <a:avLst/>
+            </a:prstGeom>
+            <a:ln/>
+          </p:spPr>
+          <p:style>
+            <a:lnRef idx="2">
+              <a:schemeClr val="accent1">
+                <a:shade val="50000"/>
+              </a:schemeClr>
+            </a:lnRef>
+            <a:fillRef idx="1">
+              <a:schemeClr val="accent1"/>
+            </a:fillRef>
+            <a:effectRef idx="0">
+              <a:schemeClr val="accent1"/>
+            </a:effectRef>
+            <a:fontRef idx="minor">
+              <a:schemeClr val="lt1"/>
+            </a:fontRef>
+          </p:style>
+          <p:txBody>
+            <a:bodyPr rtlCol="0" anchor="ctr"/>
+            <a:lstStyle>
+              <a:defPPr>
+                <a:defRPr lang="en-US"/>
+              </a:defPPr>
+              <a:lvl1pPr marL="0" algn="l" defTabSz="914400" rtl="0" eaLnBrk="1" latinLnBrk="0" hangingPunct="1">
+                <a:defRPr sz="1800" kern="1200">
+                  <a:solidFill>
+                    <a:schemeClr val="lt1"/>
+                  </a:solidFill>
+                  <a:latin typeface="+mn-lt"/>
+                  <a:ea typeface="+mn-ea"/>
+                  <a:cs typeface="+mn-cs"/>
+                </a:defRPr>
+              </a:lvl1pPr>
+              <a:lvl2pPr marL="457200" algn="l" defTabSz="914400" rtl="0" eaLnBrk="1" latinLnBrk="0" hangingPunct="1">
+                <a:defRPr sz="1800" kern="1200">
+                  <a:solidFill>
+                    <a:schemeClr val="lt1"/>
+                  </a:solidFill>
+                  <a:latin typeface="+mn-lt"/>
+                  <a:ea typeface="+mn-ea"/>
+                  <a:cs typeface="+mn-cs"/>
+                </a:defRPr>
+              </a:lvl2pPr>
+              <a:lvl3pPr marL="914400" algn="l" defTabSz="914400" rtl="0" eaLnBrk="1" latinLnBrk="0" hangingPunct="1">
+                <a:defRPr sz="1800" kern="1200">
+                  <a:solidFill>
+                    <a:schemeClr val="lt1"/>
+                  </a:solidFill>
+                  <a:latin typeface="+mn-lt"/>
+                  <a:ea typeface="+mn-ea"/>
+                  <a:cs typeface="+mn-cs"/>
+                </a:defRPr>
+              </a:lvl3pPr>
+              <a:lvl4pPr marL="1371600" algn="l" defTabSz="914400" rtl="0" eaLnBrk="1" latinLnBrk="0" hangingPunct="1">
+                <a:defRPr sz="1800" kern="1200">
+                  <a:solidFill>
+                    <a:schemeClr val="lt1"/>
+                  </a:solidFill>
+                  <a:latin typeface="+mn-lt"/>
+                  <a:ea typeface="+mn-ea"/>
+                  <a:cs typeface="+mn-cs"/>
+                </a:defRPr>
+              </a:lvl4pPr>
+              <a:lvl5pPr marL="1828800" algn="l" defTabSz="914400" rtl="0" eaLnBrk="1" latinLnBrk="0" hangingPunct="1">
+                <a:defRPr sz="1800" kern="1200">
+                  <a:solidFill>
+                    <a:schemeClr val="lt1"/>
+                  </a:solidFill>
+                  <a:latin typeface="+mn-lt"/>
+                  <a:ea typeface="+mn-ea"/>
+                  <a:cs typeface="+mn-cs"/>
+                </a:defRPr>
+              </a:lvl5pPr>
+              <a:lvl6pPr marL="2286000" algn="l" defTabSz="914400" rtl="0" eaLnBrk="1" latinLnBrk="0" hangingPunct="1">
+                <a:defRPr sz="1800" kern="1200">
+                  <a:solidFill>
+                    <a:schemeClr val="lt1"/>
+                  </a:solidFill>
+                  <a:latin typeface="+mn-lt"/>
+                  <a:ea typeface="+mn-ea"/>
+                  <a:cs typeface="+mn-cs"/>
+                </a:defRPr>
+              </a:lvl6pPr>
+              <a:lvl7pPr marL="2743200" algn="l" defTabSz="914400" rtl="0" eaLnBrk="1" latinLnBrk="0" hangingPunct="1">
+                <a:defRPr sz="1800" kern="1200">
+                  <a:solidFill>
+                    <a:schemeClr val="lt1"/>
+                  </a:solidFill>
+                  <a:latin typeface="+mn-lt"/>
+                  <a:ea typeface="+mn-ea"/>
+                  <a:cs typeface="+mn-cs"/>
+                </a:defRPr>
+              </a:lvl7pPr>
+              <a:lvl8pPr marL="3200400" algn="l" defTabSz="914400" rtl="0" eaLnBrk="1" latinLnBrk="0" hangingPunct="1">
+                <a:defRPr sz="1800" kern="1200">
+                  <a:solidFill>
+                    <a:schemeClr val="lt1"/>
+                  </a:solidFill>
+                  <a:latin typeface="+mn-lt"/>
+                  <a:ea typeface="+mn-ea"/>
+                  <a:cs typeface="+mn-cs"/>
+                </a:defRPr>
+              </a:lvl8pPr>
+              <a:lvl9pPr marL="3657600" algn="l" defTabSz="914400" rtl="0" eaLnBrk="1" latinLnBrk="0" hangingPunct="1">
+                <a:defRPr sz="1800" kern="1200">
+                  <a:solidFill>
+                    <a:schemeClr val="lt1"/>
+                  </a:solidFill>
+                  <a:latin typeface="+mn-lt"/>
+                  <a:ea typeface="+mn-ea"/>
+                  <a:cs typeface="+mn-cs"/>
+                </a:defRPr>
+              </a:lvl9pPr>
+            </a:lstStyle>
+            <a:p>
+              <a:pPr algn="ctr"/>
+              <a:r>
+                <a:rPr lang="en-US" b="0" i="0" dirty="0">
+                  <a:solidFill>
+                    <a:schemeClr val="accent1">
+                      <a:lumMod val="10000"/>
+                    </a:schemeClr>
+                  </a:solidFill>
+                  <a:effectLst/>
+                  <a:latin typeface="arial" panose="020B0604020202020204" pitchFamily="34" charset="0"/>
+                </a:rPr>
+                <a:t>Vectorize</a:t>
+              </a:r>
+              <a:endParaRPr lang="en-US" dirty="0">
+                <a:solidFill>
+                  <a:schemeClr val="accent1">
+                    <a:lumMod val="10000"/>
+                  </a:schemeClr>
+                </a:solidFill>
+              </a:endParaRPr>
+            </a:p>
+          </p:txBody>
+        </p:sp>
+      </p:grpSp>
+      <p:pic>
+        <p:nvPicPr>
+          <p:cNvPr id="18" name="Content Placeholder 36" descr="Document outline">
+            <a:extLst>
+              <a:ext uri="{FF2B5EF4-FFF2-40B4-BE49-F238E27FC236}">
+                <a16:creationId xmlns:a16="http://schemas.microsoft.com/office/drawing/2014/main" id="{BC9F4DBA-2D9F-4D01-BA55-51A10F7CD125}"/>
+              </a:ext>
+            </a:extLst>
+          </p:cNvPr>
+          <p:cNvPicPr>
+            <a:picLocks noGrp="1" noChangeAspect="1"/>
+          </p:cNvPicPr>
+          <p:nvPr/>
+        </p:nvPicPr>
+        <p:blipFill>
+          <a:blip r:embed="rId3">
+            <a:extLst>
+              <a:ext uri="{28A0092B-C50C-407E-A947-70E740481C1C}">
+                <a14:useLocalDpi xmlns:a14="http://schemas.microsoft.com/office/drawing/2010/main" val="0"/>
+              </a:ext>
+              <a:ext uri="{96DAC541-7B7A-43D3-8B79-37D633B846F1}">
+                <asvg:svgBlip xmlns:asvg="http://schemas.microsoft.com/office/drawing/2016/SVG/main" r:embed="rId4"/>
+              </a:ext>
+            </a:extLst>
+          </a:blip>
+          <a:stretch>
+            <a:fillRect/>
+          </a:stretch>
+        </p:blipFill>
+        <p:spPr>
+          <a:xfrm>
+            <a:off x="502624" y="1354268"/>
+            <a:ext cx="559994" cy="559994"/>
+          </a:xfrm>
+          <a:prstGeom prst="rect">
+            <a:avLst/>
+          </a:prstGeom>
+        </p:spPr>
+      </p:pic>
+      <p:cxnSp>
+        <p:nvCxnSpPr>
+          <p:cNvPr id="19" name="Straight Arrow Connector 18">
+            <a:extLst>
+              <a:ext uri="{FF2B5EF4-FFF2-40B4-BE49-F238E27FC236}">
+                <a16:creationId xmlns:a16="http://schemas.microsoft.com/office/drawing/2014/main" id="{47A4F992-92B8-4324-848C-CC6CBA811E8A}"/>
+              </a:ext>
+            </a:extLst>
+          </p:cNvPr>
+          <p:cNvCxnSpPr>
+            <a:cxnSpLocks/>
+          </p:cNvCxnSpPr>
+          <p:nvPr/>
+        </p:nvCxnSpPr>
+        <p:spPr>
+          <a:xfrm>
+            <a:off x="1254034" y="1934877"/>
+            <a:ext cx="749882" cy="1"/>
+          </a:xfrm>
+          <a:prstGeom prst="straightConnector1">
+            <a:avLst/>
+          </a:prstGeom>
+          <a:ln>
+            <a:tailEnd type="triangle"/>
+          </a:ln>
+        </p:spPr>
+        <p:style>
+          <a:lnRef idx="2">
+            <a:schemeClr val="accent1">
+              <a:shade val="50000"/>
+            </a:schemeClr>
+          </a:lnRef>
+          <a:fillRef idx="1">
+            <a:schemeClr val="accent1"/>
+          </a:fillRef>
+          <a:effectRef idx="0">
+            <a:schemeClr val="accent1"/>
+          </a:effectRef>
+          <a:fontRef idx="minor">
+            <a:schemeClr val="lt1"/>
+          </a:fontRef>
+        </p:style>
+      </p:cxnSp>
+      <p:pic>
+        <p:nvPicPr>
+          <p:cNvPr id="20" name="Graphic 38" descr="Network outline">
+            <a:extLst>
+              <a:ext uri="{FF2B5EF4-FFF2-40B4-BE49-F238E27FC236}">
+                <a16:creationId xmlns:a16="http://schemas.microsoft.com/office/drawing/2014/main" id="{FE6AF4C8-8787-421B-B144-C124252C68BF}"/>
+              </a:ext>
+            </a:extLst>
+          </p:cNvPr>
+          <p:cNvPicPr>
+            <a:picLocks noChangeAspect="1"/>
+          </p:cNvPicPr>
+          <p:nvPr/>
+        </p:nvPicPr>
+        <p:blipFill>
+          <a:blip r:embed="rId5">
+            <a:extLst>
+              <a:ext uri="{28A0092B-C50C-407E-A947-70E740481C1C}">
+                <a14:useLocalDpi xmlns:a14="http://schemas.microsoft.com/office/drawing/2010/main" val="0"/>
+              </a:ext>
+              <a:ext uri="{96DAC541-7B7A-43D3-8B79-37D633B846F1}">
+                <asvg:svgBlip xmlns:asvg="http://schemas.microsoft.com/office/drawing/2016/SVG/main" r:embed="rId6"/>
+              </a:ext>
+            </a:extLst>
+          </a:blip>
+          <a:stretch>
+            <a:fillRect/>
+          </a:stretch>
+        </p:blipFill>
+        <p:spPr>
+          <a:xfrm>
+            <a:off x="4725165" y="3774571"/>
+            <a:ext cx="559994" cy="559994"/>
+          </a:xfrm>
+          <a:prstGeom prst="rect">
+            <a:avLst/>
+          </a:prstGeom>
+        </p:spPr>
+      </p:pic>
+      <p:sp>
+        <p:nvSpPr>
+          <p:cNvPr id="21" name="Content Placeholder 2">
+            <a:extLst>
+              <a:ext uri="{FF2B5EF4-FFF2-40B4-BE49-F238E27FC236}">
+                <a16:creationId xmlns:a16="http://schemas.microsoft.com/office/drawing/2014/main" id="{FE0AC7ED-1811-4AB1-8C13-7824DD5FDE2E}"/>
+              </a:ext>
+            </a:extLst>
+          </p:cNvPr>
+          <p:cNvSpPr txBox="1">
+            <a:spLocks/>
+          </p:cNvSpPr>
+          <p:nvPr/>
+        </p:nvSpPr>
+        <p:spPr>
+          <a:xfrm>
+            <a:off x="233538" y="1934877"/>
+            <a:ext cx="1079060" cy="225006"/>
+          </a:xfrm>
+          <a:prstGeom prst="rect">
+            <a:avLst/>
+          </a:prstGeom>
+        </p:spPr>
+        <p:txBody>
+          <a:bodyPr vert="horz" lIns="91440" tIns="45720" rIns="91440" bIns="45720" rtlCol="0">
+            <a:normAutofit fontScale="70000" lnSpcReduction="20000"/>
+          </a:bodyPr>
+          <a:lstStyle>
+            <a:defPPr>
+              <a:defRPr lang="en-US"/>
+            </a:defPPr>
+            <a:lvl1pPr marL="0" algn="l" defTabSz="914400" rtl="0" eaLnBrk="1" latinLnBrk="0" hangingPunct="1">
+              <a:defRPr sz="1800" kern="1200">
+                <a:solidFill>
+                  <a:schemeClr val="tx1"/>
+                </a:solidFill>
+                <a:latin typeface="+mn-lt"/>
+                <a:ea typeface="+mn-ea"/>
+                <a:cs typeface="+mn-cs"/>
+              </a:defRPr>
+            </a:lvl1pPr>
+            <a:lvl2pPr marL="457200" algn="l" defTabSz="914400" rtl="0" eaLnBrk="1" latinLnBrk="0" hangingPunct="1">
+              <a:defRPr sz="1800" kern="1200">
+                <a:solidFill>
+                  <a:schemeClr val="tx1"/>
+                </a:solidFill>
+                <a:latin typeface="+mn-lt"/>
+                <a:ea typeface="+mn-ea"/>
+                <a:cs typeface="+mn-cs"/>
+              </a:defRPr>
+            </a:lvl2pPr>
+            <a:lvl3pPr marL="914400" algn="l" defTabSz="914400" rtl="0" eaLnBrk="1" latinLnBrk="0" hangingPunct="1">
+              <a:defRPr sz="1800" kern="1200">
+                <a:solidFill>
+                  <a:schemeClr val="tx1"/>
+                </a:solidFill>
+                <a:latin typeface="+mn-lt"/>
+                <a:ea typeface="+mn-ea"/>
+                <a:cs typeface="+mn-cs"/>
+              </a:defRPr>
+            </a:lvl3pPr>
+            <a:lvl4pPr marL="1371600" algn="l" defTabSz="914400" rtl="0" eaLnBrk="1" latinLnBrk="0" hangingPunct="1">
+              <a:defRPr sz="1800" kern="1200">
+                <a:solidFill>
+                  <a:schemeClr val="tx1"/>
+                </a:solidFill>
+                <a:latin typeface="+mn-lt"/>
+                <a:ea typeface="+mn-ea"/>
+                <a:cs typeface="+mn-cs"/>
+              </a:defRPr>
+            </a:lvl4pPr>
+            <a:lvl5pPr marL="1828800" algn="l" defTabSz="914400" rtl="0" eaLnBrk="1" latinLnBrk="0" hangingPunct="1">
+              <a:defRPr sz="1800" kern="1200">
+                <a:solidFill>
+                  <a:schemeClr val="tx1"/>
+                </a:solidFill>
+                <a:latin typeface="+mn-lt"/>
+                <a:ea typeface="+mn-ea"/>
+                <a:cs typeface="+mn-cs"/>
+              </a:defRPr>
+            </a:lvl5pPr>
+            <a:lvl6pPr marL="2286000" algn="l" defTabSz="914400" rtl="0" eaLnBrk="1" latinLnBrk="0" hangingPunct="1">
+              <a:defRPr sz="1800" kern="1200">
+                <a:solidFill>
+                  <a:schemeClr val="tx1"/>
+                </a:solidFill>
+                <a:latin typeface="+mn-lt"/>
+                <a:ea typeface="+mn-ea"/>
+                <a:cs typeface="+mn-cs"/>
+              </a:defRPr>
+            </a:lvl6pPr>
+            <a:lvl7pPr marL="2743200" algn="l" defTabSz="914400" rtl="0" eaLnBrk="1" latinLnBrk="0" hangingPunct="1">
+              <a:defRPr sz="1800" kern="1200">
+                <a:solidFill>
+                  <a:schemeClr val="tx1"/>
+                </a:solidFill>
+                <a:latin typeface="+mn-lt"/>
+                <a:ea typeface="+mn-ea"/>
+                <a:cs typeface="+mn-cs"/>
+              </a:defRPr>
+            </a:lvl7pPr>
+            <a:lvl8pPr marL="3200400" algn="l" defTabSz="914400" rtl="0" eaLnBrk="1" latinLnBrk="0" hangingPunct="1">
+              <a:defRPr sz="1800" kern="1200">
+                <a:solidFill>
+                  <a:schemeClr val="tx1"/>
+                </a:solidFill>
+                <a:latin typeface="+mn-lt"/>
+                <a:ea typeface="+mn-ea"/>
+                <a:cs typeface="+mn-cs"/>
+              </a:defRPr>
+            </a:lvl8pPr>
+            <a:lvl9pPr marL="3657600" algn="l" defTabSz="914400" rtl="0" eaLnBrk="1" latinLnBrk="0" hangingPunct="1">
+              <a:defRPr sz="1800" kern="1200">
+                <a:solidFill>
+                  <a:schemeClr val="tx1"/>
+                </a:solidFill>
+                <a:latin typeface="+mn-lt"/>
+                <a:ea typeface="+mn-ea"/>
+                <a:cs typeface="+mn-cs"/>
+              </a:defRPr>
+            </a:lvl9pPr>
+          </a:lstStyle>
+          <a:p>
+            <a:pPr marL="0" indent="0" algn="ctr">
+              <a:buNone/>
+            </a:pPr>
+            <a:r>
+              <a:rPr lang="en-US" sz="1400" dirty="0">
+                <a:latin typeface="Tahoma" panose="020B0604030504040204" pitchFamily="34" charset="0"/>
+                <a:ea typeface="Tahoma" panose="020B0604030504040204" pitchFamily="34" charset="0"/>
+                <a:cs typeface="Tahoma" panose="020B0604030504040204" pitchFamily="34" charset="0"/>
+              </a:rPr>
+              <a:t>Document</a:t>
+            </a:r>
+          </a:p>
+        </p:txBody>
+      </p:sp>
+      <p:sp>
+        <p:nvSpPr>
+          <p:cNvPr id="22" name="Content Placeholder 2">
+            <a:extLst>
+              <a:ext uri="{FF2B5EF4-FFF2-40B4-BE49-F238E27FC236}">
+                <a16:creationId xmlns:a16="http://schemas.microsoft.com/office/drawing/2014/main" id="{1BEF5603-B455-486D-B25A-623C34F22D02}"/>
+              </a:ext>
+            </a:extLst>
+          </p:cNvPr>
+          <p:cNvSpPr txBox="1">
+            <a:spLocks/>
+          </p:cNvSpPr>
+          <p:nvPr/>
+        </p:nvSpPr>
+        <p:spPr>
+          <a:xfrm>
+            <a:off x="4465632" y="4351721"/>
+            <a:ext cx="1079060" cy="225006"/>
+          </a:xfrm>
+          <a:prstGeom prst="rect">
+            <a:avLst/>
+          </a:prstGeom>
+        </p:spPr>
+        <p:style>
+          <a:lnRef idx="2">
+            <a:schemeClr val="accent1">
+              <a:shade val="50000"/>
+            </a:schemeClr>
+          </a:lnRef>
+          <a:fillRef idx="1">
+            <a:schemeClr val="accent1"/>
+          </a:fillRef>
+          <a:effectRef idx="0">
+            <a:schemeClr val="accent1"/>
+          </a:effectRef>
+          <a:fontRef idx="minor">
+            <a:schemeClr val="lt1"/>
+          </a:fontRef>
+        </p:style>
+        <p:txBody>
+          <a:bodyPr vert="horz" lIns="91440" tIns="45720" rIns="91440" bIns="45720" rtlCol="0">
+            <a:normAutofit fontScale="70000" lnSpcReduction="20000"/>
+          </a:bodyPr>
+          <a:lstStyle>
+            <a:defPPr>
+              <a:defRPr lang="en-US"/>
+            </a:defPPr>
+            <a:lvl1pPr marL="0" algn="l" defTabSz="914400" rtl="0" eaLnBrk="1" latinLnBrk="0" hangingPunct="1">
+              <a:defRPr sz="1800" kern="1200">
+                <a:solidFill>
+                  <a:schemeClr val="tx1"/>
+                </a:solidFill>
+                <a:latin typeface="+mn-lt"/>
+                <a:ea typeface="+mn-ea"/>
+                <a:cs typeface="+mn-cs"/>
+              </a:defRPr>
+            </a:lvl1pPr>
+            <a:lvl2pPr marL="457200" algn="l" defTabSz="914400" rtl="0" eaLnBrk="1" latinLnBrk="0" hangingPunct="1">
+              <a:defRPr sz="1800" kern="1200">
+                <a:solidFill>
+                  <a:schemeClr val="tx1"/>
+                </a:solidFill>
+                <a:latin typeface="+mn-lt"/>
+                <a:ea typeface="+mn-ea"/>
+                <a:cs typeface="+mn-cs"/>
+              </a:defRPr>
+            </a:lvl2pPr>
+            <a:lvl3pPr marL="914400" algn="l" defTabSz="914400" rtl="0" eaLnBrk="1" latinLnBrk="0" hangingPunct="1">
+              <a:defRPr sz="1800" kern="1200">
+                <a:solidFill>
+                  <a:schemeClr val="tx1"/>
+                </a:solidFill>
+                <a:latin typeface="+mn-lt"/>
+                <a:ea typeface="+mn-ea"/>
+                <a:cs typeface="+mn-cs"/>
+              </a:defRPr>
+            </a:lvl3pPr>
+            <a:lvl4pPr marL="1371600" algn="l" defTabSz="914400" rtl="0" eaLnBrk="1" latinLnBrk="0" hangingPunct="1">
+              <a:defRPr sz="1800" kern="1200">
+                <a:solidFill>
+                  <a:schemeClr val="tx1"/>
+                </a:solidFill>
+                <a:latin typeface="+mn-lt"/>
+                <a:ea typeface="+mn-ea"/>
+                <a:cs typeface="+mn-cs"/>
+              </a:defRPr>
+            </a:lvl4pPr>
+            <a:lvl5pPr marL="1828800" algn="l" defTabSz="914400" rtl="0" eaLnBrk="1" latinLnBrk="0" hangingPunct="1">
+              <a:defRPr sz="1800" kern="1200">
+                <a:solidFill>
+                  <a:schemeClr val="tx1"/>
+                </a:solidFill>
+                <a:latin typeface="+mn-lt"/>
+                <a:ea typeface="+mn-ea"/>
+                <a:cs typeface="+mn-cs"/>
+              </a:defRPr>
+            </a:lvl5pPr>
+            <a:lvl6pPr marL="2286000" algn="l" defTabSz="914400" rtl="0" eaLnBrk="1" latinLnBrk="0" hangingPunct="1">
+              <a:defRPr sz="1800" kern="1200">
+                <a:solidFill>
+                  <a:schemeClr val="tx1"/>
+                </a:solidFill>
+                <a:latin typeface="+mn-lt"/>
+                <a:ea typeface="+mn-ea"/>
+                <a:cs typeface="+mn-cs"/>
+              </a:defRPr>
+            </a:lvl6pPr>
+            <a:lvl7pPr marL="2743200" algn="l" defTabSz="914400" rtl="0" eaLnBrk="1" latinLnBrk="0" hangingPunct="1">
+              <a:defRPr sz="1800" kern="1200">
+                <a:solidFill>
+                  <a:schemeClr val="tx1"/>
+                </a:solidFill>
+                <a:latin typeface="+mn-lt"/>
+                <a:ea typeface="+mn-ea"/>
+                <a:cs typeface="+mn-cs"/>
+              </a:defRPr>
+            </a:lvl7pPr>
+            <a:lvl8pPr marL="3200400" algn="l" defTabSz="914400" rtl="0" eaLnBrk="1" latinLnBrk="0" hangingPunct="1">
+              <a:defRPr sz="1800" kern="1200">
+                <a:solidFill>
+                  <a:schemeClr val="tx1"/>
+                </a:solidFill>
+                <a:latin typeface="+mn-lt"/>
+                <a:ea typeface="+mn-ea"/>
+                <a:cs typeface="+mn-cs"/>
+              </a:defRPr>
+            </a:lvl8pPr>
+            <a:lvl9pPr marL="3657600" algn="l" defTabSz="914400" rtl="0" eaLnBrk="1" latinLnBrk="0" hangingPunct="1">
+              <a:defRPr sz="1800" kern="1200">
+                <a:solidFill>
+                  <a:schemeClr val="tx1"/>
+                </a:solidFill>
+                <a:latin typeface="+mn-lt"/>
+                <a:ea typeface="+mn-ea"/>
+                <a:cs typeface="+mn-cs"/>
+              </a:defRPr>
+            </a:lvl9pPr>
+          </a:lstStyle>
+          <a:p>
+            <a:pPr marL="0" indent="0" algn="ctr">
+              <a:buNone/>
+            </a:pPr>
+            <a:r>
+              <a:rPr lang="en-US" sz="1400" dirty="0">
+                <a:latin typeface="Tahoma" panose="020B0604030504040204" pitchFamily="34" charset="0"/>
+                <a:ea typeface="Tahoma" panose="020B0604030504040204" pitchFamily="34" charset="0"/>
+                <a:cs typeface="Tahoma" panose="020B0604030504040204" pitchFamily="34" charset="0"/>
+              </a:rPr>
+              <a:t>category</a:t>
+            </a:r>
+          </a:p>
+        </p:txBody>
+      </p:sp>
+    </p:spTree>
+  </p:cSld>
+  <p:clrMapOvr>
+    <a:masterClrMapping/>
+  </p:clrMapOvr>
+</p:sld>
+</file>
+
+<file path=ppt/slides/slide7.xml><?xml version="1.0" encoding="utf-8"?>
 <p:sld xmlns:a="http://schemas.openxmlformats.org/drawingml/2006/main" xmlns:r="http://schemas.openxmlformats.org/officeDocument/2006/relationships" xmlns:p="http://schemas.openxmlformats.org/presentationml/2006/main">
   <p:cSld>
     <p:spTree>
@@ -16086,6 +19364,11 @@
         </p:txBody>
       </p:sp>
     </p:spTree>
+    <p:extLst>
+      <p:ext uri="{BB962C8B-B14F-4D97-AF65-F5344CB8AC3E}">
+        <p14:creationId xmlns:p14="http://schemas.microsoft.com/office/powerpoint/2010/main" val="1737646013"/>
+      </p:ext>
+    </p:extLst>
   </p:cSld>
   <p:clrMapOvr>
     <a:masterClrMapping/>
@@ -16093,7 +19376,7 @@
 </p:sld>
 </file>
 
-<file path=ppt/slides/slide7.xml><?xml version="1.0" encoding="utf-8"?>
+<file path=ppt/slides/slide8.xml><?xml version="1.0" encoding="utf-8"?>
 <p:sld xmlns:a="http://schemas.openxmlformats.org/drawingml/2006/main" xmlns:r="http://schemas.openxmlformats.org/officeDocument/2006/relationships" xmlns:p="http://schemas.openxmlformats.org/presentationml/2006/main">
   <p:cSld>
     <p:spTree>
@@ -16437,7 +19720,7 @@
 </p:sld>
 </file>
 
-<file path=ppt/slides/slide8.xml><?xml version="1.0" encoding="utf-8"?>
+<file path=ppt/slides/slide9.xml><?xml version="1.0" encoding="utf-8"?>
 <p:sld xmlns:a="http://schemas.openxmlformats.org/drawingml/2006/main" xmlns:r="http://schemas.openxmlformats.org/officeDocument/2006/relationships" xmlns:p="http://schemas.openxmlformats.org/presentationml/2006/main">
   <p:cSld>
     <p:spTree>
@@ -17373,354 +20656,6 @@
               <a:cs typeface="Merriweather"/>
               <a:sym typeface="Merriweather"/>
             </a:endParaRPr>
-          </a:p>
-        </p:txBody>
-      </p:sp>
-    </p:spTree>
-  </p:cSld>
-  <p:clrMapOvr>
-    <a:masterClrMapping/>
-  </p:clrMapOvr>
-</p:sld>
-</file>
-
-<file path=ppt/slides/slide9.xml><?xml version="1.0" encoding="utf-8"?>
-<p:sld xmlns:a="http://schemas.openxmlformats.org/drawingml/2006/main" xmlns:r="http://schemas.openxmlformats.org/officeDocument/2006/relationships" xmlns:p="http://schemas.openxmlformats.org/presentationml/2006/main">
-  <p:cSld>
-    <p:spTree>
-      <p:nvGrpSpPr>
-        <p:cNvPr id="1" name="Shape 544"/>
-        <p:cNvGrpSpPr/>
-        <p:nvPr/>
-      </p:nvGrpSpPr>
-      <p:grpSpPr>
-        <a:xfrm>
-          <a:off x="0" y="0"/>
-          <a:ext cx="0" cy="0"/>
-          <a:chOff x="0" y="0"/>
-          <a:chExt cx="0" cy="0"/>
-        </a:xfrm>
-      </p:grpSpPr>
-      <p:sp>
-        <p:nvSpPr>
-          <p:cNvPr id="545" name="Google Shape;545;p46"/>
-          <p:cNvSpPr txBox="1">
-            <a:spLocks noGrp="1"/>
-          </p:cNvSpPr>
-          <p:nvPr>
-            <p:ph type="subTitle" idx="1"/>
-          </p:nvPr>
-        </p:nvSpPr>
-        <p:spPr>
-          <a:xfrm>
-            <a:off x="1597200" y="487650"/>
-            <a:ext cx="5934600" cy="420600"/>
-          </a:xfrm>
-          <a:prstGeom prst="rect">
-            <a:avLst/>
-          </a:prstGeom>
-        </p:spPr>
-        <p:txBody>
-          <a:bodyPr spcFirstLastPara="1" wrap="square" lIns="91425" tIns="91425" rIns="91425" bIns="91425" anchor="ctr" anchorCtr="0">
-            <a:noAutofit/>
-          </a:bodyPr>
-          <a:lstStyle/>
-          <a:p>
-            <a:pPr marL="0" lvl="0" indent="0" algn="ctr" rtl="0">
-              <a:spcBef>
-                <a:spcPts val="0"/>
-              </a:spcBef>
-              <a:spcAft>
-                <a:spcPts val="0"/>
-              </a:spcAft>
-              <a:buNone/>
-            </a:pPr>
-            <a:r>
-              <a:rPr lang="en" dirty="0"/>
-              <a:t>The Daily News</a:t>
-            </a:r>
-            <a:endParaRPr dirty="0"/>
-          </a:p>
-        </p:txBody>
-      </p:sp>
-      <p:pic>
-        <p:nvPicPr>
-          <p:cNvPr id="546" name="Google Shape;546;p46"/>
-          <p:cNvPicPr preferRelativeResize="0"/>
-          <p:nvPr/>
-        </p:nvPicPr>
-        <p:blipFill rotWithShape="1">
-          <a:blip r:embed="rId3">
-            <a:alphaModFix/>
-          </a:blip>
-          <a:srcRect t="19340" b="24372"/>
-          <a:stretch/>
-        </p:blipFill>
-        <p:spPr>
-          <a:xfrm flipH="1">
-            <a:off x="721500" y="1716900"/>
-            <a:ext cx="7686600" cy="2886599"/>
-          </a:xfrm>
-          <a:prstGeom prst="rect">
-            <a:avLst/>
-          </a:prstGeom>
-          <a:noFill/>
-          <a:ln>
-            <a:noFill/>
-          </a:ln>
-        </p:spPr>
-      </p:pic>
-      <p:sp>
-        <p:nvSpPr>
-          <p:cNvPr id="547" name="Google Shape;547;p46"/>
-          <p:cNvSpPr/>
-          <p:nvPr/>
-        </p:nvSpPr>
-        <p:spPr>
-          <a:xfrm>
-            <a:off x="1597200" y="3110425"/>
-            <a:ext cx="2636400" cy="640800"/>
-          </a:xfrm>
-          <a:prstGeom prst="rect">
-            <a:avLst/>
-          </a:prstGeom>
-          <a:solidFill>
-            <a:schemeClr val="accent2"/>
-          </a:solidFill>
-          <a:ln>
-            <a:noFill/>
-          </a:ln>
-        </p:spPr>
-        <p:txBody>
-          <a:bodyPr spcFirstLastPara="1" wrap="square" lIns="91425" tIns="91425" rIns="91425" bIns="91425" anchor="ctr" anchorCtr="0">
-            <a:noAutofit/>
-          </a:bodyPr>
-          <a:lstStyle/>
-          <a:p>
-            <a:pPr marL="0" lvl="0" indent="0" algn="l" rtl="0">
-              <a:spcBef>
-                <a:spcPts val="0"/>
-              </a:spcBef>
-              <a:spcAft>
-                <a:spcPts val="0"/>
-              </a:spcAft>
-              <a:buNone/>
-            </a:pPr>
-            <a:endParaRPr/>
-          </a:p>
-        </p:txBody>
-      </p:sp>
-      <p:sp>
-        <p:nvSpPr>
-          <p:cNvPr id="548" name="Google Shape;548;p46"/>
-          <p:cNvSpPr txBox="1">
-            <a:spLocks noGrp="1"/>
-          </p:cNvSpPr>
-          <p:nvPr>
-            <p:ph type="ctrTitle" idx="2"/>
-          </p:nvPr>
-        </p:nvSpPr>
-        <p:spPr>
-          <a:xfrm>
-            <a:off x="1598400" y="3168025"/>
-            <a:ext cx="4102500" cy="525600"/>
-          </a:xfrm>
-          <a:prstGeom prst="rect">
-            <a:avLst/>
-          </a:prstGeom>
-        </p:spPr>
-        <p:txBody>
-          <a:bodyPr spcFirstLastPara="1" wrap="square" lIns="91425" tIns="91425" rIns="91425" bIns="91425" anchor="ctr" anchorCtr="0">
-            <a:noAutofit/>
-          </a:bodyPr>
-          <a:lstStyle/>
-          <a:p>
-            <a:pPr marL="0" lvl="0" indent="0" algn="l" rtl="0">
-              <a:spcBef>
-                <a:spcPts val="0"/>
-              </a:spcBef>
-              <a:spcAft>
-                <a:spcPts val="0"/>
-              </a:spcAft>
-              <a:buNone/>
-            </a:pPr>
-            <a:r>
-              <a:rPr lang="en" dirty="0"/>
-              <a:t>Conclusion</a:t>
-            </a:r>
-            <a:endParaRPr dirty="0"/>
-          </a:p>
-        </p:txBody>
-      </p:sp>
-      <p:sp>
-        <p:nvSpPr>
-          <p:cNvPr id="549" name="Google Shape;549;p46"/>
-          <p:cNvSpPr txBox="1">
-            <a:spLocks noGrp="1"/>
-          </p:cNvSpPr>
-          <p:nvPr>
-            <p:ph type="subTitle" idx="3"/>
-          </p:nvPr>
-        </p:nvSpPr>
-        <p:spPr>
-          <a:xfrm>
-            <a:off x="720000" y="1043500"/>
-            <a:ext cx="1540800" cy="174600"/>
-          </a:xfrm>
-          <a:prstGeom prst="rect">
-            <a:avLst/>
-          </a:prstGeom>
-        </p:spPr>
-        <p:txBody>
-          <a:bodyPr spcFirstLastPara="1" wrap="square" lIns="0" tIns="91425" rIns="0" bIns="91425" anchor="ctr" anchorCtr="0">
-            <a:noAutofit/>
-          </a:bodyPr>
-          <a:lstStyle/>
-          <a:p>
-            <a:pPr marL="0" lvl="0" indent="0" algn="l" rtl="0">
-              <a:spcBef>
-                <a:spcPts val="0"/>
-              </a:spcBef>
-              <a:spcAft>
-                <a:spcPts val="0"/>
-              </a:spcAft>
-              <a:buNone/>
-            </a:pPr>
-            <a:r>
-              <a:rPr lang="en" dirty="0"/>
-              <a:t>Sunday 24/10/2021</a:t>
-            </a:r>
-            <a:endParaRPr dirty="0"/>
-          </a:p>
-        </p:txBody>
-      </p:sp>
-      <p:sp>
-        <p:nvSpPr>
-          <p:cNvPr id="550" name="Google Shape;550;p46"/>
-          <p:cNvSpPr txBox="1">
-            <a:spLocks noGrp="1"/>
-          </p:cNvSpPr>
-          <p:nvPr>
-            <p:ph type="subTitle" idx="4"/>
-          </p:nvPr>
-        </p:nvSpPr>
-        <p:spPr>
-          <a:xfrm>
-            <a:off x="3799350" y="1044100"/>
-            <a:ext cx="1545300" cy="173700"/>
-          </a:xfrm>
-          <a:prstGeom prst="rect">
-            <a:avLst/>
-          </a:prstGeom>
-        </p:spPr>
-        <p:txBody>
-          <a:bodyPr spcFirstLastPara="1" wrap="square" lIns="91425" tIns="91425" rIns="91425" bIns="91425" anchor="ctr" anchorCtr="0">
-            <a:noAutofit/>
-          </a:bodyPr>
-          <a:lstStyle/>
-          <a:p>
-            <a:pPr marL="0" lvl="0" indent="0" algn="ctr" rtl="0">
-              <a:spcBef>
-                <a:spcPts val="0"/>
-              </a:spcBef>
-              <a:spcAft>
-                <a:spcPts val="0"/>
-              </a:spcAft>
-              <a:buNone/>
-            </a:pPr>
-            <a:r>
-              <a:rPr lang="en"/>
-              <a:t>Newsletter</a:t>
-            </a:r>
-            <a:endParaRPr/>
-          </a:p>
-        </p:txBody>
-      </p:sp>
-      <p:sp>
-        <p:nvSpPr>
-          <p:cNvPr id="551" name="Google Shape;551;p46"/>
-          <p:cNvSpPr txBox="1">
-            <a:spLocks noGrp="1"/>
-          </p:cNvSpPr>
-          <p:nvPr>
-            <p:ph type="subTitle" idx="5"/>
-          </p:nvPr>
-        </p:nvSpPr>
-        <p:spPr>
-          <a:xfrm>
-            <a:off x="6883200" y="1044100"/>
-            <a:ext cx="1545300" cy="173700"/>
-          </a:xfrm>
-          <a:prstGeom prst="rect">
-            <a:avLst/>
-          </a:prstGeom>
-        </p:spPr>
-        <p:txBody>
-          <a:bodyPr spcFirstLastPara="1" wrap="square" lIns="0" tIns="91425" rIns="0" bIns="91425" anchor="ctr" anchorCtr="0">
-            <a:noAutofit/>
-          </a:bodyPr>
-          <a:lstStyle/>
-          <a:p>
-            <a:pPr marL="0" lvl="0" indent="0" algn="r" rtl="0">
-              <a:spcBef>
-                <a:spcPts val="0"/>
-              </a:spcBef>
-              <a:spcAft>
-                <a:spcPts val="0"/>
-              </a:spcAft>
-              <a:buNone/>
-            </a:pPr>
-            <a:r>
-              <a:rPr lang="en">
-                <a:solidFill>
-                  <a:schemeClr val="dk1"/>
-                </a:solidFill>
-              </a:rPr>
-              <a:t>Edition: 001</a:t>
-            </a:r>
-            <a:endParaRPr/>
-          </a:p>
-        </p:txBody>
-      </p:sp>
-      <p:sp>
-        <p:nvSpPr>
-          <p:cNvPr id="552" name="Google Shape;552;p46"/>
-          <p:cNvSpPr txBox="1">
-            <a:spLocks noGrp="1"/>
-          </p:cNvSpPr>
-          <p:nvPr>
-            <p:ph type="title"/>
-          </p:nvPr>
-        </p:nvSpPr>
-        <p:spPr>
-          <a:xfrm>
-            <a:off x="1598400" y="2253600"/>
-            <a:ext cx="662400" cy="640800"/>
-          </a:xfrm>
-          <a:prstGeom prst="rect">
-            <a:avLst/>
-          </a:prstGeom>
-        </p:spPr>
-        <p:txBody>
-          <a:bodyPr spcFirstLastPara="1" wrap="square" lIns="0" tIns="0" rIns="0" bIns="0" anchor="ctr" anchorCtr="0">
-            <a:noAutofit/>
-          </a:bodyPr>
-          <a:lstStyle/>
-          <a:p>
-            <a:pPr marL="0" lvl="0" indent="0" algn="ctr" rtl="0">
-              <a:spcBef>
-                <a:spcPts val="0"/>
-              </a:spcBef>
-              <a:spcAft>
-                <a:spcPts val="0"/>
-              </a:spcAft>
-              <a:buNone/>
-            </a:pPr>
-            <a:r>
-              <a:rPr lang="en"/>
-              <a:t>04</a:t>
-            </a:r>
-            <a:endParaRPr/>
           </a:p>
         </p:txBody>
       </p:sp>

--- a/Topic_Modeling.pptx
+++ b/Topic_Modeling.pptx
@@ -13,8 +13,8 @@
     <p:sldId id="259" r:id="rId4"/>
     <p:sldId id="260" r:id="rId5"/>
     <p:sldId id="263" r:id="rId6"/>
-    <p:sldId id="265" r:id="rId7"/>
-    <p:sldId id="279" r:id="rId8"/>
+    <p:sldId id="279" r:id="rId7"/>
+    <p:sldId id="265" r:id="rId8"/>
     <p:sldId id="270" r:id="rId9"/>
     <p:sldId id="266" r:id="rId10"/>
     <p:sldId id="275" r:id="rId11"/>
@@ -1663,6 +1663,11 @@
         </p:txBody>
       </p:sp>
     </p:spTree>
+    <p:extLst>
+      <p:ext uri="{BB962C8B-B14F-4D97-AF65-F5344CB8AC3E}">
+        <p14:creationId xmlns:p14="http://schemas.microsoft.com/office/powerpoint/2010/main" val="3377885536"/>
+      </p:ext>
+    </p:extLst>
   </p:cSld>
   <p:clrMapOvr>
     <a:masterClrMapping/>
@@ -1767,11 +1772,6 @@
         </p:txBody>
       </p:sp>
     </p:spTree>
-    <p:extLst>
-      <p:ext uri="{BB962C8B-B14F-4D97-AF65-F5344CB8AC3E}">
-        <p14:creationId xmlns:p14="http://schemas.microsoft.com/office/powerpoint/2010/main" val="3377885536"/>
-      </p:ext>
-    </p:extLst>
   </p:cSld>
   <p:clrMapOvr>
     <a:masterClrMapping/>
@@ -12898,19 +12898,101 @@
           </a:bodyPr>
           <a:lstStyle/>
           <a:p>
-            <a:pPr marL="0" lvl="0" indent="0" algn="just" rtl="0">
-              <a:spcBef>
-                <a:spcPts val="0"/>
-              </a:spcBef>
-              <a:spcAft>
-                <a:spcPts val="0"/>
-              </a:spcAft>
-              <a:buNone/>
+            <a:pPr marL="285750" lvl="0" indent="-285750" algn="just" rtl="0">
+              <a:spcBef>
+                <a:spcPts val="0"/>
+              </a:spcBef>
+              <a:spcAft>
+                <a:spcPts val="0"/>
+              </a:spcAft>
+              <a:buFont typeface="Arial" panose="020B0604020202020204" pitchFamily="34" charset="0"/>
+              <a:buChar char="•"/>
             </a:pPr>
             <a:r>
               <a:rPr lang="en-US" dirty="0"/>
-              <a:t>At the beginning we clean our data and after that We tried three different approaches to topic modeling but the only  model with good results was K-means so we will choose this model. From this project we were hoping to have good results with Arabic data since there are only a few resources for Arabic NLP.</a:t>
+              <a:t>The topics in the data was unbalanced.</a:t>
             </a:r>
+          </a:p>
+          <a:p>
+            <a:pPr marL="0" lvl="0" indent="0" algn="just" rtl="0">
+              <a:spcBef>
+                <a:spcPts val="0"/>
+              </a:spcBef>
+              <a:spcAft>
+                <a:spcPts val="0"/>
+              </a:spcAft>
+            </a:pPr>
+            <a:endParaRPr lang="en-US" dirty="0"/>
+          </a:p>
+          <a:p>
+            <a:pPr marL="285750" lvl="0" indent="-285750" algn="just" rtl="0">
+              <a:spcBef>
+                <a:spcPts val="0"/>
+              </a:spcBef>
+              <a:spcAft>
+                <a:spcPts val="0"/>
+              </a:spcAft>
+              <a:buFont typeface="Arial" panose="020B0604020202020204" pitchFamily="34" charset="0"/>
+              <a:buChar char="•"/>
+            </a:pPr>
+            <a:r>
+              <a:rPr lang="en-US" dirty="0"/>
+              <a:t>The only model with good results was K-means. </a:t>
+            </a:r>
+          </a:p>
+          <a:p>
+            <a:pPr marL="285750" lvl="0" indent="-285750" algn="just" rtl="0">
+              <a:spcBef>
+                <a:spcPts val="0"/>
+              </a:spcBef>
+              <a:spcAft>
+                <a:spcPts val="0"/>
+              </a:spcAft>
+              <a:buFont typeface="Arial" panose="020B0604020202020204" pitchFamily="34" charset="0"/>
+              <a:buChar char="•"/>
+            </a:pPr>
+            <a:endParaRPr lang="en-US" dirty="0"/>
+          </a:p>
+          <a:p>
+            <a:pPr marL="285750" lvl="0" indent="-285750" algn="just" rtl="0">
+              <a:spcBef>
+                <a:spcPts val="0"/>
+              </a:spcBef>
+              <a:spcAft>
+                <a:spcPts val="0"/>
+              </a:spcAft>
+              <a:buFont typeface="Arial" panose="020B0604020202020204" pitchFamily="34" charset="0"/>
+              <a:buChar char="•"/>
+            </a:pPr>
+            <a:r>
+              <a:rPr lang="en-US" dirty="0"/>
+              <a:t>There are only a few resources for Arabic NLP.</a:t>
+            </a:r>
+          </a:p>
+          <a:p>
+            <a:pPr marL="285750" lvl="0" indent="-285750" algn="just" rtl="0">
+              <a:spcBef>
+                <a:spcPts val="0"/>
+              </a:spcBef>
+              <a:spcAft>
+                <a:spcPts val="0"/>
+              </a:spcAft>
+              <a:buFont typeface="Arial" panose="020B0604020202020204" pitchFamily="34" charset="0"/>
+              <a:buChar char="•"/>
+            </a:pPr>
+            <a:endParaRPr lang="en-US" dirty="0"/>
+          </a:p>
+          <a:p>
+            <a:pPr marL="285750" lvl="0" indent="-285750" algn="just" rtl="0">
+              <a:spcBef>
+                <a:spcPts val="0"/>
+              </a:spcBef>
+              <a:spcAft>
+                <a:spcPts val="0"/>
+              </a:spcAft>
+              <a:buFont typeface="Arial" panose="020B0604020202020204" pitchFamily="34" charset="0"/>
+              <a:buChar char="•"/>
+            </a:pPr>
             <a:endParaRPr dirty="0"/>
           </a:p>
         </p:txBody>
@@ -14796,7 +14878,7 @@
             </a:pPr>
             <a:r>
               <a:rPr lang="en-US" dirty="0"/>
-              <a:t>Our Problem is about Arabic NLP and our task will be To prepare a dataset &amp; classify each document into a category.</a:t>
+              <a:t>Our problem is about Arabic NLP, and our task will be to prepare the dataset &amp; classify each document into a category.</a:t>
             </a:r>
           </a:p>
           <a:p>
@@ -15167,7 +15249,7 @@
             </a:pPr>
             <a:r>
               <a:rPr lang="en-US" dirty="0"/>
-              <a:t>we will develop an Arabic topic modeling to predict the correct topic of newspaper articles that can correctly classify the topic.</a:t>
+              <a:t>We will develop an Arabic topic modeling to predict the correct topic of newspaper articles.</a:t>
             </a:r>
           </a:p>
         </p:txBody>
@@ -15454,7 +15536,7 @@
             <a:pPr marL="0" indent="0"/>
             <a:r>
               <a:rPr lang="en-US" dirty="0"/>
-              <a:t>Solution</a:t>
+              <a:t>Goal</a:t>
             </a:r>
           </a:p>
         </p:txBody>
@@ -15561,8 +15643,8 @@
         </p:nvSpPr>
         <p:spPr>
           <a:xfrm>
-            <a:off x="1597200" y="3110425"/>
-            <a:ext cx="2420400" cy="640800"/>
+            <a:off x="1597199" y="3110425"/>
+            <a:ext cx="2731913" cy="640800"/>
           </a:xfrm>
           <a:prstGeom prst="rect">
             <a:avLst/>
@@ -15671,7 +15753,7 @@
             </a:pPr>
             <a:r>
               <a:rPr lang="en" dirty="0"/>
-              <a:t>Data</a:t>
+              <a:t>Preprocess</a:t>
             </a:r>
             <a:endParaRPr dirty="0"/>
           </a:p>
@@ -15842,6 +15924,735 @@
 </file>
 
 <file path=ppt/slides/slide6.xml><?xml version="1.0" encoding="utf-8"?>
+<p:sld xmlns:a="http://schemas.openxmlformats.org/drawingml/2006/main" xmlns:r="http://schemas.openxmlformats.org/officeDocument/2006/relationships" xmlns:p="http://schemas.openxmlformats.org/presentationml/2006/main">
+  <p:cSld>
+    <p:spTree>
+      <p:nvGrpSpPr>
+        <p:cNvPr id="1" name="Shape 315"/>
+        <p:cNvGrpSpPr/>
+        <p:nvPr/>
+      </p:nvGrpSpPr>
+      <p:grpSpPr>
+        <a:xfrm>
+          <a:off x="0" y="0"/>
+          <a:ext cx="0" cy="0"/>
+          <a:chOff x="0" y="0"/>
+          <a:chExt cx="0" cy="0"/>
+        </a:xfrm>
+      </p:grpSpPr>
+      <p:sp>
+        <p:nvSpPr>
+          <p:cNvPr id="316" name="Google Shape;316;p36"/>
+          <p:cNvSpPr txBox="1">
+            <a:spLocks noGrp="1"/>
+          </p:cNvSpPr>
+          <p:nvPr>
+            <p:ph type="ctrTitle"/>
+          </p:nvPr>
+        </p:nvSpPr>
+        <p:spPr>
+          <a:xfrm>
+            <a:off x="734400" y="484632"/>
+            <a:ext cx="7675200" cy="422700"/>
+          </a:xfrm>
+          <a:prstGeom prst="rect">
+            <a:avLst/>
+          </a:prstGeom>
+        </p:spPr>
+        <p:txBody>
+          <a:bodyPr spcFirstLastPara="1" wrap="square" lIns="91425" tIns="91425" rIns="91425" bIns="91425" anchor="ctr" anchorCtr="0">
+            <a:noAutofit/>
+          </a:bodyPr>
+          <a:lstStyle/>
+          <a:p>
+            <a:pPr marL="0" lvl="0" indent="0" algn="ctr" rtl="0">
+              <a:spcBef>
+                <a:spcPts val="0"/>
+              </a:spcBef>
+              <a:spcAft>
+                <a:spcPts val="0"/>
+              </a:spcAft>
+              <a:buNone/>
+            </a:pPr>
+            <a:r>
+              <a:rPr lang="en" dirty="0"/>
+              <a:t>Data</a:t>
+            </a:r>
+            <a:endParaRPr dirty="0"/>
+          </a:p>
+        </p:txBody>
+      </p:sp>
+      <p:sp>
+        <p:nvSpPr>
+          <p:cNvPr id="317" name="Google Shape;317;p36"/>
+          <p:cNvSpPr txBox="1">
+            <a:spLocks noGrp="1"/>
+          </p:cNvSpPr>
+          <p:nvPr>
+            <p:ph type="subTitle" idx="1"/>
+          </p:nvPr>
+        </p:nvSpPr>
+        <p:spPr>
+          <a:xfrm>
+            <a:off x="720000" y="1043500"/>
+            <a:ext cx="1540800" cy="174600"/>
+          </a:xfrm>
+          <a:prstGeom prst="rect">
+            <a:avLst/>
+          </a:prstGeom>
+        </p:spPr>
+        <p:txBody>
+          <a:bodyPr spcFirstLastPara="1" wrap="square" lIns="0" tIns="91425" rIns="0" bIns="91425" anchor="ctr" anchorCtr="0">
+            <a:noAutofit/>
+          </a:bodyPr>
+          <a:lstStyle/>
+          <a:p>
+            <a:pPr marL="0" lvl="0" indent="0" algn="l" rtl="0">
+              <a:spcBef>
+                <a:spcPts val="0"/>
+              </a:spcBef>
+              <a:spcAft>
+                <a:spcPts val="0"/>
+              </a:spcAft>
+              <a:buNone/>
+            </a:pPr>
+            <a:r>
+              <a:rPr lang="en" dirty="0"/>
+              <a:t>Sunday 24/10/2021</a:t>
+            </a:r>
+            <a:endParaRPr dirty="0"/>
+          </a:p>
+        </p:txBody>
+      </p:sp>
+      <p:sp>
+        <p:nvSpPr>
+          <p:cNvPr id="318" name="Google Shape;318;p36"/>
+          <p:cNvSpPr txBox="1">
+            <a:spLocks noGrp="1"/>
+          </p:cNvSpPr>
+          <p:nvPr>
+            <p:ph type="subTitle" idx="2"/>
+          </p:nvPr>
+        </p:nvSpPr>
+        <p:spPr>
+          <a:xfrm>
+            <a:off x="3799350" y="1044100"/>
+            <a:ext cx="1545300" cy="173700"/>
+          </a:xfrm>
+          <a:prstGeom prst="rect">
+            <a:avLst/>
+          </a:prstGeom>
+        </p:spPr>
+        <p:txBody>
+          <a:bodyPr spcFirstLastPara="1" wrap="square" lIns="91425" tIns="91425" rIns="91425" bIns="91425" anchor="ctr" anchorCtr="0">
+            <a:noAutofit/>
+          </a:bodyPr>
+          <a:lstStyle/>
+          <a:p>
+            <a:pPr marL="0" lvl="0" indent="0" algn="ctr" rtl="0">
+              <a:spcBef>
+                <a:spcPts val="0"/>
+              </a:spcBef>
+              <a:spcAft>
+                <a:spcPts val="0"/>
+              </a:spcAft>
+              <a:buNone/>
+            </a:pPr>
+            <a:r>
+              <a:rPr lang="en"/>
+              <a:t>Newsletter</a:t>
+            </a:r>
+            <a:endParaRPr/>
+          </a:p>
+        </p:txBody>
+      </p:sp>
+      <p:sp>
+        <p:nvSpPr>
+          <p:cNvPr id="319" name="Google Shape;319;p36"/>
+          <p:cNvSpPr txBox="1">
+            <a:spLocks noGrp="1"/>
+          </p:cNvSpPr>
+          <p:nvPr>
+            <p:ph type="subTitle" idx="3"/>
+          </p:nvPr>
+        </p:nvSpPr>
+        <p:spPr>
+          <a:xfrm>
+            <a:off x="6883200" y="1044100"/>
+            <a:ext cx="1545300" cy="173700"/>
+          </a:xfrm>
+          <a:prstGeom prst="rect">
+            <a:avLst/>
+          </a:prstGeom>
+        </p:spPr>
+        <p:txBody>
+          <a:bodyPr spcFirstLastPara="1" wrap="square" lIns="0" tIns="91425" rIns="0" bIns="91425" anchor="ctr" anchorCtr="0">
+            <a:noAutofit/>
+          </a:bodyPr>
+          <a:lstStyle/>
+          <a:p>
+            <a:pPr marL="0" lvl="0" indent="0" algn="r" rtl="0">
+              <a:spcBef>
+                <a:spcPts val="0"/>
+              </a:spcBef>
+              <a:spcAft>
+                <a:spcPts val="0"/>
+              </a:spcAft>
+              <a:buNone/>
+            </a:pPr>
+            <a:r>
+              <a:rPr lang="en"/>
+              <a:t>Edition: 001</a:t>
+            </a:r>
+            <a:endParaRPr/>
+          </a:p>
+        </p:txBody>
+      </p:sp>
+      <p:sp>
+        <p:nvSpPr>
+          <p:cNvPr id="321" name="Google Shape;321;p36"/>
+          <p:cNvSpPr txBox="1"/>
+          <p:nvPr/>
+        </p:nvSpPr>
+        <p:spPr>
+          <a:xfrm>
+            <a:off x="4668000" y="1794956"/>
+            <a:ext cx="1540800" cy="347400"/>
+          </a:xfrm>
+          <a:prstGeom prst="rect">
+            <a:avLst/>
+          </a:prstGeom>
+          <a:noFill/>
+          <a:ln>
+            <a:noFill/>
+          </a:ln>
+        </p:spPr>
+        <p:txBody>
+          <a:bodyPr spcFirstLastPara="1" wrap="square" lIns="0" tIns="0" rIns="0" bIns="0" anchor="t" anchorCtr="0">
+            <a:noAutofit/>
+          </a:bodyPr>
+          <a:lstStyle/>
+          <a:p>
+            <a:pPr marL="0" lvl="0" indent="0" algn="l" rtl="0">
+              <a:spcBef>
+                <a:spcPts val="0"/>
+              </a:spcBef>
+              <a:spcAft>
+                <a:spcPts val="0"/>
+              </a:spcAft>
+              <a:buNone/>
+            </a:pPr>
+            <a:r>
+              <a:rPr lang="en-US" sz="2000" b="0" i="0" dirty="0">
+                <a:solidFill>
+                  <a:srgbClr val="000000"/>
+                </a:solidFill>
+                <a:effectLst/>
+                <a:latin typeface="Helvetica Neue"/>
+              </a:rPr>
+              <a:t>ID</a:t>
+            </a:r>
+            <a:endParaRPr lang="en-US" sz="2000" b="1" dirty="0">
+              <a:latin typeface="Merriweather"/>
+              <a:ea typeface="Merriweather"/>
+              <a:cs typeface="Merriweather"/>
+              <a:sym typeface="Merriweather"/>
+            </a:endParaRPr>
+          </a:p>
+        </p:txBody>
+      </p:sp>
+      <p:sp>
+        <p:nvSpPr>
+          <p:cNvPr id="322" name="Google Shape;322;p36"/>
+          <p:cNvSpPr txBox="1"/>
+          <p:nvPr/>
+        </p:nvSpPr>
+        <p:spPr>
+          <a:xfrm>
+            <a:off x="4668000" y="2193850"/>
+            <a:ext cx="1540800" cy="719700"/>
+          </a:xfrm>
+          <a:prstGeom prst="rect">
+            <a:avLst/>
+          </a:prstGeom>
+          <a:noFill/>
+          <a:ln>
+            <a:noFill/>
+          </a:ln>
+        </p:spPr>
+        <p:txBody>
+          <a:bodyPr spcFirstLastPara="1" wrap="square" lIns="0" tIns="0" rIns="0" bIns="0" anchor="t" anchorCtr="0">
+            <a:noAutofit/>
+          </a:bodyPr>
+          <a:lstStyle/>
+          <a:p>
+            <a:pPr marL="0" lvl="0" indent="0" algn="l" rtl="0">
+              <a:lnSpc>
+                <a:spcPct val="115000"/>
+              </a:lnSpc>
+              <a:spcBef>
+                <a:spcPts val="0"/>
+              </a:spcBef>
+              <a:spcAft>
+                <a:spcPts val="0"/>
+              </a:spcAft>
+              <a:buNone/>
+            </a:pPr>
+            <a:r>
+              <a:rPr lang="en-US" dirty="0">
+                <a:latin typeface="Merriweather"/>
+                <a:ea typeface="Merriweather"/>
+                <a:cs typeface="Merriweather"/>
+                <a:sym typeface="Merriweather"/>
+              </a:rPr>
+              <a:t>Unique for each article.</a:t>
+            </a:r>
+          </a:p>
+        </p:txBody>
+      </p:sp>
+      <p:sp>
+        <p:nvSpPr>
+          <p:cNvPr id="323" name="Google Shape;323;p36"/>
+          <p:cNvSpPr/>
+          <p:nvPr/>
+        </p:nvSpPr>
+        <p:spPr>
+          <a:xfrm>
+            <a:off x="4244400" y="1844650"/>
+            <a:ext cx="218400" cy="218400"/>
+          </a:xfrm>
+          <a:prstGeom prst="rect">
+            <a:avLst/>
+          </a:prstGeom>
+          <a:solidFill>
+            <a:schemeClr val="accent2"/>
+          </a:solidFill>
+          <a:ln>
+            <a:noFill/>
+          </a:ln>
+        </p:spPr>
+        <p:txBody>
+          <a:bodyPr spcFirstLastPara="1" wrap="square" lIns="91425" tIns="91425" rIns="91425" bIns="91425" anchor="ctr" anchorCtr="0">
+            <a:noAutofit/>
+          </a:bodyPr>
+          <a:lstStyle/>
+          <a:p>
+            <a:pPr marL="0" lvl="0" indent="0" algn="l" rtl="0">
+              <a:spcBef>
+                <a:spcPts val="0"/>
+              </a:spcBef>
+              <a:spcAft>
+                <a:spcPts val="0"/>
+              </a:spcAft>
+              <a:buNone/>
+            </a:pPr>
+            <a:endParaRPr/>
+          </a:p>
+        </p:txBody>
+      </p:sp>
+      <p:sp>
+        <p:nvSpPr>
+          <p:cNvPr id="324" name="Google Shape;324;p36"/>
+          <p:cNvSpPr txBox="1"/>
+          <p:nvPr/>
+        </p:nvSpPr>
+        <p:spPr>
+          <a:xfrm>
+            <a:off x="6859200" y="1794956"/>
+            <a:ext cx="1540800" cy="347400"/>
+          </a:xfrm>
+          <a:prstGeom prst="rect">
+            <a:avLst/>
+          </a:prstGeom>
+          <a:noFill/>
+          <a:ln>
+            <a:noFill/>
+          </a:ln>
+        </p:spPr>
+        <p:txBody>
+          <a:bodyPr spcFirstLastPara="1" wrap="square" lIns="0" tIns="0" rIns="0" bIns="0" anchor="t" anchorCtr="0">
+            <a:noAutofit/>
+          </a:bodyPr>
+          <a:lstStyle/>
+          <a:p>
+            <a:pPr marL="0" lvl="0" indent="0" algn="l" rtl="0">
+              <a:spcBef>
+                <a:spcPts val="0"/>
+              </a:spcBef>
+              <a:spcAft>
+                <a:spcPts val="0"/>
+              </a:spcAft>
+              <a:buNone/>
+            </a:pPr>
+            <a:r>
+              <a:rPr lang="en" sz="2000" b="1" dirty="0">
+                <a:latin typeface="Merriweather"/>
+                <a:ea typeface="Merriweather"/>
+                <a:cs typeface="Merriweather"/>
+                <a:sym typeface="Merriweather"/>
+              </a:rPr>
+              <a:t>Subject</a:t>
+            </a:r>
+            <a:endParaRPr sz="2000" b="1" dirty="0">
+              <a:latin typeface="Merriweather"/>
+              <a:ea typeface="Merriweather"/>
+              <a:cs typeface="Merriweather"/>
+              <a:sym typeface="Merriweather"/>
+            </a:endParaRPr>
+          </a:p>
+        </p:txBody>
+      </p:sp>
+      <p:sp>
+        <p:nvSpPr>
+          <p:cNvPr id="325" name="Google Shape;325;p36"/>
+          <p:cNvSpPr txBox="1"/>
+          <p:nvPr/>
+        </p:nvSpPr>
+        <p:spPr>
+          <a:xfrm>
+            <a:off x="6859200" y="2193850"/>
+            <a:ext cx="1540800" cy="719700"/>
+          </a:xfrm>
+          <a:prstGeom prst="rect">
+            <a:avLst/>
+          </a:prstGeom>
+          <a:noFill/>
+          <a:ln>
+            <a:noFill/>
+          </a:ln>
+        </p:spPr>
+        <p:txBody>
+          <a:bodyPr spcFirstLastPara="1" wrap="square" lIns="0" tIns="0" rIns="0" bIns="0" anchor="t" anchorCtr="0">
+            <a:noAutofit/>
+          </a:bodyPr>
+          <a:lstStyle/>
+          <a:p>
+            <a:pPr marL="0" lvl="0" indent="0" algn="l" rtl="0">
+              <a:lnSpc>
+                <a:spcPct val="115000"/>
+              </a:lnSpc>
+              <a:spcBef>
+                <a:spcPts val="0"/>
+              </a:spcBef>
+              <a:spcAft>
+                <a:spcPts val="0"/>
+              </a:spcAft>
+              <a:buNone/>
+            </a:pPr>
+            <a:r>
+              <a:rPr lang="en-US" dirty="0">
+                <a:latin typeface="Merriweather"/>
+                <a:ea typeface="Merriweather"/>
+                <a:cs typeface="Merriweather"/>
+                <a:sym typeface="Merriweather"/>
+              </a:rPr>
+              <a:t>contains brief description about the article.</a:t>
+            </a:r>
+          </a:p>
+        </p:txBody>
+      </p:sp>
+      <p:sp>
+        <p:nvSpPr>
+          <p:cNvPr id="326" name="Google Shape;326;p36"/>
+          <p:cNvSpPr/>
+          <p:nvPr/>
+        </p:nvSpPr>
+        <p:spPr>
+          <a:xfrm>
+            <a:off x="6432558" y="1844650"/>
+            <a:ext cx="218400" cy="218400"/>
+          </a:xfrm>
+          <a:prstGeom prst="rect">
+            <a:avLst/>
+          </a:prstGeom>
+          <a:solidFill>
+            <a:schemeClr val="accent3"/>
+          </a:solidFill>
+          <a:ln>
+            <a:noFill/>
+          </a:ln>
+        </p:spPr>
+        <p:txBody>
+          <a:bodyPr spcFirstLastPara="1" wrap="square" lIns="91425" tIns="91425" rIns="91425" bIns="91425" anchor="ctr" anchorCtr="0">
+            <a:noAutofit/>
+          </a:bodyPr>
+          <a:lstStyle/>
+          <a:p>
+            <a:pPr marL="0" lvl="0" indent="0" algn="l" rtl="0">
+              <a:spcBef>
+                <a:spcPts val="0"/>
+              </a:spcBef>
+              <a:spcAft>
+                <a:spcPts val="0"/>
+              </a:spcAft>
+              <a:buNone/>
+            </a:pPr>
+            <a:endParaRPr/>
+          </a:p>
+        </p:txBody>
+      </p:sp>
+      <p:sp>
+        <p:nvSpPr>
+          <p:cNvPr id="327" name="Google Shape;327;p36"/>
+          <p:cNvSpPr txBox="1"/>
+          <p:nvPr/>
+        </p:nvSpPr>
+        <p:spPr>
+          <a:xfrm>
+            <a:off x="4668000" y="3462125"/>
+            <a:ext cx="1540800" cy="347400"/>
+          </a:xfrm>
+          <a:prstGeom prst="rect">
+            <a:avLst/>
+          </a:prstGeom>
+          <a:noFill/>
+          <a:ln>
+            <a:noFill/>
+          </a:ln>
+        </p:spPr>
+        <p:txBody>
+          <a:bodyPr spcFirstLastPara="1" wrap="square" lIns="0" tIns="0" rIns="0" bIns="0" anchor="b" anchorCtr="0">
+            <a:noAutofit/>
+          </a:bodyPr>
+          <a:lstStyle/>
+          <a:p>
+            <a:pPr marL="0" lvl="0" indent="0" algn="l">
+              <a:spcBef>
+                <a:spcPts val="0"/>
+              </a:spcBef>
+              <a:spcAft>
+                <a:spcPts val="0"/>
+              </a:spcAft>
+              <a:buNone/>
+            </a:pPr>
+            <a:r>
+              <a:rPr lang="en-US" sz="2000" b="1" dirty="0">
+                <a:latin typeface="Merriweather"/>
+                <a:ea typeface="Merriweather"/>
+                <a:cs typeface="Merriweather"/>
+                <a:sym typeface="Merriweather"/>
+              </a:rPr>
+              <a:t>Content</a:t>
+            </a:r>
+          </a:p>
+        </p:txBody>
+      </p:sp>
+      <p:sp>
+        <p:nvSpPr>
+          <p:cNvPr id="328" name="Google Shape;328;p36"/>
+          <p:cNvSpPr txBox="1"/>
+          <p:nvPr/>
+        </p:nvSpPr>
+        <p:spPr>
+          <a:xfrm>
+            <a:off x="4668000" y="3904450"/>
+            <a:ext cx="1540800" cy="719700"/>
+          </a:xfrm>
+          <a:prstGeom prst="rect">
+            <a:avLst/>
+          </a:prstGeom>
+          <a:noFill/>
+          <a:ln>
+            <a:noFill/>
+          </a:ln>
+        </p:spPr>
+        <p:txBody>
+          <a:bodyPr spcFirstLastPara="1" wrap="square" lIns="0" tIns="0" rIns="0" bIns="0" anchor="t" anchorCtr="0">
+            <a:noAutofit/>
+          </a:bodyPr>
+          <a:lstStyle/>
+          <a:p>
+            <a:pPr marL="0" lvl="0" indent="0" algn="l">
+              <a:lnSpc>
+                <a:spcPct val="115000"/>
+              </a:lnSpc>
+              <a:spcBef>
+                <a:spcPts val="0"/>
+              </a:spcBef>
+              <a:spcAft>
+                <a:spcPts val="0"/>
+              </a:spcAft>
+              <a:buNone/>
+            </a:pPr>
+            <a:r>
+              <a:rPr lang="en-US" dirty="0">
+                <a:latin typeface="Merriweather"/>
+                <a:ea typeface="Merriweather"/>
+                <a:cs typeface="Merriweather"/>
+                <a:sym typeface="Merriweather"/>
+              </a:rPr>
+              <a:t>contains the text in the article.</a:t>
+            </a:r>
+          </a:p>
+        </p:txBody>
+      </p:sp>
+      <p:sp>
+        <p:nvSpPr>
+          <p:cNvPr id="329" name="Google Shape;329;p36"/>
+          <p:cNvSpPr/>
+          <p:nvPr/>
+        </p:nvSpPr>
+        <p:spPr>
+          <a:xfrm>
+            <a:off x="4244400" y="3560325"/>
+            <a:ext cx="218400" cy="218400"/>
+          </a:xfrm>
+          <a:prstGeom prst="rect">
+            <a:avLst/>
+          </a:prstGeom>
+          <a:solidFill>
+            <a:schemeClr val="accent4"/>
+          </a:solidFill>
+          <a:ln>
+            <a:noFill/>
+          </a:ln>
+        </p:spPr>
+        <p:txBody>
+          <a:bodyPr spcFirstLastPara="1" wrap="square" lIns="91425" tIns="91425" rIns="91425" bIns="91425" anchor="ctr" anchorCtr="0">
+            <a:noAutofit/>
+          </a:bodyPr>
+          <a:lstStyle/>
+          <a:p>
+            <a:pPr marL="0" lvl="0" indent="0" algn="l">
+              <a:spcBef>
+                <a:spcPts val="0"/>
+              </a:spcBef>
+              <a:spcAft>
+                <a:spcPts val="0"/>
+              </a:spcAft>
+              <a:buNone/>
+            </a:pPr>
+            <a:endParaRPr/>
+          </a:p>
+        </p:txBody>
+      </p:sp>
+      <p:sp>
+        <p:nvSpPr>
+          <p:cNvPr id="25" name="TextBox 24">
+            <a:extLst>
+              <a:ext uri="{FF2B5EF4-FFF2-40B4-BE49-F238E27FC236}">
+                <a16:creationId xmlns:a16="http://schemas.microsoft.com/office/drawing/2014/main" id="{667376CC-4CD3-4795-95E3-E361D3F500A6}"/>
+              </a:ext>
+            </a:extLst>
+          </p:cNvPr>
+          <p:cNvSpPr txBox="1"/>
+          <p:nvPr/>
+        </p:nvSpPr>
+        <p:spPr>
+          <a:xfrm>
+            <a:off x="478100" y="1844650"/>
+            <a:ext cx="2980944" cy="523220"/>
+          </a:xfrm>
+          <a:prstGeom prst="rect">
+            <a:avLst/>
+          </a:prstGeom>
+          <a:noFill/>
+        </p:spPr>
+        <p:txBody>
+          <a:bodyPr wrap="square">
+            <a:spAutoFit/>
+          </a:bodyPr>
+          <a:lstStyle/>
+          <a:p>
+            <a:r>
+              <a:rPr lang="en-US" dirty="0"/>
+              <a:t>The dataset we will use contains Arabic newspaper articles.</a:t>
+            </a:r>
+          </a:p>
+        </p:txBody>
+      </p:sp>
+      <p:sp>
+        <p:nvSpPr>
+          <p:cNvPr id="28" name="TextBox 27">
+            <a:extLst>
+              <a:ext uri="{FF2B5EF4-FFF2-40B4-BE49-F238E27FC236}">
+                <a16:creationId xmlns:a16="http://schemas.microsoft.com/office/drawing/2014/main" id="{B3015710-C12A-48DF-8D38-BAE2C10F6E85}"/>
+              </a:ext>
+            </a:extLst>
+          </p:cNvPr>
+          <p:cNvSpPr txBox="1"/>
+          <p:nvPr/>
+        </p:nvSpPr>
+        <p:spPr>
+          <a:xfrm>
+            <a:off x="478100" y="2987549"/>
+            <a:ext cx="2980944" cy="1600438"/>
+          </a:xfrm>
+          <a:prstGeom prst="rect">
+            <a:avLst/>
+          </a:prstGeom>
+          <a:noFill/>
+        </p:spPr>
+        <p:txBody>
+          <a:bodyPr wrap="square">
+            <a:spAutoFit/>
+          </a:bodyPr>
+          <a:lstStyle/>
+          <a:p>
+            <a:r>
+              <a:rPr lang="en-US" dirty="0"/>
+              <a:t>Our goal to Categories the articles into 4 categories : </a:t>
+            </a:r>
+          </a:p>
+          <a:p>
+            <a:pPr marL="285750" indent="-285750">
+              <a:buFont typeface="Arial" panose="020B0604020202020204" pitchFamily="34" charset="0"/>
+              <a:buChar char="•"/>
+            </a:pPr>
+            <a:r>
+              <a:rPr lang="en-US" b="1" dirty="0"/>
+              <a:t>Health</a:t>
+            </a:r>
+          </a:p>
+          <a:p>
+            <a:pPr marL="285750" indent="-285750">
+              <a:buFont typeface="Arial" panose="020B0604020202020204" pitchFamily="34" charset="0"/>
+              <a:buChar char="•"/>
+            </a:pPr>
+            <a:r>
+              <a:rPr lang="en-US" b="1" dirty="0"/>
+              <a:t>Sports</a:t>
+            </a:r>
+          </a:p>
+          <a:p>
+            <a:pPr marL="285750" indent="-285750">
+              <a:buFont typeface="Arial" panose="020B0604020202020204" pitchFamily="34" charset="0"/>
+              <a:buChar char="•"/>
+            </a:pPr>
+            <a:r>
+              <a:rPr lang="en-US" b="1" dirty="0"/>
+              <a:t>Politics</a:t>
+            </a:r>
+          </a:p>
+          <a:p>
+            <a:pPr marL="285750" indent="-285750">
+              <a:buFont typeface="Arial" panose="020B0604020202020204" pitchFamily="34" charset="0"/>
+              <a:buChar char="•"/>
+            </a:pPr>
+            <a:r>
+              <a:rPr lang="en-US" b="1" dirty="0"/>
+              <a:t>Economy</a:t>
+            </a:r>
+          </a:p>
+          <a:p>
+            <a:endParaRPr lang="en-US" dirty="0"/>
+          </a:p>
+        </p:txBody>
+      </p:sp>
+    </p:spTree>
+    <p:extLst>
+      <p:ext uri="{BB962C8B-B14F-4D97-AF65-F5344CB8AC3E}">
+        <p14:creationId xmlns:p14="http://schemas.microsoft.com/office/powerpoint/2010/main" val="1737646013"/>
+      </p:ext>
+    </p:extLst>
+  </p:cSld>
+  <p:clrMapOvr>
+    <a:masterClrMapping/>
+  </p:clrMapOvr>
+</p:sld>
+</file>
+
+<file path=ppt/slides/slide7.xml><?xml version="1.0" encoding="utf-8"?>
 <p:sld xmlns:a="http://schemas.openxmlformats.org/drawingml/2006/main" xmlns:r="http://schemas.openxmlformats.org/officeDocument/2006/relationships" xmlns:p="http://schemas.openxmlformats.org/presentationml/2006/main">
   <p:cSld>
     <p:spTree>
@@ -18647,735 +19458,6 @@
 </p:sld>
 </file>
 
-<file path=ppt/slides/slide7.xml><?xml version="1.0" encoding="utf-8"?>
-<p:sld xmlns:a="http://schemas.openxmlformats.org/drawingml/2006/main" xmlns:r="http://schemas.openxmlformats.org/officeDocument/2006/relationships" xmlns:p="http://schemas.openxmlformats.org/presentationml/2006/main">
-  <p:cSld>
-    <p:spTree>
-      <p:nvGrpSpPr>
-        <p:cNvPr id="1" name="Shape 315"/>
-        <p:cNvGrpSpPr/>
-        <p:nvPr/>
-      </p:nvGrpSpPr>
-      <p:grpSpPr>
-        <a:xfrm>
-          <a:off x="0" y="0"/>
-          <a:ext cx="0" cy="0"/>
-          <a:chOff x="0" y="0"/>
-          <a:chExt cx="0" cy="0"/>
-        </a:xfrm>
-      </p:grpSpPr>
-      <p:sp>
-        <p:nvSpPr>
-          <p:cNvPr id="316" name="Google Shape;316;p36"/>
-          <p:cNvSpPr txBox="1">
-            <a:spLocks noGrp="1"/>
-          </p:cNvSpPr>
-          <p:nvPr>
-            <p:ph type="ctrTitle"/>
-          </p:nvPr>
-        </p:nvSpPr>
-        <p:spPr>
-          <a:xfrm>
-            <a:off x="734400" y="484632"/>
-            <a:ext cx="7675200" cy="422700"/>
-          </a:xfrm>
-          <a:prstGeom prst="rect">
-            <a:avLst/>
-          </a:prstGeom>
-        </p:spPr>
-        <p:txBody>
-          <a:bodyPr spcFirstLastPara="1" wrap="square" lIns="91425" tIns="91425" rIns="91425" bIns="91425" anchor="ctr" anchorCtr="0">
-            <a:noAutofit/>
-          </a:bodyPr>
-          <a:lstStyle/>
-          <a:p>
-            <a:pPr marL="0" lvl="0" indent="0" algn="ctr" rtl="0">
-              <a:spcBef>
-                <a:spcPts val="0"/>
-              </a:spcBef>
-              <a:spcAft>
-                <a:spcPts val="0"/>
-              </a:spcAft>
-              <a:buNone/>
-            </a:pPr>
-            <a:r>
-              <a:rPr lang="en" dirty="0"/>
-              <a:t>Data</a:t>
-            </a:r>
-            <a:endParaRPr dirty="0"/>
-          </a:p>
-        </p:txBody>
-      </p:sp>
-      <p:sp>
-        <p:nvSpPr>
-          <p:cNvPr id="317" name="Google Shape;317;p36"/>
-          <p:cNvSpPr txBox="1">
-            <a:spLocks noGrp="1"/>
-          </p:cNvSpPr>
-          <p:nvPr>
-            <p:ph type="subTitle" idx="1"/>
-          </p:nvPr>
-        </p:nvSpPr>
-        <p:spPr>
-          <a:xfrm>
-            <a:off x="720000" y="1043500"/>
-            <a:ext cx="1540800" cy="174600"/>
-          </a:xfrm>
-          <a:prstGeom prst="rect">
-            <a:avLst/>
-          </a:prstGeom>
-        </p:spPr>
-        <p:txBody>
-          <a:bodyPr spcFirstLastPara="1" wrap="square" lIns="0" tIns="91425" rIns="0" bIns="91425" anchor="ctr" anchorCtr="0">
-            <a:noAutofit/>
-          </a:bodyPr>
-          <a:lstStyle/>
-          <a:p>
-            <a:pPr marL="0" lvl="0" indent="0" algn="l" rtl="0">
-              <a:spcBef>
-                <a:spcPts val="0"/>
-              </a:spcBef>
-              <a:spcAft>
-                <a:spcPts val="0"/>
-              </a:spcAft>
-              <a:buNone/>
-            </a:pPr>
-            <a:r>
-              <a:rPr lang="en" dirty="0"/>
-              <a:t>Sunday 24/10/2021</a:t>
-            </a:r>
-            <a:endParaRPr dirty="0"/>
-          </a:p>
-        </p:txBody>
-      </p:sp>
-      <p:sp>
-        <p:nvSpPr>
-          <p:cNvPr id="318" name="Google Shape;318;p36"/>
-          <p:cNvSpPr txBox="1">
-            <a:spLocks noGrp="1"/>
-          </p:cNvSpPr>
-          <p:nvPr>
-            <p:ph type="subTitle" idx="2"/>
-          </p:nvPr>
-        </p:nvSpPr>
-        <p:spPr>
-          <a:xfrm>
-            <a:off x="3799350" y="1044100"/>
-            <a:ext cx="1545300" cy="173700"/>
-          </a:xfrm>
-          <a:prstGeom prst="rect">
-            <a:avLst/>
-          </a:prstGeom>
-        </p:spPr>
-        <p:txBody>
-          <a:bodyPr spcFirstLastPara="1" wrap="square" lIns="91425" tIns="91425" rIns="91425" bIns="91425" anchor="ctr" anchorCtr="0">
-            <a:noAutofit/>
-          </a:bodyPr>
-          <a:lstStyle/>
-          <a:p>
-            <a:pPr marL="0" lvl="0" indent="0" algn="ctr" rtl="0">
-              <a:spcBef>
-                <a:spcPts val="0"/>
-              </a:spcBef>
-              <a:spcAft>
-                <a:spcPts val="0"/>
-              </a:spcAft>
-              <a:buNone/>
-            </a:pPr>
-            <a:r>
-              <a:rPr lang="en"/>
-              <a:t>Newsletter</a:t>
-            </a:r>
-            <a:endParaRPr/>
-          </a:p>
-        </p:txBody>
-      </p:sp>
-      <p:sp>
-        <p:nvSpPr>
-          <p:cNvPr id="319" name="Google Shape;319;p36"/>
-          <p:cNvSpPr txBox="1">
-            <a:spLocks noGrp="1"/>
-          </p:cNvSpPr>
-          <p:nvPr>
-            <p:ph type="subTitle" idx="3"/>
-          </p:nvPr>
-        </p:nvSpPr>
-        <p:spPr>
-          <a:xfrm>
-            <a:off x="6883200" y="1044100"/>
-            <a:ext cx="1545300" cy="173700"/>
-          </a:xfrm>
-          <a:prstGeom prst="rect">
-            <a:avLst/>
-          </a:prstGeom>
-        </p:spPr>
-        <p:txBody>
-          <a:bodyPr spcFirstLastPara="1" wrap="square" lIns="0" tIns="91425" rIns="0" bIns="91425" anchor="ctr" anchorCtr="0">
-            <a:noAutofit/>
-          </a:bodyPr>
-          <a:lstStyle/>
-          <a:p>
-            <a:pPr marL="0" lvl="0" indent="0" algn="r" rtl="0">
-              <a:spcBef>
-                <a:spcPts val="0"/>
-              </a:spcBef>
-              <a:spcAft>
-                <a:spcPts val="0"/>
-              </a:spcAft>
-              <a:buNone/>
-            </a:pPr>
-            <a:r>
-              <a:rPr lang="en"/>
-              <a:t>Edition: 001</a:t>
-            </a:r>
-            <a:endParaRPr/>
-          </a:p>
-        </p:txBody>
-      </p:sp>
-      <p:sp>
-        <p:nvSpPr>
-          <p:cNvPr id="321" name="Google Shape;321;p36"/>
-          <p:cNvSpPr txBox="1"/>
-          <p:nvPr/>
-        </p:nvSpPr>
-        <p:spPr>
-          <a:xfrm>
-            <a:off x="4668000" y="1794956"/>
-            <a:ext cx="1540800" cy="347400"/>
-          </a:xfrm>
-          <a:prstGeom prst="rect">
-            <a:avLst/>
-          </a:prstGeom>
-          <a:noFill/>
-          <a:ln>
-            <a:noFill/>
-          </a:ln>
-        </p:spPr>
-        <p:txBody>
-          <a:bodyPr spcFirstLastPara="1" wrap="square" lIns="0" tIns="0" rIns="0" bIns="0" anchor="t" anchorCtr="0">
-            <a:noAutofit/>
-          </a:bodyPr>
-          <a:lstStyle/>
-          <a:p>
-            <a:pPr marL="0" lvl="0" indent="0" algn="l" rtl="0">
-              <a:spcBef>
-                <a:spcPts val="0"/>
-              </a:spcBef>
-              <a:spcAft>
-                <a:spcPts val="0"/>
-              </a:spcAft>
-              <a:buNone/>
-            </a:pPr>
-            <a:r>
-              <a:rPr lang="en-US" sz="2000" b="0" i="0" dirty="0">
-                <a:solidFill>
-                  <a:srgbClr val="000000"/>
-                </a:solidFill>
-                <a:effectLst/>
-                <a:latin typeface="Helvetica Neue"/>
-              </a:rPr>
-              <a:t>ID</a:t>
-            </a:r>
-            <a:endParaRPr lang="en-US" sz="2000" b="1" dirty="0">
-              <a:latin typeface="Merriweather"/>
-              <a:ea typeface="Merriweather"/>
-              <a:cs typeface="Merriweather"/>
-              <a:sym typeface="Merriweather"/>
-            </a:endParaRPr>
-          </a:p>
-        </p:txBody>
-      </p:sp>
-      <p:sp>
-        <p:nvSpPr>
-          <p:cNvPr id="322" name="Google Shape;322;p36"/>
-          <p:cNvSpPr txBox="1"/>
-          <p:nvPr/>
-        </p:nvSpPr>
-        <p:spPr>
-          <a:xfrm>
-            <a:off x="4668000" y="2193850"/>
-            <a:ext cx="1540800" cy="719700"/>
-          </a:xfrm>
-          <a:prstGeom prst="rect">
-            <a:avLst/>
-          </a:prstGeom>
-          <a:noFill/>
-          <a:ln>
-            <a:noFill/>
-          </a:ln>
-        </p:spPr>
-        <p:txBody>
-          <a:bodyPr spcFirstLastPara="1" wrap="square" lIns="0" tIns="0" rIns="0" bIns="0" anchor="t" anchorCtr="0">
-            <a:noAutofit/>
-          </a:bodyPr>
-          <a:lstStyle/>
-          <a:p>
-            <a:pPr marL="0" lvl="0" indent="0" algn="l" rtl="0">
-              <a:lnSpc>
-                <a:spcPct val="115000"/>
-              </a:lnSpc>
-              <a:spcBef>
-                <a:spcPts val="0"/>
-              </a:spcBef>
-              <a:spcAft>
-                <a:spcPts val="0"/>
-              </a:spcAft>
-              <a:buNone/>
-            </a:pPr>
-            <a:r>
-              <a:rPr lang="en-US" dirty="0">
-                <a:latin typeface="Merriweather"/>
-                <a:ea typeface="Merriweather"/>
-                <a:cs typeface="Merriweather"/>
-                <a:sym typeface="Merriweather"/>
-              </a:rPr>
-              <a:t>contains the ID of article</a:t>
-            </a:r>
-          </a:p>
-        </p:txBody>
-      </p:sp>
-      <p:sp>
-        <p:nvSpPr>
-          <p:cNvPr id="323" name="Google Shape;323;p36"/>
-          <p:cNvSpPr/>
-          <p:nvPr/>
-        </p:nvSpPr>
-        <p:spPr>
-          <a:xfrm>
-            <a:off x="4244400" y="1844650"/>
-            <a:ext cx="218400" cy="218400"/>
-          </a:xfrm>
-          <a:prstGeom prst="rect">
-            <a:avLst/>
-          </a:prstGeom>
-          <a:solidFill>
-            <a:schemeClr val="accent2"/>
-          </a:solidFill>
-          <a:ln>
-            <a:noFill/>
-          </a:ln>
-        </p:spPr>
-        <p:txBody>
-          <a:bodyPr spcFirstLastPara="1" wrap="square" lIns="91425" tIns="91425" rIns="91425" bIns="91425" anchor="ctr" anchorCtr="0">
-            <a:noAutofit/>
-          </a:bodyPr>
-          <a:lstStyle/>
-          <a:p>
-            <a:pPr marL="0" lvl="0" indent="0" algn="l" rtl="0">
-              <a:spcBef>
-                <a:spcPts val="0"/>
-              </a:spcBef>
-              <a:spcAft>
-                <a:spcPts val="0"/>
-              </a:spcAft>
-              <a:buNone/>
-            </a:pPr>
-            <a:endParaRPr/>
-          </a:p>
-        </p:txBody>
-      </p:sp>
-      <p:sp>
-        <p:nvSpPr>
-          <p:cNvPr id="324" name="Google Shape;324;p36"/>
-          <p:cNvSpPr txBox="1"/>
-          <p:nvPr/>
-        </p:nvSpPr>
-        <p:spPr>
-          <a:xfrm>
-            <a:off x="6859200" y="1794956"/>
-            <a:ext cx="1540800" cy="347400"/>
-          </a:xfrm>
-          <a:prstGeom prst="rect">
-            <a:avLst/>
-          </a:prstGeom>
-          <a:noFill/>
-          <a:ln>
-            <a:noFill/>
-          </a:ln>
-        </p:spPr>
-        <p:txBody>
-          <a:bodyPr spcFirstLastPara="1" wrap="square" lIns="0" tIns="0" rIns="0" bIns="0" anchor="t" anchorCtr="0">
-            <a:noAutofit/>
-          </a:bodyPr>
-          <a:lstStyle/>
-          <a:p>
-            <a:pPr marL="0" lvl="0" indent="0" algn="l" rtl="0">
-              <a:spcBef>
-                <a:spcPts val="0"/>
-              </a:spcBef>
-              <a:spcAft>
-                <a:spcPts val="0"/>
-              </a:spcAft>
-              <a:buNone/>
-            </a:pPr>
-            <a:r>
-              <a:rPr lang="en" sz="2000" b="1" dirty="0">
-                <a:latin typeface="Merriweather"/>
-                <a:ea typeface="Merriweather"/>
-                <a:cs typeface="Merriweather"/>
-                <a:sym typeface="Merriweather"/>
-              </a:rPr>
-              <a:t>Subject</a:t>
-            </a:r>
-            <a:endParaRPr sz="2000" b="1" dirty="0">
-              <a:latin typeface="Merriweather"/>
-              <a:ea typeface="Merriweather"/>
-              <a:cs typeface="Merriweather"/>
-              <a:sym typeface="Merriweather"/>
-            </a:endParaRPr>
-          </a:p>
-        </p:txBody>
-      </p:sp>
-      <p:sp>
-        <p:nvSpPr>
-          <p:cNvPr id="325" name="Google Shape;325;p36"/>
-          <p:cNvSpPr txBox="1"/>
-          <p:nvPr/>
-        </p:nvSpPr>
-        <p:spPr>
-          <a:xfrm>
-            <a:off x="6859200" y="2193850"/>
-            <a:ext cx="1540800" cy="719700"/>
-          </a:xfrm>
-          <a:prstGeom prst="rect">
-            <a:avLst/>
-          </a:prstGeom>
-          <a:noFill/>
-          <a:ln>
-            <a:noFill/>
-          </a:ln>
-        </p:spPr>
-        <p:txBody>
-          <a:bodyPr spcFirstLastPara="1" wrap="square" lIns="0" tIns="0" rIns="0" bIns="0" anchor="t" anchorCtr="0">
-            <a:noAutofit/>
-          </a:bodyPr>
-          <a:lstStyle/>
-          <a:p>
-            <a:pPr marL="0" lvl="0" indent="0" algn="l" rtl="0">
-              <a:lnSpc>
-                <a:spcPct val="115000"/>
-              </a:lnSpc>
-              <a:spcBef>
-                <a:spcPts val="0"/>
-              </a:spcBef>
-              <a:spcAft>
-                <a:spcPts val="0"/>
-              </a:spcAft>
-              <a:buNone/>
-            </a:pPr>
-            <a:r>
-              <a:rPr lang="en-US" dirty="0">
-                <a:latin typeface="Merriweather"/>
-                <a:ea typeface="Merriweather"/>
-                <a:cs typeface="Merriweather"/>
-                <a:sym typeface="Merriweather"/>
-              </a:rPr>
-              <a:t>contains brief description about the article.</a:t>
-            </a:r>
-          </a:p>
-        </p:txBody>
-      </p:sp>
-      <p:sp>
-        <p:nvSpPr>
-          <p:cNvPr id="326" name="Google Shape;326;p36"/>
-          <p:cNvSpPr/>
-          <p:nvPr/>
-        </p:nvSpPr>
-        <p:spPr>
-          <a:xfrm>
-            <a:off x="6432558" y="1844650"/>
-            <a:ext cx="218400" cy="218400"/>
-          </a:xfrm>
-          <a:prstGeom prst="rect">
-            <a:avLst/>
-          </a:prstGeom>
-          <a:solidFill>
-            <a:schemeClr val="accent3"/>
-          </a:solidFill>
-          <a:ln>
-            <a:noFill/>
-          </a:ln>
-        </p:spPr>
-        <p:txBody>
-          <a:bodyPr spcFirstLastPara="1" wrap="square" lIns="91425" tIns="91425" rIns="91425" bIns="91425" anchor="ctr" anchorCtr="0">
-            <a:noAutofit/>
-          </a:bodyPr>
-          <a:lstStyle/>
-          <a:p>
-            <a:pPr marL="0" lvl="0" indent="0" algn="l" rtl="0">
-              <a:spcBef>
-                <a:spcPts val="0"/>
-              </a:spcBef>
-              <a:spcAft>
-                <a:spcPts val="0"/>
-              </a:spcAft>
-              <a:buNone/>
-            </a:pPr>
-            <a:endParaRPr/>
-          </a:p>
-        </p:txBody>
-      </p:sp>
-      <p:sp>
-        <p:nvSpPr>
-          <p:cNvPr id="327" name="Google Shape;327;p36"/>
-          <p:cNvSpPr txBox="1"/>
-          <p:nvPr/>
-        </p:nvSpPr>
-        <p:spPr>
-          <a:xfrm>
-            <a:off x="4668000" y="3462125"/>
-            <a:ext cx="1540800" cy="347400"/>
-          </a:xfrm>
-          <a:prstGeom prst="rect">
-            <a:avLst/>
-          </a:prstGeom>
-          <a:noFill/>
-          <a:ln>
-            <a:noFill/>
-          </a:ln>
-        </p:spPr>
-        <p:txBody>
-          <a:bodyPr spcFirstLastPara="1" wrap="square" lIns="0" tIns="0" rIns="0" bIns="0" anchor="b" anchorCtr="0">
-            <a:noAutofit/>
-          </a:bodyPr>
-          <a:lstStyle/>
-          <a:p>
-            <a:pPr marL="0" lvl="0" indent="0" algn="l">
-              <a:spcBef>
-                <a:spcPts val="0"/>
-              </a:spcBef>
-              <a:spcAft>
-                <a:spcPts val="0"/>
-              </a:spcAft>
-              <a:buNone/>
-            </a:pPr>
-            <a:r>
-              <a:rPr lang="en-US" sz="2000" b="1" dirty="0">
-                <a:latin typeface="Merriweather"/>
-                <a:ea typeface="Merriweather"/>
-                <a:cs typeface="Merriweather"/>
-                <a:sym typeface="Merriweather"/>
-              </a:rPr>
-              <a:t>Content</a:t>
-            </a:r>
-          </a:p>
-        </p:txBody>
-      </p:sp>
-      <p:sp>
-        <p:nvSpPr>
-          <p:cNvPr id="328" name="Google Shape;328;p36"/>
-          <p:cNvSpPr txBox="1"/>
-          <p:nvPr/>
-        </p:nvSpPr>
-        <p:spPr>
-          <a:xfrm>
-            <a:off x="4668000" y="3904450"/>
-            <a:ext cx="1540800" cy="719700"/>
-          </a:xfrm>
-          <a:prstGeom prst="rect">
-            <a:avLst/>
-          </a:prstGeom>
-          <a:noFill/>
-          <a:ln>
-            <a:noFill/>
-          </a:ln>
-        </p:spPr>
-        <p:txBody>
-          <a:bodyPr spcFirstLastPara="1" wrap="square" lIns="0" tIns="0" rIns="0" bIns="0" anchor="t" anchorCtr="0">
-            <a:noAutofit/>
-          </a:bodyPr>
-          <a:lstStyle/>
-          <a:p>
-            <a:pPr marL="0" lvl="0" indent="0" algn="l">
-              <a:lnSpc>
-                <a:spcPct val="115000"/>
-              </a:lnSpc>
-              <a:spcBef>
-                <a:spcPts val="0"/>
-              </a:spcBef>
-              <a:spcAft>
-                <a:spcPts val="0"/>
-              </a:spcAft>
-              <a:buNone/>
-            </a:pPr>
-            <a:r>
-              <a:rPr lang="en-US" dirty="0">
-                <a:latin typeface="Merriweather"/>
-                <a:ea typeface="Merriweather"/>
-                <a:cs typeface="Merriweather"/>
-                <a:sym typeface="Merriweather"/>
-              </a:rPr>
-              <a:t>contains the text in the article.</a:t>
-            </a:r>
-          </a:p>
-        </p:txBody>
-      </p:sp>
-      <p:sp>
-        <p:nvSpPr>
-          <p:cNvPr id="329" name="Google Shape;329;p36"/>
-          <p:cNvSpPr/>
-          <p:nvPr/>
-        </p:nvSpPr>
-        <p:spPr>
-          <a:xfrm>
-            <a:off x="4244400" y="3560325"/>
-            <a:ext cx="218400" cy="218400"/>
-          </a:xfrm>
-          <a:prstGeom prst="rect">
-            <a:avLst/>
-          </a:prstGeom>
-          <a:solidFill>
-            <a:schemeClr val="accent4"/>
-          </a:solidFill>
-          <a:ln>
-            <a:noFill/>
-          </a:ln>
-        </p:spPr>
-        <p:txBody>
-          <a:bodyPr spcFirstLastPara="1" wrap="square" lIns="91425" tIns="91425" rIns="91425" bIns="91425" anchor="ctr" anchorCtr="0">
-            <a:noAutofit/>
-          </a:bodyPr>
-          <a:lstStyle/>
-          <a:p>
-            <a:pPr marL="0" lvl="0" indent="0" algn="l">
-              <a:spcBef>
-                <a:spcPts val="0"/>
-              </a:spcBef>
-              <a:spcAft>
-                <a:spcPts val="0"/>
-              </a:spcAft>
-              <a:buNone/>
-            </a:pPr>
-            <a:endParaRPr/>
-          </a:p>
-        </p:txBody>
-      </p:sp>
-      <p:sp>
-        <p:nvSpPr>
-          <p:cNvPr id="25" name="TextBox 24">
-            <a:extLst>
-              <a:ext uri="{FF2B5EF4-FFF2-40B4-BE49-F238E27FC236}">
-                <a16:creationId xmlns:a16="http://schemas.microsoft.com/office/drawing/2014/main" id="{667376CC-4CD3-4795-95E3-E361D3F500A6}"/>
-              </a:ext>
-            </a:extLst>
-          </p:cNvPr>
-          <p:cNvSpPr txBox="1"/>
-          <p:nvPr/>
-        </p:nvSpPr>
-        <p:spPr>
-          <a:xfrm>
-            <a:off x="478100" y="1844650"/>
-            <a:ext cx="2980944" cy="523220"/>
-          </a:xfrm>
-          <a:prstGeom prst="rect">
-            <a:avLst/>
-          </a:prstGeom>
-          <a:noFill/>
-        </p:spPr>
-        <p:txBody>
-          <a:bodyPr wrap="square">
-            <a:spAutoFit/>
-          </a:bodyPr>
-          <a:lstStyle/>
-          <a:p>
-            <a:r>
-              <a:rPr lang="en-US" dirty="0"/>
-              <a:t>The dataset we will use contains Arabic newspaper articles.</a:t>
-            </a:r>
-          </a:p>
-        </p:txBody>
-      </p:sp>
-      <p:sp>
-        <p:nvSpPr>
-          <p:cNvPr id="28" name="TextBox 27">
-            <a:extLst>
-              <a:ext uri="{FF2B5EF4-FFF2-40B4-BE49-F238E27FC236}">
-                <a16:creationId xmlns:a16="http://schemas.microsoft.com/office/drawing/2014/main" id="{B3015710-C12A-48DF-8D38-BAE2C10F6E85}"/>
-              </a:ext>
-            </a:extLst>
-          </p:cNvPr>
-          <p:cNvSpPr txBox="1"/>
-          <p:nvPr/>
-        </p:nvSpPr>
-        <p:spPr>
-          <a:xfrm>
-            <a:off x="478100" y="2987549"/>
-            <a:ext cx="2980944" cy="1600438"/>
-          </a:xfrm>
-          <a:prstGeom prst="rect">
-            <a:avLst/>
-          </a:prstGeom>
-          <a:noFill/>
-        </p:spPr>
-        <p:txBody>
-          <a:bodyPr wrap="square">
-            <a:spAutoFit/>
-          </a:bodyPr>
-          <a:lstStyle/>
-          <a:p>
-            <a:r>
-              <a:rPr lang="en-US" dirty="0"/>
-              <a:t>Our goal to Categories the articles into 4 categories : </a:t>
-            </a:r>
-          </a:p>
-          <a:p>
-            <a:pPr marL="285750" indent="-285750">
-              <a:buFont typeface="Arial" panose="020B0604020202020204" pitchFamily="34" charset="0"/>
-              <a:buChar char="•"/>
-            </a:pPr>
-            <a:r>
-              <a:rPr lang="en-US" b="1" dirty="0"/>
-              <a:t>Health</a:t>
-            </a:r>
-          </a:p>
-          <a:p>
-            <a:pPr marL="285750" indent="-285750">
-              <a:buFont typeface="Arial" panose="020B0604020202020204" pitchFamily="34" charset="0"/>
-              <a:buChar char="•"/>
-            </a:pPr>
-            <a:r>
-              <a:rPr lang="en-US" b="1" dirty="0"/>
-              <a:t>Sports</a:t>
-            </a:r>
-          </a:p>
-          <a:p>
-            <a:pPr marL="285750" indent="-285750">
-              <a:buFont typeface="Arial" panose="020B0604020202020204" pitchFamily="34" charset="0"/>
-              <a:buChar char="•"/>
-            </a:pPr>
-            <a:r>
-              <a:rPr lang="en-US" b="1" dirty="0"/>
-              <a:t>Politics</a:t>
-            </a:r>
-          </a:p>
-          <a:p>
-            <a:pPr marL="285750" indent="-285750">
-              <a:buFont typeface="Arial" panose="020B0604020202020204" pitchFamily="34" charset="0"/>
-              <a:buChar char="•"/>
-            </a:pPr>
-            <a:r>
-              <a:rPr lang="en-US" b="1" dirty="0"/>
-              <a:t>Economy</a:t>
-            </a:r>
-          </a:p>
-          <a:p>
-            <a:endParaRPr lang="en-US" dirty="0"/>
-          </a:p>
-        </p:txBody>
-      </p:sp>
-    </p:spTree>
-    <p:extLst>
-      <p:ext uri="{BB962C8B-B14F-4D97-AF65-F5344CB8AC3E}">
-        <p14:creationId xmlns:p14="http://schemas.microsoft.com/office/powerpoint/2010/main" val="1737646013"/>
-      </p:ext>
-    </p:extLst>
-  </p:cSld>
-  <p:clrMapOvr>
-    <a:masterClrMapping/>
-  </p:clrMapOvr>
-</p:sld>
-</file>
-
 <file path=ppt/slides/slide8.xml><?xml version="1.0" encoding="utf-8"?>
 <p:sld xmlns:a="http://schemas.openxmlformats.org/drawingml/2006/main" xmlns:r="http://schemas.openxmlformats.org/officeDocument/2006/relationships" xmlns:p="http://schemas.openxmlformats.org/presentationml/2006/main">
   <p:cSld>
